--- a/docs/dns-tutorial-lacnic-cap05-00.pptx
+++ b/docs/dns-tutorial-lacnic-cap05-00.pptx
@@ -19,7 +19,7 @@
     <p:sldId id="379" r:id="rId7"/>
     <p:sldId id="272" r:id="rId8"/>
   </p:sldIdLst>
-  <p:sldSz cx="10072688" cy="7556500"/>
+  <p:sldSz cx="9144000" cy="5143500" type="screen16x9"/>
   <p:notesSz cx="6858000" cy="9144000"/>
   <p:defaultTextStyle>
     <a:defPPr>
@@ -32,7 +32,7 @@
       <a:spcAft>
         <a:spcPct val="0"/>
       </a:spcAft>
-      <a:defRPr sz="2000" kern="1200">
+      <a:defRPr sz="1621" kern="1200">
         <a:solidFill>
           <a:srgbClr val="FFFFFF"/>
         </a:solidFill>
@@ -42,14 +42,14 @@
         <a:sym typeface="Arial Bold" charset="0"/>
       </a:defRPr>
     </a:lvl1pPr>
-    <a:lvl2pPr marL="457200" algn="l" rtl="0" fontAlgn="base">
+    <a:lvl2pPr marL="370515" algn="l" rtl="0" fontAlgn="base">
       <a:spcBef>
         <a:spcPct val="0"/>
       </a:spcBef>
       <a:spcAft>
         <a:spcPct val="0"/>
       </a:spcAft>
-      <a:defRPr sz="2000" kern="1200">
+      <a:defRPr sz="1621" kern="1200">
         <a:solidFill>
           <a:srgbClr val="FFFFFF"/>
         </a:solidFill>
@@ -59,14 +59,14 @@
         <a:sym typeface="Arial Bold" charset="0"/>
       </a:defRPr>
     </a:lvl2pPr>
-    <a:lvl3pPr marL="914400" algn="l" rtl="0" fontAlgn="base">
+    <a:lvl3pPr marL="741030" algn="l" rtl="0" fontAlgn="base">
       <a:spcBef>
         <a:spcPct val="0"/>
       </a:spcBef>
       <a:spcAft>
         <a:spcPct val="0"/>
       </a:spcAft>
-      <a:defRPr sz="2000" kern="1200">
+      <a:defRPr sz="1621" kern="1200">
         <a:solidFill>
           <a:srgbClr val="FFFFFF"/>
         </a:solidFill>
@@ -76,14 +76,14 @@
         <a:sym typeface="Arial Bold" charset="0"/>
       </a:defRPr>
     </a:lvl3pPr>
-    <a:lvl4pPr marL="1371600" algn="l" rtl="0" fontAlgn="base">
+    <a:lvl4pPr marL="1111545" algn="l" rtl="0" fontAlgn="base">
       <a:spcBef>
         <a:spcPct val="0"/>
       </a:spcBef>
       <a:spcAft>
         <a:spcPct val="0"/>
       </a:spcAft>
-      <a:defRPr sz="2000" kern="1200">
+      <a:defRPr sz="1621" kern="1200">
         <a:solidFill>
           <a:srgbClr val="FFFFFF"/>
         </a:solidFill>
@@ -93,14 +93,14 @@
         <a:sym typeface="Arial Bold" charset="0"/>
       </a:defRPr>
     </a:lvl4pPr>
-    <a:lvl5pPr marL="1828800" algn="l" rtl="0" fontAlgn="base">
+    <a:lvl5pPr marL="1482060" algn="l" rtl="0" fontAlgn="base">
       <a:spcBef>
         <a:spcPct val="0"/>
       </a:spcBef>
       <a:spcAft>
         <a:spcPct val="0"/>
       </a:spcAft>
-      <a:defRPr sz="2000" kern="1200">
+      <a:defRPr sz="1621" kern="1200">
         <a:solidFill>
           <a:srgbClr val="FFFFFF"/>
         </a:solidFill>
@@ -110,8 +110,8 @@
         <a:sym typeface="Arial Bold" charset="0"/>
       </a:defRPr>
     </a:lvl5pPr>
-    <a:lvl6pPr marL="2286000" algn="l" defTabSz="457200" rtl="0" eaLnBrk="1" latinLnBrk="0" hangingPunct="1">
-      <a:defRPr sz="2000" kern="1200">
+    <a:lvl6pPr marL="1852574" algn="l" defTabSz="370515" rtl="0" eaLnBrk="1" latinLnBrk="0" hangingPunct="1">
+      <a:defRPr sz="1621" kern="1200">
         <a:solidFill>
           <a:srgbClr val="FFFFFF"/>
         </a:solidFill>
@@ -121,8 +121,8 @@
         <a:sym typeface="Arial Bold" charset="0"/>
       </a:defRPr>
     </a:lvl6pPr>
-    <a:lvl7pPr marL="2743200" algn="l" defTabSz="457200" rtl="0" eaLnBrk="1" latinLnBrk="0" hangingPunct="1">
-      <a:defRPr sz="2000" kern="1200">
+    <a:lvl7pPr marL="2223089" algn="l" defTabSz="370515" rtl="0" eaLnBrk="1" latinLnBrk="0" hangingPunct="1">
+      <a:defRPr sz="1621" kern="1200">
         <a:solidFill>
           <a:srgbClr val="FFFFFF"/>
         </a:solidFill>
@@ -132,8 +132,8 @@
         <a:sym typeface="Arial Bold" charset="0"/>
       </a:defRPr>
     </a:lvl7pPr>
-    <a:lvl8pPr marL="3200400" algn="l" defTabSz="457200" rtl="0" eaLnBrk="1" latinLnBrk="0" hangingPunct="1">
-      <a:defRPr sz="2000" kern="1200">
+    <a:lvl8pPr marL="2593604" algn="l" defTabSz="370515" rtl="0" eaLnBrk="1" latinLnBrk="0" hangingPunct="1">
+      <a:defRPr sz="1621" kern="1200">
         <a:solidFill>
           <a:srgbClr val="FFFFFF"/>
         </a:solidFill>
@@ -143,8 +143,8 @@
         <a:sym typeface="Arial Bold" charset="0"/>
       </a:defRPr>
     </a:lvl8pPr>
-    <a:lvl9pPr marL="3657600" algn="l" defTabSz="457200" rtl="0" eaLnBrk="1" latinLnBrk="0" hangingPunct="1">
-      <a:defRPr sz="2000" kern="1200">
+    <a:lvl9pPr marL="2964119" algn="l" defTabSz="370515" rtl="0" eaLnBrk="1" latinLnBrk="0" hangingPunct="1">
+      <a:defRPr sz="1621" kern="1200">
         <a:solidFill>
           <a:srgbClr val="FFFFFF"/>
         </a:solidFill>
@@ -155,6 +155,22 @@
       </a:defRPr>
     </a:lvl9pPr>
   </p:defaultTextStyle>
+  <p:extLst>
+    <p:ext uri="{EFAFB233-063F-42B5-8137-9DF3F51BA10A}">
+      <p15:sldGuideLst xmlns:p15="http://schemas.microsoft.com/office/powerpoint/2012/main">
+        <p15:guide id="1" orient="horz" pos="1620" userDrawn="1">
+          <p15:clr>
+            <a:srgbClr val="A4A3A4"/>
+          </p15:clr>
+        </p15:guide>
+        <p15:guide id="2" pos="2880" userDrawn="1">
+          <p15:clr>
+            <a:srgbClr val="A4A3A4"/>
+          </p15:clr>
+        </p15:guide>
+      </p15:sldGuideLst>
+    </p:ext>
+  </p:extLst>
 </p:presentation>
 </file>
 
@@ -257,7 +273,7 @@
             <a:fld id="{9F1CCEEF-BC20-F840-8722-67753655753B}" type="datetimeFigureOut">
               <a:rPr lang="en-US"/>
               <a:pPr/>
-              <a:t>5/3/11</a:t>
+              <a:t>1/28/19</a:t>
             </a:fld>
             <a:endParaRPr lang="en-US"/>
           </a:p>
@@ -456,7 +472,7 @@
             <a:fld id="{BDEFDD4B-0287-F242-BDCC-8DDBDC5E41A2}" type="datetimeFigureOut">
               <a:rPr lang="en-US"/>
               <a:pPr/>
-              <a:t>5/3/11</a:t>
+              <a:t>1/28/19</a:t>
             </a:fld>
             <a:endParaRPr lang="en-US"/>
           </a:p>
@@ -474,8 +490,8 @@
         </p:nvSpPr>
         <p:spPr>
           <a:xfrm>
-            <a:off x="1143000" y="685800"/>
-            <a:ext cx="4572000" cy="3429000"/>
+            <a:off x="381000" y="685800"/>
+            <a:ext cx="6096000" cy="3429000"/>
           </a:xfrm>
           <a:prstGeom prst="rect">
             <a:avLst/>
@@ -652,14 +668,14 @@
   </p:cSld>
   <p:clrMap bg1="lt1" tx1="dk1" bg2="lt2" tx2="dk2" accent1="accent1" accent2="accent2" accent3="accent3" accent4="accent4" accent5="accent5" accent6="accent6" hlink="hlink" folHlink="folHlink"/>
   <p:notesStyle>
-    <a:lvl1pPr algn="l" defTabSz="457200" rtl="0" eaLnBrk="0" fontAlgn="base" hangingPunct="0">
+    <a:lvl1pPr algn="l" defTabSz="370515" rtl="0" eaLnBrk="0" fontAlgn="base" hangingPunct="0">
       <a:spcBef>
         <a:spcPct val="30000"/>
       </a:spcBef>
       <a:spcAft>
         <a:spcPct val="0"/>
       </a:spcAft>
-      <a:defRPr sz="1200" kern="1200">
+      <a:defRPr sz="972" kern="1200">
         <a:solidFill>
           <a:schemeClr val="tx1"/>
         </a:solidFill>
@@ -668,14 +684,14 @@
         <a:cs typeface="ＭＳ Ｐゴシック" charset="0"/>
       </a:defRPr>
     </a:lvl1pPr>
-    <a:lvl2pPr marL="457200" algn="l" defTabSz="457200" rtl="0" eaLnBrk="0" fontAlgn="base" hangingPunct="0">
+    <a:lvl2pPr marL="370515" algn="l" defTabSz="370515" rtl="0" eaLnBrk="0" fontAlgn="base" hangingPunct="0">
       <a:spcBef>
         <a:spcPct val="30000"/>
       </a:spcBef>
       <a:spcAft>
         <a:spcPct val="0"/>
       </a:spcAft>
-      <a:defRPr sz="1200" kern="1200">
+      <a:defRPr sz="972" kern="1200">
         <a:solidFill>
           <a:schemeClr val="tx1"/>
         </a:solidFill>
@@ -684,14 +700,14 @@
         <a:cs typeface="+mn-cs"/>
       </a:defRPr>
     </a:lvl2pPr>
-    <a:lvl3pPr marL="914400" algn="l" defTabSz="457200" rtl="0" eaLnBrk="0" fontAlgn="base" hangingPunct="0">
+    <a:lvl3pPr marL="741030" algn="l" defTabSz="370515" rtl="0" eaLnBrk="0" fontAlgn="base" hangingPunct="0">
       <a:spcBef>
         <a:spcPct val="30000"/>
       </a:spcBef>
       <a:spcAft>
         <a:spcPct val="0"/>
       </a:spcAft>
-      <a:defRPr sz="1200" kern="1200">
+      <a:defRPr sz="972" kern="1200">
         <a:solidFill>
           <a:schemeClr val="tx1"/>
         </a:solidFill>
@@ -700,14 +716,14 @@
         <a:cs typeface="+mn-cs"/>
       </a:defRPr>
     </a:lvl3pPr>
-    <a:lvl4pPr marL="1371600" algn="l" defTabSz="457200" rtl="0" eaLnBrk="0" fontAlgn="base" hangingPunct="0">
+    <a:lvl4pPr marL="1111545" algn="l" defTabSz="370515" rtl="0" eaLnBrk="0" fontAlgn="base" hangingPunct="0">
       <a:spcBef>
         <a:spcPct val="30000"/>
       </a:spcBef>
       <a:spcAft>
         <a:spcPct val="0"/>
       </a:spcAft>
-      <a:defRPr sz="1200" kern="1200">
+      <a:defRPr sz="972" kern="1200">
         <a:solidFill>
           <a:schemeClr val="tx1"/>
         </a:solidFill>
@@ -716,14 +732,14 @@
         <a:cs typeface="+mn-cs"/>
       </a:defRPr>
     </a:lvl4pPr>
-    <a:lvl5pPr marL="1828800" algn="l" defTabSz="457200" rtl="0" eaLnBrk="0" fontAlgn="base" hangingPunct="0">
+    <a:lvl5pPr marL="1482060" algn="l" defTabSz="370515" rtl="0" eaLnBrk="0" fontAlgn="base" hangingPunct="0">
       <a:spcBef>
         <a:spcPct val="30000"/>
       </a:spcBef>
       <a:spcAft>
         <a:spcPct val="0"/>
       </a:spcAft>
-      <a:defRPr sz="1200" kern="1200">
+      <a:defRPr sz="972" kern="1200">
         <a:solidFill>
           <a:schemeClr val="tx1"/>
         </a:solidFill>
@@ -732,8 +748,8 @@
         <a:cs typeface="+mn-cs"/>
       </a:defRPr>
     </a:lvl5pPr>
-    <a:lvl6pPr marL="2286000" algn="l" defTabSz="457200" rtl="0" eaLnBrk="1" latinLnBrk="0" hangingPunct="1">
-      <a:defRPr sz="1200" kern="1200">
+    <a:lvl6pPr marL="1852574" algn="l" defTabSz="370515" rtl="0" eaLnBrk="1" latinLnBrk="0" hangingPunct="1">
+      <a:defRPr sz="972" kern="1200">
         <a:solidFill>
           <a:schemeClr val="tx1"/>
         </a:solidFill>
@@ -742,8 +758,8 @@
         <a:cs typeface="+mn-cs"/>
       </a:defRPr>
     </a:lvl6pPr>
-    <a:lvl7pPr marL="2743200" algn="l" defTabSz="457200" rtl="0" eaLnBrk="1" latinLnBrk="0" hangingPunct="1">
-      <a:defRPr sz="1200" kern="1200">
+    <a:lvl7pPr marL="2223089" algn="l" defTabSz="370515" rtl="0" eaLnBrk="1" latinLnBrk="0" hangingPunct="1">
+      <a:defRPr sz="972" kern="1200">
         <a:solidFill>
           <a:schemeClr val="tx1"/>
         </a:solidFill>
@@ -752,8 +768,8 @@
         <a:cs typeface="+mn-cs"/>
       </a:defRPr>
     </a:lvl7pPr>
-    <a:lvl8pPr marL="3200400" algn="l" defTabSz="457200" rtl="0" eaLnBrk="1" latinLnBrk="0" hangingPunct="1">
-      <a:defRPr sz="1200" kern="1200">
+    <a:lvl8pPr marL="2593604" algn="l" defTabSz="370515" rtl="0" eaLnBrk="1" latinLnBrk="0" hangingPunct="1">
+      <a:defRPr sz="972" kern="1200">
         <a:solidFill>
           <a:schemeClr val="tx1"/>
         </a:solidFill>
@@ -762,8 +778,8 @@
         <a:cs typeface="+mn-cs"/>
       </a:defRPr>
     </a:lvl8pPr>
-    <a:lvl9pPr marL="3657600" algn="l" defTabSz="457200" rtl="0" eaLnBrk="1" latinLnBrk="0" hangingPunct="1">
-      <a:defRPr sz="1200" kern="1200">
+    <a:lvl9pPr marL="2964119" algn="l" defTabSz="370515" rtl="0" eaLnBrk="1" latinLnBrk="0" hangingPunct="1">
+      <a:defRPr sz="972" kern="1200">
         <a:solidFill>
           <a:schemeClr val="tx1"/>
         </a:solidFill>
@@ -805,8 +821,8 @@
         </p:nvSpPr>
         <p:spPr>
           <a:xfrm>
-            <a:off x="755650" y="2347913"/>
-            <a:ext cx="8561388" cy="1619250"/>
+            <a:off x="685980" y="1598159"/>
+            <a:ext cx="7772040" cy="1102179"/>
           </a:xfrm>
         </p:spPr>
         <p:txBody>
@@ -814,10 +830,9 @@
           <a:lstStyle/>
           <a:p>
             <a:r>
-              <a:rPr lang="es-ES_tradnl" smtClean="0"/>
+              <a:rPr lang="es-ES_tradnl"/>
               <a:t>Clic para editar título</a:t>
             </a:r>
-            <a:endParaRPr lang="es-ES_tradnl"/>
           </a:p>
         </p:txBody>
       </p:sp>
@@ -833,8 +848,8 @@
         </p:nvSpPr>
         <p:spPr>
           <a:xfrm>
-            <a:off x="1511300" y="4281488"/>
-            <a:ext cx="7050088" cy="1931987"/>
+            <a:off x="1371960" y="2914290"/>
+            <a:ext cx="6400080" cy="1315050"/>
           </a:xfrm>
         </p:spPr>
         <p:txBody>
@@ -844,45 +859,44 @@
               <a:buNone/>
               <a:defRPr/>
             </a:lvl1pPr>
-            <a:lvl2pPr marL="457200" indent="0" algn="ctr">
+            <a:lvl2pPr marL="311216" indent="0" algn="ctr">
               <a:buNone/>
               <a:defRPr/>
             </a:lvl2pPr>
-            <a:lvl3pPr marL="914400" indent="0" algn="ctr">
+            <a:lvl3pPr marL="622432" indent="0" algn="ctr">
               <a:buNone/>
               <a:defRPr/>
             </a:lvl3pPr>
-            <a:lvl4pPr marL="1371600" indent="0" algn="ctr">
+            <a:lvl4pPr marL="933648" indent="0" algn="ctr">
               <a:buNone/>
               <a:defRPr/>
             </a:lvl4pPr>
-            <a:lvl5pPr marL="1828800" indent="0" algn="ctr">
+            <a:lvl5pPr marL="1244864" indent="0" algn="ctr">
               <a:buNone/>
               <a:defRPr/>
             </a:lvl5pPr>
-            <a:lvl6pPr marL="2286000" indent="0" algn="ctr">
+            <a:lvl6pPr marL="1556080" indent="0" algn="ctr">
               <a:buNone/>
               <a:defRPr/>
             </a:lvl6pPr>
-            <a:lvl7pPr marL="2743200" indent="0" algn="ctr">
+            <a:lvl7pPr marL="1867296" indent="0" algn="ctr">
               <a:buNone/>
               <a:defRPr/>
             </a:lvl7pPr>
-            <a:lvl8pPr marL="3200400" indent="0" algn="ctr">
+            <a:lvl8pPr marL="2178512" indent="0" algn="ctr">
               <a:buNone/>
               <a:defRPr/>
             </a:lvl8pPr>
-            <a:lvl9pPr marL="3657600" indent="0" algn="ctr">
+            <a:lvl9pPr marL="2489728" indent="0" algn="ctr">
               <a:buNone/>
               <a:defRPr/>
             </a:lvl9pPr>
           </a:lstStyle>
           <a:p>
             <a:r>
-              <a:rPr lang="es-ES_tradnl" smtClean="0"/>
+              <a:rPr lang="es-ES_tradnl"/>
               <a:t>Haga clic para modificar el estilo de subtítulo del patrón</a:t>
             </a:r>
-            <a:endParaRPr lang="es-ES_tradnl"/>
           </a:p>
         </p:txBody>
       </p:sp>
@@ -891,7 +905,7 @@
   <p:clrMapOvr>
     <a:masterClrMapping/>
   </p:clrMapOvr>
-  <p:transition xmlns:p14="http://schemas.microsoft.com/office/powerpoint/2010/main"/>
+  <p:transition/>
 </p:sldLayout>
 </file>
 
@@ -928,10 +942,9 @@
           <a:lstStyle/>
           <a:p>
             <a:r>
-              <a:rPr lang="es-ES_tradnl" smtClean="0"/>
+              <a:rPr lang="es-ES_tradnl"/>
               <a:t>Clic para editar título</a:t>
             </a:r>
-            <a:endParaRPr lang="es-ES_tradnl"/>
           </a:p>
         </p:txBody>
       </p:sp>
@@ -952,38 +965,37 @@
           <a:p>
             <a:pPr lvl="0"/>
             <a:r>
-              <a:rPr lang="es-ES_tradnl" smtClean="0"/>
+              <a:rPr lang="es-ES_tradnl"/>
               <a:t>Haga clic para modificar el estilo de texto del patrón</a:t>
             </a:r>
           </a:p>
           <a:p>
             <a:pPr lvl="1"/>
             <a:r>
-              <a:rPr lang="es-ES_tradnl" smtClean="0"/>
+              <a:rPr lang="es-ES_tradnl"/>
               <a:t>Segundo nivel</a:t>
             </a:r>
           </a:p>
           <a:p>
             <a:pPr lvl="2"/>
             <a:r>
-              <a:rPr lang="es-ES_tradnl" smtClean="0"/>
+              <a:rPr lang="es-ES_tradnl"/>
               <a:t>Tercer nivel</a:t>
             </a:r>
           </a:p>
           <a:p>
             <a:pPr lvl="3"/>
             <a:r>
-              <a:rPr lang="es-ES_tradnl" smtClean="0"/>
+              <a:rPr lang="es-ES_tradnl"/>
               <a:t>Cuarto nivel</a:t>
             </a:r>
           </a:p>
           <a:p>
             <a:pPr lvl="4"/>
             <a:r>
-              <a:rPr lang="es-ES_tradnl" smtClean="0"/>
+              <a:rPr lang="es-ES_tradnl"/>
               <a:t>Quinto nivel</a:t>
             </a:r>
-            <a:endParaRPr lang="es-ES_tradnl"/>
           </a:p>
         </p:txBody>
       </p:sp>
@@ -992,7 +1004,7 @@
   <p:clrMapOvr>
     <a:masterClrMapping/>
   </p:clrMapOvr>
-  <p:transition xmlns:p14="http://schemas.microsoft.com/office/powerpoint/2010/main"/>
+  <p:transition/>
 </p:sldLayout>
 </file>
 
@@ -1025,8 +1037,8 @@
         </p:nvSpPr>
         <p:spPr>
           <a:xfrm>
-            <a:off x="7062788" y="0"/>
-            <a:ext cx="2025650" cy="7556500"/>
+            <a:off x="6411609" y="0"/>
+            <a:ext cx="1838888" cy="5143500"/>
           </a:xfrm>
         </p:spPr>
         <p:txBody>
@@ -1034,10 +1046,9 @@
           <a:lstStyle/>
           <a:p>
             <a:r>
-              <a:rPr lang="es-ES_tradnl" smtClean="0"/>
+              <a:rPr lang="es-ES_tradnl"/>
               <a:t>Clic para editar título</a:t>
             </a:r>
-            <a:endParaRPr lang="es-ES_tradnl"/>
           </a:p>
         </p:txBody>
       </p:sp>
@@ -1053,8 +1064,8 @@
         </p:nvSpPr>
         <p:spPr>
           <a:xfrm>
-            <a:off x="982663" y="0"/>
-            <a:ext cx="5927725" cy="7556500"/>
+            <a:off x="892063" y="0"/>
+            <a:ext cx="5381197" cy="5143500"/>
           </a:xfrm>
         </p:spPr>
         <p:txBody>
@@ -1063,38 +1074,37 @@
           <a:p>
             <a:pPr lvl="0"/>
             <a:r>
-              <a:rPr lang="es-ES_tradnl" smtClean="0"/>
+              <a:rPr lang="es-ES_tradnl"/>
               <a:t>Haga clic para modificar el estilo de texto del patrón</a:t>
             </a:r>
           </a:p>
           <a:p>
             <a:pPr lvl="1"/>
             <a:r>
-              <a:rPr lang="es-ES_tradnl" smtClean="0"/>
+              <a:rPr lang="es-ES_tradnl"/>
               <a:t>Segundo nivel</a:t>
             </a:r>
           </a:p>
           <a:p>
             <a:pPr lvl="2"/>
             <a:r>
-              <a:rPr lang="es-ES_tradnl" smtClean="0"/>
+              <a:rPr lang="es-ES_tradnl"/>
               <a:t>Tercer nivel</a:t>
             </a:r>
           </a:p>
           <a:p>
             <a:pPr lvl="3"/>
             <a:r>
-              <a:rPr lang="es-ES_tradnl" smtClean="0"/>
+              <a:rPr lang="es-ES_tradnl"/>
               <a:t>Cuarto nivel</a:t>
             </a:r>
           </a:p>
           <a:p>
             <a:pPr lvl="4"/>
             <a:r>
-              <a:rPr lang="es-ES_tradnl" smtClean="0"/>
+              <a:rPr lang="es-ES_tradnl"/>
               <a:t>Quinto nivel</a:t>
             </a:r>
-            <a:endParaRPr lang="es-ES_tradnl"/>
           </a:p>
         </p:txBody>
       </p:sp>
@@ -1103,7 +1113,7 @@
   <p:clrMapOvr>
     <a:masterClrMapping/>
   </p:clrMapOvr>
-  <p:transition xmlns:p14="http://schemas.microsoft.com/office/powerpoint/2010/main"/>
+  <p:transition/>
 </p:sldLayout>
 </file>
 
@@ -1136,8 +1146,8 @@
         </p:nvSpPr>
         <p:spPr>
           <a:xfrm>
-            <a:off x="755650" y="2347913"/>
-            <a:ext cx="8561388" cy="1619250"/>
+            <a:off x="685980" y="1598159"/>
+            <a:ext cx="7772040" cy="1102179"/>
           </a:xfrm>
         </p:spPr>
         <p:txBody>
@@ -1145,10 +1155,9 @@
           <a:lstStyle/>
           <a:p>
             <a:r>
-              <a:rPr lang="es-ES_tradnl" smtClean="0"/>
+              <a:rPr lang="es-ES_tradnl"/>
               <a:t>Clic para editar título</a:t>
             </a:r>
-            <a:endParaRPr lang="es-ES_tradnl"/>
           </a:p>
         </p:txBody>
       </p:sp>
@@ -1164,8 +1173,8 @@
         </p:nvSpPr>
         <p:spPr>
           <a:xfrm>
-            <a:off x="1511300" y="4281488"/>
-            <a:ext cx="7050088" cy="1931987"/>
+            <a:off x="1371960" y="2914290"/>
+            <a:ext cx="6400080" cy="1315050"/>
           </a:xfrm>
         </p:spPr>
         <p:txBody>
@@ -1175,45 +1184,44 @@
               <a:buNone/>
               <a:defRPr/>
             </a:lvl1pPr>
-            <a:lvl2pPr marL="457200" indent="0" algn="ctr">
+            <a:lvl2pPr marL="311216" indent="0" algn="ctr">
               <a:buNone/>
               <a:defRPr/>
             </a:lvl2pPr>
-            <a:lvl3pPr marL="914400" indent="0" algn="ctr">
+            <a:lvl3pPr marL="622432" indent="0" algn="ctr">
               <a:buNone/>
               <a:defRPr/>
             </a:lvl3pPr>
-            <a:lvl4pPr marL="1371600" indent="0" algn="ctr">
+            <a:lvl4pPr marL="933648" indent="0" algn="ctr">
               <a:buNone/>
               <a:defRPr/>
             </a:lvl4pPr>
-            <a:lvl5pPr marL="1828800" indent="0" algn="ctr">
+            <a:lvl5pPr marL="1244864" indent="0" algn="ctr">
               <a:buNone/>
               <a:defRPr/>
             </a:lvl5pPr>
-            <a:lvl6pPr marL="2286000" indent="0" algn="ctr">
+            <a:lvl6pPr marL="1556080" indent="0" algn="ctr">
               <a:buNone/>
               <a:defRPr/>
             </a:lvl6pPr>
-            <a:lvl7pPr marL="2743200" indent="0" algn="ctr">
+            <a:lvl7pPr marL="1867296" indent="0" algn="ctr">
               <a:buNone/>
               <a:defRPr/>
             </a:lvl7pPr>
-            <a:lvl8pPr marL="3200400" indent="0" algn="ctr">
+            <a:lvl8pPr marL="2178512" indent="0" algn="ctr">
               <a:buNone/>
               <a:defRPr/>
             </a:lvl8pPr>
-            <a:lvl9pPr marL="3657600" indent="0" algn="ctr">
+            <a:lvl9pPr marL="2489728" indent="0" algn="ctr">
               <a:buNone/>
               <a:defRPr/>
             </a:lvl9pPr>
           </a:lstStyle>
           <a:p>
             <a:r>
-              <a:rPr lang="es-ES_tradnl" smtClean="0"/>
+              <a:rPr lang="es-ES_tradnl"/>
               <a:t>Haga clic para modificar el estilo de subtítulo del patrón</a:t>
             </a:r>
-            <a:endParaRPr lang="es-ES_tradnl"/>
           </a:p>
         </p:txBody>
       </p:sp>
@@ -1252,7 +1260,7 @@
   <p:clrMapOvr>
     <a:masterClrMapping/>
   </p:clrMapOvr>
-  <p:transition xmlns:p14="http://schemas.microsoft.com/office/powerpoint/2010/main"/>
+  <p:transition/>
 </p:sldLayout>
 </file>
 
@@ -1289,10 +1297,9 @@
           <a:lstStyle/>
           <a:p>
             <a:r>
-              <a:rPr lang="es-ES_tradnl" smtClean="0"/>
+              <a:rPr lang="es-ES_tradnl"/>
               <a:t>Clic para editar título</a:t>
             </a:r>
-            <a:endParaRPr lang="es-ES_tradnl"/>
           </a:p>
         </p:txBody>
       </p:sp>
@@ -1313,38 +1320,37 @@
           <a:p>
             <a:pPr lvl="0"/>
             <a:r>
-              <a:rPr lang="es-ES_tradnl" smtClean="0"/>
+              <a:rPr lang="es-ES_tradnl"/>
               <a:t>Haga clic para modificar el estilo de texto del patrón</a:t>
             </a:r>
           </a:p>
           <a:p>
             <a:pPr lvl="1"/>
             <a:r>
-              <a:rPr lang="es-ES_tradnl" smtClean="0"/>
+              <a:rPr lang="es-ES_tradnl"/>
               <a:t>Segundo nivel</a:t>
             </a:r>
           </a:p>
           <a:p>
             <a:pPr lvl="2"/>
             <a:r>
-              <a:rPr lang="es-ES_tradnl" smtClean="0"/>
+              <a:rPr lang="es-ES_tradnl"/>
               <a:t>Tercer nivel</a:t>
             </a:r>
           </a:p>
           <a:p>
             <a:pPr lvl="3"/>
             <a:r>
-              <a:rPr lang="es-ES_tradnl" smtClean="0"/>
+              <a:rPr lang="es-ES_tradnl"/>
               <a:t>Cuarto nivel</a:t>
             </a:r>
           </a:p>
           <a:p>
             <a:pPr lvl="4"/>
             <a:r>
-              <a:rPr lang="es-ES_tradnl" smtClean="0"/>
+              <a:rPr lang="es-ES_tradnl"/>
               <a:t>Quinto nivel</a:t>
             </a:r>
-            <a:endParaRPr lang="es-ES_tradnl"/>
           </a:p>
         </p:txBody>
       </p:sp>
@@ -1383,7 +1389,7 @@
   <p:clrMapOvr>
     <a:masterClrMapping/>
   </p:clrMapOvr>
-  <p:transition xmlns:p14="http://schemas.microsoft.com/office/powerpoint/2010/main"/>
+  <p:transition/>
 </p:sldLayout>
 </file>
 
@@ -1416,23 +1422,22 @@
         </p:nvSpPr>
         <p:spPr>
           <a:xfrm>
-            <a:off x="795338" y="4856163"/>
-            <a:ext cx="8561387" cy="1500187"/>
+            <a:off x="722009" y="3305456"/>
+            <a:ext cx="7772039" cy="1021136"/>
           </a:xfrm>
         </p:spPr>
         <p:txBody>
           <a:bodyPr anchor="t"/>
           <a:lstStyle>
             <a:lvl1pPr algn="l">
-              <a:defRPr sz="4000" b="1" cap="all"/>
+              <a:defRPr sz="2723" b="1" cap="all"/>
             </a:lvl1pPr>
           </a:lstStyle>
           <a:p>
             <a:r>
-              <a:rPr lang="es-ES_tradnl" smtClean="0"/>
+              <a:rPr lang="es-ES_tradnl"/>
               <a:t>Clic para editar título</a:t>
             </a:r>
-            <a:endParaRPr lang="es-ES_tradnl"/>
           </a:p>
         </p:txBody>
       </p:sp>
@@ -1448,8 +1453,8 @@
         </p:nvSpPr>
         <p:spPr>
           <a:xfrm>
-            <a:off x="795338" y="3201988"/>
-            <a:ext cx="8561387" cy="1654175"/>
+            <a:off x="722009" y="2179505"/>
+            <a:ext cx="7772039" cy="1125951"/>
           </a:xfrm>
         </p:spPr>
         <p:txBody>
@@ -1457,45 +1462,45 @@
           <a:lstStyle>
             <a:lvl1pPr marL="0" indent="0">
               <a:buNone/>
-              <a:defRPr sz="2000"/>
+              <a:defRPr sz="1361"/>
             </a:lvl1pPr>
-            <a:lvl2pPr marL="457200" indent="0">
-              <a:buNone/>
-              <a:defRPr sz="1800"/>
+            <a:lvl2pPr marL="311216" indent="0">
+              <a:buNone/>
+              <a:defRPr sz="1225"/>
             </a:lvl2pPr>
-            <a:lvl3pPr marL="914400" indent="0">
-              <a:buNone/>
-              <a:defRPr sz="1600"/>
+            <a:lvl3pPr marL="622432" indent="0">
+              <a:buNone/>
+              <a:defRPr sz="1089"/>
             </a:lvl3pPr>
-            <a:lvl4pPr marL="1371600" indent="0">
-              <a:buNone/>
-              <a:defRPr sz="1400"/>
+            <a:lvl4pPr marL="933648" indent="0">
+              <a:buNone/>
+              <a:defRPr sz="953"/>
             </a:lvl4pPr>
-            <a:lvl5pPr marL="1828800" indent="0">
-              <a:buNone/>
-              <a:defRPr sz="1400"/>
+            <a:lvl5pPr marL="1244864" indent="0">
+              <a:buNone/>
+              <a:defRPr sz="953"/>
             </a:lvl5pPr>
-            <a:lvl6pPr marL="2286000" indent="0">
-              <a:buNone/>
-              <a:defRPr sz="1400"/>
+            <a:lvl6pPr marL="1556080" indent="0">
+              <a:buNone/>
+              <a:defRPr sz="953"/>
             </a:lvl6pPr>
-            <a:lvl7pPr marL="2743200" indent="0">
-              <a:buNone/>
-              <a:defRPr sz="1400"/>
+            <a:lvl7pPr marL="1867296" indent="0">
+              <a:buNone/>
+              <a:defRPr sz="953"/>
             </a:lvl7pPr>
-            <a:lvl8pPr marL="3200400" indent="0">
-              <a:buNone/>
-              <a:defRPr sz="1400"/>
+            <a:lvl8pPr marL="2178512" indent="0">
+              <a:buNone/>
+              <a:defRPr sz="953"/>
             </a:lvl8pPr>
-            <a:lvl9pPr marL="3657600" indent="0">
-              <a:buNone/>
-              <a:defRPr sz="1400"/>
+            <a:lvl9pPr marL="2489728" indent="0">
+              <a:buNone/>
+              <a:defRPr sz="953"/>
             </a:lvl9pPr>
           </a:lstStyle>
           <a:p>
             <a:pPr lvl="0"/>
             <a:r>
-              <a:rPr lang="es-ES_tradnl" smtClean="0"/>
+              <a:rPr lang="es-ES_tradnl"/>
               <a:t>Haga clic para modificar el estilo de texto del patrón</a:t>
             </a:r>
           </a:p>
@@ -1536,7 +1541,7 @@
   <p:clrMapOvr>
     <a:masterClrMapping/>
   </p:clrMapOvr>
-  <p:transition xmlns:p14="http://schemas.microsoft.com/office/powerpoint/2010/main"/>
+  <p:transition/>
 </p:sldLayout>
 </file>
 
@@ -1573,10 +1578,9 @@
           <a:lstStyle/>
           <a:p>
             <a:r>
-              <a:rPr lang="es-ES_tradnl" smtClean="0"/>
+              <a:rPr lang="es-ES_tradnl"/>
               <a:t>Clic para editar título</a:t>
             </a:r>
-            <a:endParaRPr lang="es-ES_tradnl"/>
           </a:p>
         </p:txBody>
       </p:sp>
@@ -1592,76 +1596,75 @@
         </p:nvSpPr>
         <p:spPr>
           <a:xfrm>
-            <a:off x="504825" y="2097088"/>
-            <a:ext cx="4540250" cy="5459412"/>
+            <a:off x="458281" y="1427430"/>
+            <a:ext cx="4121645" cy="3716070"/>
           </a:xfrm>
         </p:spPr>
         <p:txBody>
           <a:bodyPr/>
           <a:lstStyle>
             <a:lvl1pPr>
-              <a:defRPr sz="2800"/>
+              <a:defRPr sz="1906"/>
             </a:lvl1pPr>
             <a:lvl2pPr>
-              <a:defRPr sz="2400"/>
+              <a:defRPr sz="1634"/>
             </a:lvl2pPr>
             <a:lvl3pPr>
-              <a:defRPr sz="2000"/>
+              <a:defRPr sz="1361"/>
             </a:lvl3pPr>
             <a:lvl4pPr>
-              <a:defRPr sz="1800"/>
+              <a:defRPr sz="1225"/>
             </a:lvl4pPr>
             <a:lvl5pPr>
-              <a:defRPr sz="1800"/>
+              <a:defRPr sz="1225"/>
             </a:lvl5pPr>
             <a:lvl6pPr>
-              <a:defRPr sz="1800"/>
+              <a:defRPr sz="1225"/>
             </a:lvl6pPr>
             <a:lvl7pPr>
-              <a:defRPr sz="1800"/>
+              <a:defRPr sz="1225"/>
             </a:lvl7pPr>
             <a:lvl8pPr>
-              <a:defRPr sz="1800"/>
+              <a:defRPr sz="1225"/>
             </a:lvl8pPr>
             <a:lvl9pPr>
-              <a:defRPr sz="1800"/>
+              <a:defRPr sz="1225"/>
             </a:lvl9pPr>
           </a:lstStyle>
           <a:p>
             <a:pPr lvl="0"/>
             <a:r>
-              <a:rPr lang="es-ES_tradnl" smtClean="0"/>
+              <a:rPr lang="es-ES_tradnl"/>
               <a:t>Haga clic para modificar el estilo de texto del patrón</a:t>
             </a:r>
           </a:p>
           <a:p>
             <a:pPr lvl="1"/>
             <a:r>
-              <a:rPr lang="es-ES_tradnl" smtClean="0"/>
+              <a:rPr lang="es-ES_tradnl"/>
               <a:t>Segundo nivel</a:t>
             </a:r>
           </a:p>
           <a:p>
             <a:pPr lvl="2"/>
             <a:r>
-              <a:rPr lang="es-ES_tradnl" smtClean="0"/>
+              <a:rPr lang="es-ES_tradnl"/>
               <a:t>Tercer nivel</a:t>
             </a:r>
           </a:p>
           <a:p>
             <a:pPr lvl="3"/>
             <a:r>
-              <a:rPr lang="es-ES_tradnl" smtClean="0"/>
+              <a:rPr lang="es-ES_tradnl"/>
               <a:t>Cuarto nivel</a:t>
             </a:r>
           </a:p>
           <a:p>
             <a:pPr lvl="4"/>
             <a:r>
-              <a:rPr lang="es-ES_tradnl" smtClean="0"/>
+              <a:rPr lang="es-ES_tradnl"/>
               <a:t>Quinto nivel</a:t>
             </a:r>
-            <a:endParaRPr lang="es-ES_tradnl"/>
           </a:p>
         </p:txBody>
       </p:sp>
@@ -1677,76 +1680,75 @@
         </p:nvSpPr>
         <p:spPr>
           <a:xfrm>
-            <a:off x="5197475" y="2097088"/>
-            <a:ext cx="4541838" cy="5459412"/>
+            <a:off x="4718275" y="1427430"/>
+            <a:ext cx="4123087" cy="3716070"/>
           </a:xfrm>
         </p:spPr>
         <p:txBody>
           <a:bodyPr/>
           <a:lstStyle>
             <a:lvl1pPr>
-              <a:defRPr sz="2800"/>
+              <a:defRPr sz="1906"/>
             </a:lvl1pPr>
             <a:lvl2pPr>
-              <a:defRPr sz="2400"/>
+              <a:defRPr sz="1634"/>
             </a:lvl2pPr>
             <a:lvl3pPr>
-              <a:defRPr sz="2000"/>
+              <a:defRPr sz="1361"/>
             </a:lvl3pPr>
             <a:lvl4pPr>
-              <a:defRPr sz="1800"/>
+              <a:defRPr sz="1225"/>
             </a:lvl4pPr>
             <a:lvl5pPr>
-              <a:defRPr sz="1800"/>
+              <a:defRPr sz="1225"/>
             </a:lvl5pPr>
             <a:lvl6pPr>
-              <a:defRPr sz="1800"/>
+              <a:defRPr sz="1225"/>
             </a:lvl6pPr>
             <a:lvl7pPr>
-              <a:defRPr sz="1800"/>
+              <a:defRPr sz="1225"/>
             </a:lvl7pPr>
             <a:lvl8pPr>
-              <a:defRPr sz="1800"/>
+              <a:defRPr sz="1225"/>
             </a:lvl8pPr>
             <a:lvl9pPr>
-              <a:defRPr sz="1800"/>
+              <a:defRPr sz="1225"/>
             </a:lvl9pPr>
           </a:lstStyle>
           <a:p>
             <a:pPr lvl="0"/>
             <a:r>
-              <a:rPr lang="es-ES_tradnl" smtClean="0"/>
+              <a:rPr lang="es-ES_tradnl"/>
               <a:t>Haga clic para modificar el estilo de texto del patrón</a:t>
             </a:r>
           </a:p>
           <a:p>
             <a:pPr lvl="1"/>
             <a:r>
-              <a:rPr lang="es-ES_tradnl" smtClean="0"/>
+              <a:rPr lang="es-ES_tradnl"/>
               <a:t>Segundo nivel</a:t>
             </a:r>
           </a:p>
           <a:p>
             <a:pPr lvl="2"/>
             <a:r>
-              <a:rPr lang="es-ES_tradnl" smtClean="0"/>
+              <a:rPr lang="es-ES_tradnl"/>
               <a:t>Tercer nivel</a:t>
             </a:r>
           </a:p>
           <a:p>
             <a:pPr lvl="3"/>
             <a:r>
-              <a:rPr lang="es-ES_tradnl" smtClean="0"/>
+              <a:rPr lang="es-ES_tradnl"/>
               <a:t>Cuarto nivel</a:t>
             </a:r>
           </a:p>
           <a:p>
             <a:pPr lvl="4"/>
             <a:r>
-              <a:rPr lang="es-ES_tradnl" smtClean="0"/>
+              <a:rPr lang="es-ES_tradnl"/>
               <a:t>Quinto nivel</a:t>
             </a:r>
-            <a:endParaRPr lang="es-ES_tradnl"/>
           </a:p>
         </p:txBody>
       </p:sp>
@@ -1785,7 +1787,7 @@
   <p:clrMapOvr>
     <a:masterClrMapping/>
   </p:clrMapOvr>
-  <p:transition xmlns:p14="http://schemas.microsoft.com/office/powerpoint/2010/main"/>
+  <p:transition/>
 </p:sldLayout>
 </file>
 
@@ -1818,8 +1820,8 @@
         </p:nvSpPr>
         <p:spPr>
           <a:xfrm>
-            <a:off x="503238" y="303213"/>
-            <a:ext cx="9066212" cy="1258887"/>
+            <a:off x="456840" y="206389"/>
+            <a:ext cx="8230320" cy="856889"/>
           </a:xfrm>
         </p:spPr>
         <p:txBody>
@@ -1831,10 +1833,9 @@
           </a:lstStyle>
           <a:p>
             <a:r>
-              <a:rPr lang="es-ES_tradnl" smtClean="0"/>
+              <a:rPr lang="es-ES_tradnl"/>
               <a:t>Clic para editar título</a:t>
             </a:r>
-            <a:endParaRPr lang="es-ES_tradnl"/>
           </a:p>
         </p:txBody>
       </p:sp>
@@ -1850,8 +1851,8 @@
         </p:nvSpPr>
         <p:spPr>
           <a:xfrm>
-            <a:off x="503238" y="1690688"/>
-            <a:ext cx="4451350" cy="706437"/>
+            <a:off x="456840" y="1150805"/>
+            <a:ext cx="4040942" cy="480852"/>
           </a:xfrm>
         </p:spPr>
         <p:txBody>
@@ -1859,45 +1860,45 @@
           <a:lstStyle>
             <a:lvl1pPr marL="0" indent="0">
               <a:buNone/>
-              <a:defRPr sz="2400" b="1"/>
+              <a:defRPr sz="1634" b="1"/>
             </a:lvl1pPr>
-            <a:lvl2pPr marL="457200" indent="0">
-              <a:buNone/>
-              <a:defRPr sz="2000" b="1"/>
+            <a:lvl2pPr marL="311216" indent="0">
+              <a:buNone/>
+              <a:defRPr sz="1361" b="1"/>
             </a:lvl2pPr>
-            <a:lvl3pPr marL="914400" indent="0">
-              <a:buNone/>
-              <a:defRPr sz="1800" b="1"/>
+            <a:lvl3pPr marL="622432" indent="0">
+              <a:buNone/>
+              <a:defRPr sz="1225" b="1"/>
             </a:lvl3pPr>
-            <a:lvl4pPr marL="1371600" indent="0">
-              <a:buNone/>
-              <a:defRPr sz="1600" b="1"/>
+            <a:lvl4pPr marL="933648" indent="0">
+              <a:buNone/>
+              <a:defRPr sz="1089" b="1"/>
             </a:lvl4pPr>
-            <a:lvl5pPr marL="1828800" indent="0">
-              <a:buNone/>
-              <a:defRPr sz="1600" b="1"/>
+            <a:lvl5pPr marL="1244864" indent="0">
+              <a:buNone/>
+              <a:defRPr sz="1089" b="1"/>
             </a:lvl5pPr>
-            <a:lvl6pPr marL="2286000" indent="0">
-              <a:buNone/>
-              <a:defRPr sz="1600" b="1"/>
+            <a:lvl6pPr marL="1556080" indent="0">
+              <a:buNone/>
+              <a:defRPr sz="1089" b="1"/>
             </a:lvl6pPr>
-            <a:lvl7pPr marL="2743200" indent="0">
-              <a:buNone/>
-              <a:defRPr sz="1600" b="1"/>
+            <a:lvl7pPr marL="1867296" indent="0">
+              <a:buNone/>
+              <a:defRPr sz="1089" b="1"/>
             </a:lvl7pPr>
-            <a:lvl8pPr marL="3200400" indent="0">
-              <a:buNone/>
-              <a:defRPr sz="1600" b="1"/>
+            <a:lvl8pPr marL="2178512" indent="0">
+              <a:buNone/>
+              <a:defRPr sz="1089" b="1"/>
             </a:lvl8pPr>
-            <a:lvl9pPr marL="3657600" indent="0">
-              <a:buNone/>
-              <a:defRPr sz="1600" b="1"/>
+            <a:lvl9pPr marL="2489728" indent="0">
+              <a:buNone/>
+              <a:defRPr sz="1089" b="1"/>
             </a:lvl9pPr>
           </a:lstStyle>
           <a:p>
             <a:pPr lvl="0"/>
             <a:r>
-              <a:rPr lang="es-ES_tradnl" smtClean="0"/>
+              <a:rPr lang="es-ES_tradnl"/>
               <a:t>Haga clic para modificar el estilo de texto del patrón</a:t>
             </a:r>
           </a:p>
@@ -1915,76 +1916,75 @@
         </p:nvSpPr>
         <p:spPr>
           <a:xfrm>
-            <a:off x="503238" y="2397125"/>
-            <a:ext cx="4451350" cy="4352925"/>
+            <a:off x="456840" y="1631657"/>
+            <a:ext cx="4040942" cy="2962915"/>
           </a:xfrm>
         </p:spPr>
         <p:txBody>
           <a:bodyPr/>
           <a:lstStyle>
             <a:lvl1pPr>
-              <a:defRPr sz="2400"/>
+              <a:defRPr sz="1634"/>
             </a:lvl1pPr>
             <a:lvl2pPr>
-              <a:defRPr sz="2000"/>
+              <a:defRPr sz="1361"/>
             </a:lvl2pPr>
             <a:lvl3pPr>
-              <a:defRPr sz="1800"/>
+              <a:defRPr sz="1225"/>
             </a:lvl3pPr>
             <a:lvl4pPr>
-              <a:defRPr sz="1600"/>
+              <a:defRPr sz="1089"/>
             </a:lvl4pPr>
             <a:lvl5pPr>
-              <a:defRPr sz="1600"/>
+              <a:defRPr sz="1089"/>
             </a:lvl5pPr>
             <a:lvl6pPr>
-              <a:defRPr sz="1600"/>
+              <a:defRPr sz="1089"/>
             </a:lvl6pPr>
             <a:lvl7pPr>
-              <a:defRPr sz="1600"/>
+              <a:defRPr sz="1089"/>
             </a:lvl7pPr>
             <a:lvl8pPr>
-              <a:defRPr sz="1600"/>
+              <a:defRPr sz="1089"/>
             </a:lvl8pPr>
             <a:lvl9pPr>
-              <a:defRPr sz="1600"/>
+              <a:defRPr sz="1089"/>
             </a:lvl9pPr>
           </a:lstStyle>
           <a:p>
             <a:pPr lvl="0"/>
             <a:r>
-              <a:rPr lang="es-ES_tradnl" smtClean="0"/>
+              <a:rPr lang="es-ES_tradnl"/>
               <a:t>Haga clic para modificar el estilo de texto del patrón</a:t>
             </a:r>
           </a:p>
           <a:p>
             <a:pPr lvl="1"/>
             <a:r>
-              <a:rPr lang="es-ES_tradnl" smtClean="0"/>
+              <a:rPr lang="es-ES_tradnl"/>
               <a:t>Segundo nivel</a:t>
             </a:r>
           </a:p>
           <a:p>
             <a:pPr lvl="2"/>
             <a:r>
-              <a:rPr lang="es-ES_tradnl" smtClean="0"/>
+              <a:rPr lang="es-ES_tradnl"/>
               <a:t>Tercer nivel</a:t>
             </a:r>
           </a:p>
           <a:p>
             <a:pPr lvl="3"/>
             <a:r>
-              <a:rPr lang="es-ES_tradnl" smtClean="0"/>
+              <a:rPr lang="es-ES_tradnl"/>
               <a:t>Cuarto nivel</a:t>
             </a:r>
           </a:p>
           <a:p>
             <a:pPr lvl="4"/>
             <a:r>
-              <a:rPr lang="es-ES_tradnl" smtClean="0"/>
+              <a:rPr lang="es-ES_tradnl"/>
               <a:t>Quinto nivel</a:t>
             </a:r>
-            <a:endParaRPr lang="es-ES_tradnl"/>
           </a:p>
         </p:txBody>
       </p:sp>
@@ -2000,8 +2000,8 @@
         </p:nvSpPr>
         <p:spPr>
           <a:xfrm>
-            <a:off x="5116513" y="1690688"/>
-            <a:ext cx="4452937" cy="706437"/>
+            <a:off x="4644778" y="1150805"/>
+            <a:ext cx="4042382" cy="480852"/>
           </a:xfrm>
         </p:spPr>
         <p:txBody>
@@ -2009,45 +2009,45 @@
           <a:lstStyle>
             <a:lvl1pPr marL="0" indent="0">
               <a:buNone/>
-              <a:defRPr sz="2400" b="1"/>
+              <a:defRPr sz="1634" b="1"/>
             </a:lvl1pPr>
-            <a:lvl2pPr marL="457200" indent="0">
-              <a:buNone/>
-              <a:defRPr sz="2000" b="1"/>
+            <a:lvl2pPr marL="311216" indent="0">
+              <a:buNone/>
+              <a:defRPr sz="1361" b="1"/>
             </a:lvl2pPr>
-            <a:lvl3pPr marL="914400" indent="0">
-              <a:buNone/>
-              <a:defRPr sz="1800" b="1"/>
+            <a:lvl3pPr marL="622432" indent="0">
+              <a:buNone/>
+              <a:defRPr sz="1225" b="1"/>
             </a:lvl3pPr>
-            <a:lvl4pPr marL="1371600" indent="0">
-              <a:buNone/>
-              <a:defRPr sz="1600" b="1"/>
+            <a:lvl4pPr marL="933648" indent="0">
+              <a:buNone/>
+              <a:defRPr sz="1089" b="1"/>
             </a:lvl4pPr>
-            <a:lvl5pPr marL="1828800" indent="0">
-              <a:buNone/>
-              <a:defRPr sz="1600" b="1"/>
+            <a:lvl5pPr marL="1244864" indent="0">
+              <a:buNone/>
+              <a:defRPr sz="1089" b="1"/>
             </a:lvl5pPr>
-            <a:lvl6pPr marL="2286000" indent="0">
-              <a:buNone/>
-              <a:defRPr sz="1600" b="1"/>
+            <a:lvl6pPr marL="1556080" indent="0">
+              <a:buNone/>
+              <a:defRPr sz="1089" b="1"/>
             </a:lvl6pPr>
-            <a:lvl7pPr marL="2743200" indent="0">
-              <a:buNone/>
-              <a:defRPr sz="1600" b="1"/>
+            <a:lvl7pPr marL="1867296" indent="0">
+              <a:buNone/>
+              <a:defRPr sz="1089" b="1"/>
             </a:lvl7pPr>
-            <a:lvl8pPr marL="3200400" indent="0">
-              <a:buNone/>
-              <a:defRPr sz="1600" b="1"/>
+            <a:lvl8pPr marL="2178512" indent="0">
+              <a:buNone/>
+              <a:defRPr sz="1089" b="1"/>
             </a:lvl8pPr>
-            <a:lvl9pPr marL="3657600" indent="0">
-              <a:buNone/>
-              <a:defRPr sz="1600" b="1"/>
+            <a:lvl9pPr marL="2489728" indent="0">
+              <a:buNone/>
+              <a:defRPr sz="1089" b="1"/>
             </a:lvl9pPr>
           </a:lstStyle>
           <a:p>
             <a:pPr lvl="0"/>
             <a:r>
-              <a:rPr lang="es-ES_tradnl" smtClean="0"/>
+              <a:rPr lang="es-ES_tradnl"/>
               <a:t>Haga clic para modificar el estilo de texto del patrón</a:t>
             </a:r>
           </a:p>
@@ -2065,76 +2065,75 @@
         </p:nvSpPr>
         <p:spPr>
           <a:xfrm>
-            <a:off x="5116513" y="2397125"/>
-            <a:ext cx="4452937" cy="4352925"/>
+            <a:off x="4644778" y="1631657"/>
+            <a:ext cx="4042382" cy="2962915"/>
           </a:xfrm>
         </p:spPr>
         <p:txBody>
           <a:bodyPr/>
           <a:lstStyle>
             <a:lvl1pPr>
-              <a:defRPr sz="2400"/>
+              <a:defRPr sz="1634"/>
             </a:lvl1pPr>
             <a:lvl2pPr>
-              <a:defRPr sz="2000"/>
+              <a:defRPr sz="1361"/>
             </a:lvl2pPr>
             <a:lvl3pPr>
-              <a:defRPr sz="1800"/>
+              <a:defRPr sz="1225"/>
             </a:lvl3pPr>
             <a:lvl4pPr>
-              <a:defRPr sz="1600"/>
+              <a:defRPr sz="1089"/>
             </a:lvl4pPr>
             <a:lvl5pPr>
-              <a:defRPr sz="1600"/>
+              <a:defRPr sz="1089"/>
             </a:lvl5pPr>
             <a:lvl6pPr>
-              <a:defRPr sz="1600"/>
+              <a:defRPr sz="1089"/>
             </a:lvl6pPr>
             <a:lvl7pPr>
-              <a:defRPr sz="1600"/>
+              <a:defRPr sz="1089"/>
             </a:lvl7pPr>
             <a:lvl8pPr>
-              <a:defRPr sz="1600"/>
+              <a:defRPr sz="1089"/>
             </a:lvl8pPr>
             <a:lvl9pPr>
-              <a:defRPr sz="1600"/>
+              <a:defRPr sz="1089"/>
             </a:lvl9pPr>
           </a:lstStyle>
           <a:p>
             <a:pPr lvl="0"/>
             <a:r>
-              <a:rPr lang="es-ES_tradnl" smtClean="0"/>
+              <a:rPr lang="es-ES_tradnl"/>
               <a:t>Haga clic para modificar el estilo de texto del patrón</a:t>
             </a:r>
           </a:p>
           <a:p>
             <a:pPr lvl="1"/>
             <a:r>
-              <a:rPr lang="es-ES_tradnl" smtClean="0"/>
+              <a:rPr lang="es-ES_tradnl"/>
               <a:t>Segundo nivel</a:t>
             </a:r>
           </a:p>
           <a:p>
             <a:pPr lvl="2"/>
             <a:r>
-              <a:rPr lang="es-ES_tradnl" smtClean="0"/>
+              <a:rPr lang="es-ES_tradnl"/>
               <a:t>Tercer nivel</a:t>
             </a:r>
           </a:p>
           <a:p>
             <a:pPr lvl="3"/>
             <a:r>
-              <a:rPr lang="es-ES_tradnl" smtClean="0"/>
+              <a:rPr lang="es-ES_tradnl"/>
               <a:t>Cuarto nivel</a:t>
             </a:r>
           </a:p>
           <a:p>
             <a:pPr lvl="4"/>
             <a:r>
-              <a:rPr lang="es-ES_tradnl" smtClean="0"/>
+              <a:rPr lang="es-ES_tradnl"/>
               <a:t>Quinto nivel</a:t>
             </a:r>
-            <a:endParaRPr lang="es-ES_tradnl"/>
           </a:p>
         </p:txBody>
       </p:sp>
@@ -2173,7 +2172,7 @@
   <p:clrMapOvr>
     <a:masterClrMapping/>
   </p:clrMapOvr>
-  <p:transition xmlns:p14="http://schemas.microsoft.com/office/powerpoint/2010/main"/>
+  <p:transition/>
 </p:sldLayout>
 </file>
 
@@ -2210,10 +2209,9 @@
           <a:lstStyle/>
           <a:p>
             <a:r>
-              <a:rPr lang="es-ES_tradnl" smtClean="0"/>
+              <a:rPr lang="es-ES_tradnl"/>
               <a:t>Clic para editar título</a:t>
             </a:r>
-            <a:endParaRPr lang="es-ES_tradnl"/>
           </a:p>
         </p:txBody>
       </p:sp>
@@ -2252,7 +2250,7 @@
   <p:clrMapOvr>
     <a:masterClrMapping/>
   </p:clrMapOvr>
-  <p:transition xmlns:p14="http://schemas.microsoft.com/office/powerpoint/2010/main"/>
+  <p:transition/>
 </p:sldLayout>
 </file>
 
@@ -2308,7 +2306,7 @@
   <p:clrMapOvr>
     <a:masterClrMapping/>
   </p:clrMapOvr>
-  <p:transition xmlns:p14="http://schemas.microsoft.com/office/powerpoint/2010/main"/>
+  <p:transition/>
 </p:sldLayout>
 </file>
 
@@ -2341,23 +2339,22 @@
         </p:nvSpPr>
         <p:spPr>
           <a:xfrm>
-            <a:off x="503238" y="301625"/>
-            <a:ext cx="3314700" cy="1279525"/>
+            <a:off x="456840" y="205308"/>
+            <a:ext cx="3009089" cy="870937"/>
           </a:xfrm>
         </p:spPr>
         <p:txBody>
           <a:bodyPr/>
           <a:lstStyle>
             <a:lvl1pPr algn="l">
-              <a:defRPr sz="2000" b="1"/>
+              <a:defRPr sz="1361" b="1"/>
             </a:lvl1pPr>
           </a:lstStyle>
           <a:p>
             <a:r>
-              <a:rPr lang="es-ES_tradnl" smtClean="0"/>
+              <a:rPr lang="es-ES_tradnl"/>
               <a:t>Clic para editar título</a:t>
             </a:r>
-            <a:endParaRPr lang="es-ES_tradnl"/>
           </a:p>
         </p:txBody>
       </p:sp>
@@ -2373,76 +2370,75 @@
         </p:nvSpPr>
         <p:spPr>
           <a:xfrm>
-            <a:off x="3938588" y="301625"/>
-            <a:ext cx="5630862" cy="6448425"/>
+            <a:off x="3575456" y="205308"/>
+            <a:ext cx="5111704" cy="4389264"/>
           </a:xfrm>
         </p:spPr>
         <p:txBody>
           <a:bodyPr/>
           <a:lstStyle>
             <a:lvl1pPr>
-              <a:defRPr sz="3200"/>
+              <a:defRPr sz="2178"/>
             </a:lvl1pPr>
             <a:lvl2pPr>
-              <a:defRPr sz="2800"/>
+              <a:defRPr sz="1906"/>
             </a:lvl2pPr>
             <a:lvl3pPr>
-              <a:defRPr sz="2400"/>
+              <a:defRPr sz="1634"/>
             </a:lvl3pPr>
             <a:lvl4pPr>
-              <a:defRPr sz="2000"/>
+              <a:defRPr sz="1361"/>
             </a:lvl4pPr>
             <a:lvl5pPr>
-              <a:defRPr sz="2000"/>
+              <a:defRPr sz="1361"/>
             </a:lvl5pPr>
             <a:lvl6pPr>
-              <a:defRPr sz="2000"/>
+              <a:defRPr sz="1361"/>
             </a:lvl6pPr>
             <a:lvl7pPr>
-              <a:defRPr sz="2000"/>
+              <a:defRPr sz="1361"/>
             </a:lvl7pPr>
             <a:lvl8pPr>
-              <a:defRPr sz="2000"/>
+              <a:defRPr sz="1361"/>
             </a:lvl8pPr>
             <a:lvl9pPr>
-              <a:defRPr sz="2000"/>
+              <a:defRPr sz="1361"/>
             </a:lvl9pPr>
           </a:lstStyle>
           <a:p>
             <a:pPr lvl="0"/>
             <a:r>
-              <a:rPr lang="es-ES_tradnl" smtClean="0"/>
+              <a:rPr lang="es-ES_tradnl"/>
               <a:t>Haga clic para modificar el estilo de texto del patrón</a:t>
             </a:r>
           </a:p>
           <a:p>
             <a:pPr lvl="1"/>
             <a:r>
-              <a:rPr lang="es-ES_tradnl" smtClean="0"/>
+              <a:rPr lang="es-ES_tradnl"/>
               <a:t>Segundo nivel</a:t>
             </a:r>
           </a:p>
           <a:p>
             <a:pPr lvl="2"/>
             <a:r>
-              <a:rPr lang="es-ES_tradnl" smtClean="0"/>
+              <a:rPr lang="es-ES_tradnl"/>
               <a:t>Tercer nivel</a:t>
             </a:r>
           </a:p>
           <a:p>
             <a:pPr lvl="3"/>
             <a:r>
-              <a:rPr lang="es-ES_tradnl" smtClean="0"/>
+              <a:rPr lang="es-ES_tradnl"/>
               <a:t>Cuarto nivel</a:t>
             </a:r>
           </a:p>
           <a:p>
             <a:pPr lvl="4"/>
             <a:r>
-              <a:rPr lang="es-ES_tradnl" smtClean="0"/>
+              <a:rPr lang="es-ES_tradnl"/>
               <a:t>Quinto nivel</a:t>
             </a:r>
-            <a:endParaRPr lang="es-ES_tradnl"/>
           </a:p>
         </p:txBody>
       </p:sp>
@@ -2458,8 +2454,8 @@
         </p:nvSpPr>
         <p:spPr>
           <a:xfrm>
-            <a:off x="503238" y="1581150"/>
-            <a:ext cx="3314700" cy="5168900"/>
+            <a:off x="456840" y="1076245"/>
+            <a:ext cx="3009089" cy="3518327"/>
           </a:xfrm>
         </p:spPr>
         <p:txBody>
@@ -2467,45 +2463,45 @@
           <a:lstStyle>
             <a:lvl1pPr marL="0" indent="0">
               <a:buNone/>
-              <a:defRPr sz="1400"/>
+              <a:defRPr sz="953"/>
             </a:lvl1pPr>
-            <a:lvl2pPr marL="457200" indent="0">
-              <a:buNone/>
-              <a:defRPr sz="1200"/>
+            <a:lvl2pPr marL="311216" indent="0">
+              <a:buNone/>
+              <a:defRPr sz="817"/>
             </a:lvl2pPr>
-            <a:lvl3pPr marL="914400" indent="0">
-              <a:buNone/>
-              <a:defRPr sz="1000"/>
+            <a:lvl3pPr marL="622432" indent="0">
+              <a:buNone/>
+              <a:defRPr sz="681"/>
             </a:lvl3pPr>
-            <a:lvl4pPr marL="1371600" indent="0">
-              <a:buNone/>
-              <a:defRPr sz="900"/>
+            <a:lvl4pPr marL="933648" indent="0">
+              <a:buNone/>
+              <a:defRPr sz="613"/>
             </a:lvl4pPr>
-            <a:lvl5pPr marL="1828800" indent="0">
-              <a:buNone/>
-              <a:defRPr sz="900"/>
+            <a:lvl5pPr marL="1244864" indent="0">
+              <a:buNone/>
+              <a:defRPr sz="613"/>
             </a:lvl5pPr>
-            <a:lvl6pPr marL="2286000" indent="0">
-              <a:buNone/>
-              <a:defRPr sz="900"/>
+            <a:lvl6pPr marL="1556080" indent="0">
+              <a:buNone/>
+              <a:defRPr sz="613"/>
             </a:lvl6pPr>
-            <a:lvl7pPr marL="2743200" indent="0">
-              <a:buNone/>
-              <a:defRPr sz="900"/>
+            <a:lvl7pPr marL="1867296" indent="0">
+              <a:buNone/>
+              <a:defRPr sz="613"/>
             </a:lvl7pPr>
-            <a:lvl8pPr marL="3200400" indent="0">
-              <a:buNone/>
-              <a:defRPr sz="900"/>
+            <a:lvl8pPr marL="2178512" indent="0">
+              <a:buNone/>
+              <a:defRPr sz="613"/>
             </a:lvl8pPr>
-            <a:lvl9pPr marL="3657600" indent="0">
-              <a:buNone/>
-              <a:defRPr sz="900"/>
+            <a:lvl9pPr marL="2489728" indent="0">
+              <a:buNone/>
+              <a:defRPr sz="613"/>
             </a:lvl9pPr>
           </a:lstStyle>
           <a:p>
             <a:pPr lvl="0"/>
             <a:r>
-              <a:rPr lang="es-ES_tradnl" smtClean="0"/>
+              <a:rPr lang="es-ES_tradnl"/>
               <a:t>Haga clic para modificar el estilo de texto del patrón</a:t>
             </a:r>
           </a:p>
@@ -2546,7 +2542,7 @@
   <p:clrMapOvr>
     <a:masterClrMapping/>
   </p:clrMapOvr>
-  <p:transition xmlns:p14="http://schemas.microsoft.com/office/powerpoint/2010/main"/>
+  <p:transition/>
 </p:sldLayout>
 </file>
 
@@ -2583,10 +2579,9 @@
           <a:lstStyle/>
           <a:p>
             <a:r>
-              <a:rPr lang="es-ES_tradnl" smtClean="0"/>
+              <a:rPr lang="es-ES_tradnl"/>
               <a:t>Clic para editar título</a:t>
             </a:r>
-            <a:endParaRPr lang="es-ES_tradnl"/>
           </a:p>
         </p:txBody>
       </p:sp>
@@ -2607,38 +2602,37 @@
           <a:p>
             <a:pPr lvl="0"/>
             <a:r>
-              <a:rPr lang="es-ES_tradnl" smtClean="0"/>
+              <a:rPr lang="es-ES_tradnl"/>
               <a:t>Haga clic para modificar el estilo de texto del patrón</a:t>
             </a:r>
           </a:p>
           <a:p>
             <a:pPr lvl="1"/>
             <a:r>
-              <a:rPr lang="es-ES_tradnl" smtClean="0"/>
+              <a:rPr lang="es-ES_tradnl"/>
               <a:t>Segundo nivel</a:t>
             </a:r>
           </a:p>
           <a:p>
             <a:pPr lvl="2"/>
             <a:r>
-              <a:rPr lang="es-ES_tradnl" smtClean="0"/>
+              <a:rPr lang="es-ES_tradnl"/>
               <a:t>Tercer nivel</a:t>
             </a:r>
           </a:p>
           <a:p>
             <a:pPr lvl="3"/>
             <a:r>
-              <a:rPr lang="es-ES_tradnl" smtClean="0"/>
+              <a:rPr lang="es-ES_tradnl"/>
               <a:t>Cuarto nivel</a:t>
             </a:r>
           </a:p>
           <a:p>
             <a:pPr lvl="4"/>
             <a:r>
-              <a:rPr lang="es-ES_tradnl" smtClean="0"/>
+              <a:rPr lang="es-ES_tradnl"/>
               <a:t>Quinto nivel</a:t>
             </a:r>
-            <a:endParaRPr lang="es-ES_tradnl"/>
           </a:p>
         </p:txBody>
       </p:sp>
@@ -2647,7 +2641,7 @@
   <p:clrMapOvr>
     <a:masterClrMapping/>
   </p:clrMapOvr>
-  <p:transition xmlns:p14="http://schemas.microsoft.com/office/powerpoint/2010/main"/>
+  <p:transition/>
 </p:sldLayout>
 </file>
 
@@ -2680,23 +2674,22 @@
         </p:nvSpPr>
         <p:spPr>
           <a:xfrm>
-            <a:off x="1974850" y="5289550"/>
-            <a:ext cx="6043613" cy="623888"/>
+            <a:off x="1792772" y="3600450"/>
+            <a:ext cx="5486400" cy="424663"/>
           </a:xfrm>
         </p:spPr>
         <p:txBody>
           <a:bodyPr/>
           <a:lstStyle>
             <a:lvl1pPr algn="l">
-              <a:defRPr sz="2000" b="1"/>
+              <a:defRPr sz="1361" b="1"/>
             </a:lvl1pPr>
           </a:lstStyle>
           <a:p>
             <a:r>
-              <a:rPr lang="es-ES_tradnl" smtClean="0"/>
+              <a:rPr lang="es-ES_tradnl"/>
               <a:t>Clic para editar título</a:t>
             </a:r>
-            <a:endParaRPr lang="es-ES_tradnl"/>
           </a:p>
         </p:txBody>
       </p:sp>
@@ -2712,8 +2705,8 @@
         </p:nvSpPr>
         <p:spPr>
           <a:xfrm>
-            <a:off x="1974850" y="674688"/>
-            <a:ext cx="6043613" cy="4533900"/>
+            <a:off x="1792772" y="459241"/>
+            <a:ext cx="5486400" cy="3086100"/>
           </a:xfrm>
         </p:spPr>
         <p:txBody>
@@ -2721,44 +2714,44 @@
           <a:lstStyle>
             <a:lvl1pPr marL="0" indent="0">
               <a:buNone/>
-              <a:defRPr sz="3200"/>
+              <a:defRPr sz="2178"/>
             </a:lvl1pPr>
-            <a:lvl2pPr marL="457200" indent="0">
-              <a:buNone/>
-              <a:defRPr sz="2800"/>
+            <a:lvl2pPr marL="311216" indent="0">
+              <a:buNone/>
+              <a:defRPr sz="1906"/>
             </a:lvl2pPr>
-            <a:lvl3pPr marL="914400" indent="0">
-              <a:buNone/>
-              <a:defRPr sz="2400"/>
+            <a:lvl3pPr marL="622432" indent="0">
+              <a:buNone/>
+              <a:defRPr sz="1634"/>
             </a:lvl3pPr>
-            <a:lvl4pPr marL="1371600" indent="0">
-              <a:buNone/>
-              <a:defRPr sz="2000"/>
+            <a:lvl4pPr marL="933648" indent="0">
+              <a:buNone/>
+              <a:defRPr sz="1361"/>
             </a:lvl4pPr>
-            <a:lvl5pPr marL="1828800" indent="0">
-              <a:buNone/>
-              <a:defRPr sz="2000"/>
+            <a:lvl5pPr marL="1244864" indent="0">
+              <a:buNone/>
+              <a:defRPr sz="1361"/>
             </a:lvl5pPr>
-            <a:lvl6pPr marL="2286000" indent="0">
-              <a:buNone/>
-              <a:defRPr sz="2000"/>
+            <a:lvl6pPr marL="1556080" indent="0">
+              <a:buNone/>
+              <a:defRPr sz="1361"/>
             </a:lvl6pPr>
-            <a:lvl7pPr marL="2743200" indent="0">
-              <a:buNone/>
-              <a:defRPr sz="2000"/>
+            <a:lvl7pPr marL="1867296" indent="0">
+              <a:buNone/>
+              <a:defRPr sz="1361"/>
             </a:lvl7pPr>
-            <a:lvl8pPr marL="3200400" indent="0">
-              <a:buNone/>
-              <a:defRPr sz="2000"/>
+            <a:lvl8pPr marL="2178512" indent="0">
+              <a:buNone/>
+              <a:defRPr sz="1361"/>
             </a:lvl8pPr>
-            <a:lvl9pPr marL="3657600" indent="0">
-              <a:buNone/>
-              <a:defRPr sz="2000"/>
+            <a:lvl9pPr marL="2489728" indent="0">
+              <a:buNone/>
+              <a:defRPr sz="1361"/>
             </a:lvl9pPr>
           </a:lstStyle>
           <a:p>
             <a:pPr lvl="0"/>
-            <a:endParaRPr lang="es-ES_tradnl" noProof="0" smtClean="0">
+            <a:endParaRPr lang="es-ES_tradnl" noProof="0">
               <a:sym typeface="Arial Bold" charset="0"/>
             </a:endParaRPr>
           </a:p>
@@ -2776,8 +2769,8 @@
         </p:nvSpPr>
         <p:spPr>
           <a:xfrm>
-            <a:off x="1974850" y="5913438"/>
-            <a:ext cx="6043613" cy="887412"/>
+            <a:off x="1792772" y="4025113"/>
+            <a:ext cx="5486400" cy="604037"/>
           </a:xfrm>
         </p:spPr>
         <p:txBody>
@@ -2785,45 +2778,45 @@
           <a:lstStyle>
             <a:lvl1pPr marL="0" indent="0">
               <a:buNone/>
-              <a:defRPr sz="1400"/>
+              <a:defRPr sz="953"/>
             </a:lvl1pPr>
-            <a:lvl2pPr marL="457200" indent="0">
-              <a:buNone/>
-              <a:defRPr sz="1200"/>
+            <a:lvl2pPr marL="311216" indent="0">
+              <a:buNone/>
+              <a:defRPr sz="817"/>
             </a:lvl2pPr>
-            <a:lvl3pPr marL="914400" indent="0">
-              <a:buNone/>
-              <a:defRPr sz="1000"/>
+            <a:lvl3pPr marL="622432" indent="0">
+              <a:buNone/>
+              <a:defRPr sz="681"/>
             </a:lvl3pPr>
-            <a:lvl4pPr marL="1371600" indent="0">
-              <a:buNone/>
-              <a:defRPr sz="900"/>
+            <a:lvl4pPr marL="933648" indent="0">
+              <a:buNone/>
+              <a:defRPr sz="613"/>
             </a:lvl4pPr>
-            <a:lvl5pPr marL="1828800" indent="0">
-              <a:buNone/>
-              <a:defRPr sz="900"/>
+            <a:lvl5pPr marL="1244864" indent="0">
+              <a:buNone/>
+              <a:defRPr sz="613"/>
             </a:lvl5pPr>
-            <a:lvl6pPr marL="2286000" indent="0">
-              <a:buNone/>
-              <a:defRPr sz="900"/>
+            <a:lvl6pPr marL="1556080" indent="0">
+              <a:buNone/>
+              <a:defRPr sz="613"/>
             </a:lvl6pPr>
-            <a:lvl7pPr marL="2743200" indent="0">
-              <a:buNone/>
-              <a:defRPr sz="900"/>
+            <a:lvl7pPr marL="1867296" indent="0">
+              <a:buNone/>
+              <a:defRPr sz="613"/>
             </a:lvl7pPr>
-            <a:lvl8pPr marL="3200400" indent="0">
-              <a:buNone/>
-              <a:defRPr sz="900"/>
+            <a:lvl8pPr marL="2178512" indent="0">
+              <a:buNone/>
+              <a:defRPr sz="613"/>
             </a:lvl8pPr>
-            <a:lvl9pPr marL="3657600" indent="0">
-              <a:buNone/>
-              <a:defRPr sz="900"/>
+            <a:lvl9pPr marL="2489728" indent="0">
+              <a:buNone/>
+              <a:defRPr sz="613"/>
             </a:lvl9pPr>
           </a:lstStyle>
           <a:p>
             <a:pPr lvl="0"/>
             <a:r>
-              <a:rPr lang="es-ES_tradnl" smtClean="0"/>
+              <a:rPr lang="es-ES_tradnl"/>
               <a:t>Haga clic para modificar el estilo de texto del patrón</a:t>
             </a:r>
           </a:p>
@@ -2864,7 +2857,7 @@
   <p:clrMapOvr>
     <a:masterClrMapping/>
   </p:clrMapOvr>
-  <p:transition xmlns:p14="http://schemas.microsoft.com/office/powerpoint/2010/main"/>
+  <p:transition/>
 </p:sldLayout>
 </file>
 
@@ -2901,10 +2894,9 @@
           <a:lstStyle/>
           <a:p>
             <a:r>
-              <a:rPr lang="es-ES_tradnl" smtClean="0"/>
+              <a:rPr lang="es-ES_tradnl"/>
               <a:t>Clic para editar título</a:t>
             </a:r>
-            <a:endParaRPr lang="es-ES_tradnl"/>
           </a:p>
         </p:txBody>
       </p:sp>
@@ -2925,38 +2917,37 @@
           <a:p>
             <a:pPr lvl="0"/>
             <a:r>
-              <a:rPr lang="es-ES_tradnl" smtClean="0"/>
+              <a:rPr lang="es-ES_tradnl"/>
               <a:t>Haga clic para modificar el estilo de texto del patrón</a:t>
             </a:r>
           </a:p>
           <a:p>
             <a:pPr lvl="1"/>
             <a:r>
-              <a:rPr lang="es-ES_tradnl" smtClean="0"/>
+              <a:rPr lang="es-ES_tradnl"/>
               <a:t>Segundo nivel</a:t>
             </a:r>
           </a:p>
           <a:p>
             <a:pPr lvl="2"/>
             <a:r>
-              <a:rPr lang="es-ES_tradnl" smtClean="0"/>
+              <a:rPr lang="es-ES_tradnl"/>
               <a:t>Tercer nivel</a:t>
             </a:r>
           </a:p>
           <a:p>
             <a:pPr lvl="3"/>
             <a:r>
-              <a:rPr lang="es-ES_tradnl" smtClean="0"/>
+              <a:rPr lang="es-ES_tradnl"/>
               <a:t>Cuarto nivel</a:t>
             </a:r>
           </a:p>
           <a:p>
             <a:pPr lvl="4"/>
             <a:r>
-              <a:rPr lang="es-ES_tradnl" smtClean="0"/>
+              <a:rPr lang="es-ES_tradnl"/>
               <a:t>Quinto nivel</a:t>
             </a:r>
-            <a:endParaRPr lang="es-ES_tradnl"/>
           </a:p>
         </p:txBody>
       </p:sp>
@@ -2995,7 +2986,7 @@
   <p:clrMapOvr>
     <a:masterClrMapping/>
   </p:clrMapOvr>
-  <p:transition xmlns:p14="http://schemas.microsoft.com/office/powerpoint/2010/main"/>
+  <p:transition/>
 </p:sldLayout>
 </file>
 
@@ -3028,8 +3019,8 @@
         </p:nvSpPr>
         <p:spPr>
           <a:xfrm>
-            <a:off x="7486650" y="0"/>
-            <a:ext cx="2327275" cy="7556500"/>
+            <a:off x="6796392" y="0"/>
+            <a:ext cx="2112703" cy="5143500"/>
           </a:xfrm>
         </p:spPr>
         <p:txBody>
@@ -3037,10 +3028,9 @@
           <a:lstStyle/>
           <a:p>
             <a:r>
-              <a:rPr lang="es-ES_tradnl" smtClean="0"/>
+              <a:rPr lang="es-ES_tradnl"/>
               <a:t>Clic para editar título</a:t>
             </a:r>
-            <a:endParaRPr lang="es-ES_tradnl"/>
           </a:p>
         </p:txBody>
       </p:sp>
@@ -3056,8 +3046,8 @@
         </p:nvSpPr>
         <p:spPr>
           <a:xfrm>
-            <a:off x="504825" y="0"/>
-            <a:ext cx="6829425" cy="7556500"/>
+            <a:off x="458281" y="0"/>
+            <a:ext cx="6199761" cy="5143500"/>
           </a:xfrm>
         </p:spPr>
         <p:txBody>
@@ -3066,38 +3056,37 @@
           <a:p>
             <a:pPr lvl="0"/>
             <a:r>
-              <a:rPr lang="es-ES_tradnl" smtClean="0"/>
+              <a:rPr lang="es-ES_tradnl"/>
               <a:t>Haga clic para modificar el estilo de texto del patrón</a:t>
             </a:r>
           </a:p>
           <a:p>
             <a:pPr lvl="1"/>
             <a:r>
-              <a:rPr lang="es-ES_tradnl" smtClean="0"/>
+              <a:rPr lang="es-ES_tradnl"/>
               <a:t>Segundo nivel</a:t>
             </a:r>
           </a:p>
           <a:p>
             <a:pPr lvl="2"/>
             <a:r>
-              <a:rPr lang="es-ES_tradnl" smtClean="0"/>
+              <a:rPr lang="es-ES_tradnl"/>
               <a:t>Tercer nivel</a:t>
             </a:r>
           </a:p>
           <a:p>
             <a:pPr lvl="3"/>
             <a:r>
-              <a:rPr lang="es-ES_tradnl" smtClean="0"/>
+              <a:rPr lang="es-ES_tradnl"/>
               <a:t>Cuarto nivel</a:t>
             </a:r>
           </a:p>
           <a:p>
             <a:pPr lvl="4"/>
             <a:r>
-              <a:rPr lang="es-ES_tradnl" smtClean="0"/>
+              <a:rPr lang="es-ES_tradnl"/>
               <a:t>Quinto nivel</a:t>
             </a:r>
-            <a:endParaRPr lang="es-ES_tradnl"/>
           </a:p>
         </p:txBody>
       </p:sp>
@@ -3136,7 +3125,7 @@
   <p:clrMapOvr>
     <a:masterClrMapping/>
   </p:clrMapOvr>
-  <p:transition xmlns:p14="http://schemas.microsoft.com/office/powerpoint/2010/main"/>
+  <p:transition/>
 </p:sldLayout>
 </file>
 
@@ -3169,8 +3158,8 @@
         </p:nvSpPr>
         <p:spPr>
           <a:xfrm>
-            <a:off x="755650" y="2347913"/>
-            <a:ext cx="8561388" cy="1619250"/>
+            <a:off x="685980" y="1598159"/>
+            <a:ext cx="7772040" cy="1102179"/>
           </a:xfrm>
         </p:spPr>
         <p:txBody>
@@ -3178,10 +3167,9 @@
           <a:lstStyle/>
           <a:p>
             <a:r>
-              <a:rPr lang="es-ES_tradnl" smtClean="0"/>
+              <a:rPr lang="es-ES_tradnl"/>
               <a:t>Clic para editar título</a:t>
             </a:r>
-            <a:endParaRPr lang="es-ES_tradnl"/>
           </a:p>
         </p:txBody>
       </p:sp>
@@ -3197,8 +3185,8 @@
         </p:nvSpPr>
         <p:spPr>
           <a:xfrm>
-            <a:off x="1511300" y="4281488"/>
-            <a:ext cx="7050088" cy="1931987"/>
+            <a:off x="1371960" y="2914290"/>
+            <a:ext cx="6400080" cy="1315050"/>
           </a:xfrm>
         </p:spPr>
         <p:txBody>
@@ -3208,45 +3196,44 @@
               <a:buNone/>
               <a:defRPr/>
             </a:lvl1pPr>
-            <a:lvl2pPr marL="457200" indent="0" algn="ctr">
+            <a:lvl2pPr marL="311216" indent="0" algn="ctr">
               <a:buNone/>
               <a:defRPr/>
             </a:lvl2pPr>
-            <a:lvl3pPr marL="914400" indent="0" algn="ctr">
+            <a:lvl3pPr marL="622432" indent="0" algn="ctr">
               <a:buNone/>
               <a:defRPr/>
             </a:lvl3pPr>
-            <a:lvl4pPr marL="1371600" indent="0" algn="ctr">
+            <a:lvl4pPr marL="933648" indent="0" algn="ctr">
               <a:buNone/>
               <a:defRPr/>
             </a:lvl4pPr>
-            <a:lvl5pPr marL="1828800" indent="0" algn="ctr">
+            <a:lvl5pPr marL="1244864" indent="0" algn="ctr">
               <a:buNone/>
               <a:defRPr/>
             </a:lvl5pPr>
-            <a:lvl6pPr marL="2286000" indent="0" algn="ctr">
+            <a:lvl6pPr marL="1556080" indent="0" algn="ctr">
               <a:buNone/>
               <a:defRPr/>
             </a:lvl6pPr>
-            <a:lvl7pPr marL="2743200" indent="0" algn="ctr">
+            <a:lvl7pPr marL="1867296" indent="0" algn="ctr">
               <a:buNone/>
               <a:defRPr/>
             </a:lvl7pPr>
-            <a:lvl8pPr marL="3200400" indent="0" algn="ctr">
+            <a:lvl8pPr marL="2178512" indent="0" algn="ctr">
               <a:buNone/>
               <a:defRPr/>
             </a:lvl8pPr>
-            <a:lvl9pPr marL="3657600" indent="0" algn="ctr">
+            <a:lvl9pPr marL="2489728" indent="0" algn="ctr">
               <a:buNone/>
               <a:defRPr/>
             </a:lvl9pPr>
           </a:lstStyle>
           <a:p>
             <a:r>
-              <a:rPr lang="es-ES_tradnl" smtClean="0"/>
+              <a:rPr lang="es-ES_tradnl"/>
               <a:t>Haga clic para modificar el estilo de subtítulo del patrón</a:t>
             </a:r>
-            <a:endParaRPr lang="es-ES_tradnl"/>
           </a:p>
         </p:txBody>
       </p:sp>
@@ -3255,7 +3242,7 @@
   <p:clrMapOvr>
     <a:masterClrMapping/>
   </p:clrMapOvr>
-  <p:transition xmlns:p14="http://schemas.microsoft.com/office/powerpoint/2010/main"/>
+  <p:transition/>
 </p:sldLayout>
 </file>
 
@@ -3292,10 +3279,9 @@
           <a:lstStyle/>
           <a:p>
             <a:r>
-              <a:rPr lang="es-ES_tradnl" smtClean="0"/>
+              <a:rPr lang="es-ES_tradnl"/>
               <a:t>Clic para editar título</a:t>
             </a:r>
-            <a:endParaRPr lang="es-ES_tradnl"/>
           </a:p>
         </p:txBody>
       </p:sp>
@@ -3316,38 +3302,37 @@
           <a:p>
             <a:pPr lvl="0"/>
             <a:r>
-              <a:rPr lang="es-ES_tradnl" smtClean="0"/>
+              <a:rPr lang="es-ES_tradnl"/>
               <a:t>Haga clic para modificar el estilo de texto del patrón</a:t>
             </a:r>
           </a:p>
           <a:p>
             <a:pPr lvl="1"/>
             <a:r>
-              <a:rPr lang="es-ES_tradnl" smtClean="0"/>
+              <a:rPr lang="es-ES_tradnl"/>
               <a:t>Segundo nivel</a:t>
             </a:r>
           </a:p>
           <a:p>
             <a:pPr lvl="2"/>
             <a:r>
-              <a:rPr lang="es-ES_tradnl" smtClean="0"/>
+              <a:rPr lang="es-ES_tradnl"/>
               <a:t>Tercer nivel</a:t>
             </a:r>
           </a:p>
           <a:p>
             <a:pPr lvl="3"/>
             <a:r>
-              <a:rPr lang="es-ES_tradnl" smtClean="0"/>
+              <a:rPr lang="es-ES_tradnl"/>
               <a:t>Cuarto nivel</a:t>
             </a:r>
           </a:p>
           <a:p>
             <a:pPr lvl="4"/>
             <a:r>
-              <a:rPr lang="es-ES_tradnl" smtClean="0"/>
+              <a:rPr lang="es-ES_tradnl"/>
               <a:t>Quinto nivel</a:t>
             </a:r>
-            <a:endParaRPr lang="es-ES_tradnl"/>
           </a:p>
         </p:txBody>
       </p:sp>
@@ -3356,7 +3341,7 @@
   <p:clrMapOvr>
     <a:masterClrMapping/>
   </p:clrMapOvr>
-  <p:transition xmlns:p14="http://schemas.microsoft.com/office/powerpoint/2010/main"/>
+  <p:transition/>
 </p:sldLayout>
 </file>
 
@@ -3389,23 +3374,22 @@
         </p:nvSpPr>
         <p:spPr>
           <a:xfrm>
-            <a:off x="795338" y="4856163"/>
-            <a:ext cx="8561387" cy="1500187"/>
+            <a:off x="722009" y="3305456"/>
+            <a:ext cx="7772039" cy="1021136"/>
           </a:xfrm>
         </p:spPr>
         <p:txBody>
           <a:bodyPr anchor="t"/>
           <a:lstStyle>
             <a:lvl1pPr algn="l">
-              <a:defRPr sz="4000" b="1" cap="all"/>
+              <a:defRPr sz="2723" b="1" cap="all"/>
             </a:lvl1pPr>
           </a:lstStyle>
           <a:p>
             <a:r>
-              <a:rPr lang="es-ES_tradnl" smtClean="0"/>
+              <a:rPr lang="es-ES_tradnl"/>
               <a:t>Clic para editar título</a:t>
             </a:r>
-            <a:endParaRPr lang="es-ES_tradnl"/>
           </a:p>
         </p:txBody>
       </p:sp>
@@ -3421,8 +3405,8 @@
         </p:nvSpPr>
         <p:spPr>
           <a:xfrm>
-            <a:off x="795338" y="3201988"/>
-            <a:ext cx="8561387" cy="1654175"/>
+            <a:off x="722009" y="2179505"/>
+            <a:ext cx="7772039" cy="1125951"/>
           </a:xfrm>
         </p:spPr>
         <p:txBody>
@@ -3430,45 +3414,45 @@
           <a:lstStyle>
             <a:lvl1pPr marL="0" indent="0">
               <a:buNone/>
-              <a:defRPr sz="2000"/>
+              <a:defRPr sz="1361"/>
             </a:lvl1pPr>
-            <a:lvl2pPr marL="457200" indent="0">
-              <a:buNone/>
-              <a:defRPr sz="1800"/>
+            <a:lvl2pPr marL="311216" indent="0">
+              <a:buNone/>
+              <a:defRPr sz="1225"/>
             </a:lvl2pPr>
-            <a:lvl3pPr marL="914400" indent="0">
-              <a:buNone/>
-              <a:defRPr sz="1600"/>
+            <a:lvl3pPr marL="622432" indent="0">
+              <a:buNone/>
+              <a:defRPr sz="1089"/>
             </a:lvl3pPr>
-            <a:lvl4pPr marL="1371600" indent="0">
-              <a:buNone/>
-              <a:defRPr sz="1400"/>
+            <a:lvl4pPr marL="933648" indent="0">
+              <a:buNone/>
+              <a:defRPr sz="953"/>
             </a:lvl4pPr>
-            <a:lvl5pPr marL="1828800" indent="0">
-              <a:buNone/>
-              <a:defRPr sz="1400"/>
+            <a:lvl5pPr marL="1244864" indent="0">
+              <a:buNone/>
+              <a:defRPr sz="953"/>
             </a:lvl5pPr>
-            <a:lvl6pPr marL="2286000" indent="0">
-              <a:buNone/>
-              <a:defRPr sz="1400"/>
+            <a:lvl6pPr marL="1556080" indent="0">
+              <a:buNone/>
+              <a:defRPr sz="953"/>
             </a:lvl6pPr>
-            <a:lvl7pPr marL="2743200" indent="0">
-              <a:buNone/>
-              <a:defRPr sz="1400"/>
+            <a:lvl7pPr marL="1867296" indent="0">
+              <a:buNone/>
+              <a:defRPr sz="953"/>
             </a:lvl7pPr>
-            <a:lvl8pPr marL="3200400" indent="0">
-              <a:buNone/>
-              <a:defRPr sz="1400"/>
+            <a:lvl8pPr marL="2178512" indent="0">
+              <a:buNone/>
+              <a:defRPr sz="953"/>
             </a:lvl8pPr>
-            <a:lvl9pPr marL="3657600" indent="0">
-              <a:buNone/>
-              <a:defRPr sz="1400"/>
+            <a:lvl9pPr marL="2489728" indent="0">
+              <a:buNone/>
+              <a:defRPr sz="953"/>
             </a:lvl9pPr>
           </a:lstStyle>
           <a:p>
             <a:pPr lvl="0"/>
             <a:r>
-              <a:rPr lang="es-ES_tradnl" smtClean="0"/>
+              <a:rPr lang="es-ES_tradnl"/>
               <a:t>Haga clic para modificar el estilo de texto del patrón</a:t>
             </a:r>
           </a:p>
@@ -3479,7 +3463,7 @@
   <p:clrMapOvr>
     <a:masterClrMapping/>
   </p:clrMapOvr>
-  <p:transition xmlns:p14="http://schemas.microsoft.com/office/powerpoint/2010/main"/>
+  <p:transition/>
 </p:sldLayout>
 </file>
 
@@ -3516,10 +3500,9 @@
           <a:lstStyle/>
           <a:p>
             <a:r>
-              <a:rPr lang="es-ES_tradnl" smtClean="0"/>
+              <a:rPr lang="es-ES_tradnl"/>
               <a:t>Clic para editar título</a:t>
             </a:r>
-            <a:endParaRPr lang="es-ES_tradnl"/>
           </a:p>
         </p:txBody>
       </p:sp>
@@ -3535,76 +3518,75 @@
         </p:nvSpPr>
         <p:spPr>
           <a:xfrm>
-            <a:off x="977900" y="5524500"/>
-            <a:ext cx="3975100" cy="2035175"/>
+            <a:off x="887739" y="3760374"/>
+            <a:ext cx="3608601" cy="1385287"/>
           </a:xfrm>
         </p:spPr>
         <p:txBody>
           <a:bodyPr/>
           <a:lstStyle>
             <a:lvl1pPr>
-              <a:defRPr sz="2800"/>
+              <a:defRPr sz="1906"/>
             </a:lvl1pPr>
             <a:lvl2pPr>
-              <a:defRPr sz="2400"/>
+              <a:defRPr sz="1634"/>
             </a:lvl2pPr>
             <a:lvl3pPr>
-              <a:defRPr sz="2000"/>
+              <a:defRPr sz="1361"/>
             </a:lvl3pPr>
             <a:lvl4pPr>
-              <a:defRPr sz="1800"/>
+              <a:defRPr sz="1225"/>
             </a:lvl4pPr>
             <a:lvl5pPr>
-              <a:defRPr sz="1800"/>
+              <a:defRPr sz="1225"/>
             </a:lvl5pPr>
             <a:lvl6pPr>
-              <a:defRPr sz="1800"/>
+              <a:defRPr sz="1225"/>
             </a:lvl6pPr>
             <a:lvl7pPr>
-              <a:defRPr sz="1800"/>
+              <a:defRPr sz="1225"/>
             </a:lvl7pPr>
             <a:lvl8pPr>
-              <a:defRPr sz="1800"/>
+              <a:defRPr sz="1225"/>
             </a:lvl8pPr>
             <a:lvl9pPr>
-              <a:defRPr sz="1800"/>
+              <a:defRPr sz="1225"/>
             </a:lvl9pPr>
           </a:lstStyle>
           <a:p>
             <a:pPr lvl="0"/>
             <a:r>
-              <a:rPr lang="es-ES_tradnl" smtClean="0"/>
+              <a:rPr lang="es-ES_tradnl"/>
               <a:t>Haga clic para modificar el estilo de texto del patrón</a:t>
             </a:r>
           </a:p>
           <a:p>
             <a:pPr lvl="1"/>
             <a:r>
-              <a:rPr lang="es-ES_tradnl" smtClean="0"/>
+              <a:rPr lang="es-ES_tradnl"/>
               <a:t>Segundo nivel</a:t>
             </a:r>
           </a:p>
           <a:p>
             <a:pPr lvl="2"/>
             <a:r>
-              <a:rPr lang="es-ES_tradnl" smtClean="0"/>
+              <a:rPr lang="es-ES_tradnl"/>
               <a:t>Tercer nivel</a:t>
             </a:r>
           </a:p>
           <a:p>
             <a:pPr lvl="3"/>
             <a:r>
-              <a:rPr lang="es-ES_tradnl" smtClean="0"/>
+              <a:rPr lang="es-ES_tradnl"/>
               <a:t>Cuarto nivel</a:t>
             </a:r>
           </a:p>
           <a:p>
             <a:pPr lvl="4"/>
             <a:r>
-              <a:rPr lang="es-ES_tradnl" smtClean="0"/>
+              <a:rPr lang="es-ES_tradnl"/>
               <a:t>Quinto nivel</a:t>
             </a:r>
-            <a:endParaRPr lang="es-ES_tradnl"/>
           </a:p>
         </p:txBody>
       </p:sp>
@@ -3620,76 +3602,75 @@
         </p:nvSpPr>
         <p:spPr>
           <a:xfrm>
-            <a:off x="5105400" y="5524500"/>
-            <a:ext cx="3976688" cy="2035175"/>
+            <a:off x="4634689" y="3760374"/>
+            <a:ext cx="3610043" cy="1385287"/>
           </a:xfrm>
         </p:spPr>
         <p:txBody>
           <a:bodyPr/>
           <a:lstStyle>
             <a:lvl1pPr>
-              <a:defRPr sz="2800"/>
+              <a:defRPr sz="1906"/>
             </a:lvl1pPr>
             <a:lvl2pPr>
-              <a:defRPr sz="2400"/>
+              <a:defRPr sz="1634"/>
             </a:lvl2pPr>
             <a:lvl3pPr>
-              <a:defRPr sz="2000"/>
+              <a:defRPr sz="1361"/>
             </a:lvl3pPr>
             <a:lvl4pPr>
-              <a:defRPr sz="1800"/>
+              <a:defRPr sz="1225"/>
             </a:lvl4pPr>
             <a:lvl5pPr>
-              <a:defRPr sz="1800"/>
+              <a:defRPr sz="1225"/>
             </a:lvl5pPr>
             <a:lvl6pPr>
-              <a:defRPr sz="1800"/>
+              <a:defRPr sz="1225"/>
             </a:lvl6pPr>
             <a:lvl7pPr>
-              <a:defRPr sz="1800"/>
+              <a:defRPr sz="1225"/>
             </a:lvl7pPr>
             <a:lvl8pPr>
-              <a:defRPr sz="1800"/>
+              <a:defRPr sz="1225"/>
             </a:lvl8pPr>
             <a:lvl9pPr>
-              <a:defRPr sz="1800"/>
+              <a:defRPr sz="1225"/>
             </a:lvl9pPr>
           </a:lstStyle>
           <a:p>
             <a:pPr lvl="0"/>
             <a:r>
-              <a:rPr lang="es-ES_tradnl" smtClean="0"/>
+              <a:rPr lang="es-ES_tradnl"/>
               <a:t>Haga clic para modificar el estilo de texto del patrón</a:t>
             </a:r>
           </a:p>
           <a:p>
             <a:pPr lvl="1"/>
             <a:r>
-              <a:rPr lang="es-ES_tradnl" smtClean="0"/>
+              <a:rPr lang="es-ES_tradnl"/>
               <a:t>Segundo nivel</a:t>
             </a:r>
           </a:p>
           <a:p>
             <a:pPr lvl="2"/>
             <a:r>
-              <a:rPr lang="es-ES_tradnl" smtClean="0"/>
+              <a:rPr lang="es-ES_tradnl"/>
               <a:t>Tercer nivel</a:t>
             </a:r>
           </a:p>
           <a:p>
             <a:pPr lvl="3"/>
             <a:r>
-              <a:rPr lang="es-ES_tradnl" smtClean="0"/>
+              <a:rPr lang="es-ES_tradnl"/>
               <a:t>Cuarto nivel</a:t>
             </a:r>
           </a:p>
           <a:p>
             <a:pPr lvl="4"/>
             <a:r>
-              <a:rPr lang="es-ES_tradnl" smtClean="0"/>
+              <a:rPr lang="es-ES_tradnl"/>
               <a:t>Quinto nivel</a:t>
             </a:r>
-            <a:endParaRPr lang="es-ES_tradnl"/>
           </a:p>
         </p:txBody>
       </p:sp>
@@ -3698,7 +3679,7 @@
   <p:clrMapOvr>
     <a:masterClrMapping/>
   </p:clrMapOvr>
-  <p:transition xmlns:p14="http://schemas.microsoft.com/office/powerpoint/2010/main"/>
+  <p:transition/>
 </p:sldLayout>
 </file>
 
@@ -3731,8 +3712,8 @@
         </p:nvSpPr>
         <p:spPr>
           <a:xfrm>
-            <a:off x="503238" y="303213"/>
-            <a:ext cx="9066212" cy="1258887"/>
+            <a:off x="456840" y="206389"/>
+            <a:ext cx="8230320" cy="856889"/>
           </a:xfrm>
         </p:spPr>
         <p:txBody>
@@ -3744,10 +3725,9 @@
           </a:lstStyle>
           <a:p>
             <a:r>
-              <a:rPr lang="es-ES_tradnl" smtClean="0"/>
+              <a:rPr lang="es-ES_tradnl"/>
               <a:t>Clic para editar título</a:t>
             </a:r>
-            <a:endParaRPr lang="es-ES_tradnl"/>
           </a:p>
         </p:txBody>
       </p:sp>
@@ -3763,8 +3743,8 @@
         </p:nvSpPr>
         <p:spPr>
           <a:xfrm>
-            <a:off x="503238" y="1690688"/>
-            <a:ext cx="4451350" cy="706437"/>
+            <a:off x="456840" y="1150805"/>
+            <a:ext cx="4040942" cy="480852"/>
           </a:xfrm>
         </p:spPr>
         <p:txBody>
@@ -3772,45 +3752,45 @@
           <a:lstStyle>
             <a:lvl1pPr marL="0" indent="0">
               <a:buNone/>
-              <a:defRPr sz="2400" b="1"/>
+              <a:defRPr sz="1634" b="1"/>
             </a:lvl1pPr>
-            <a:lvl2pPr marL="457200" indent="0">
-              <a:buNone/>
-              <a:defRPr sz="2000" b="1"/>
+            <a:lvl2pPr marL="311216" indent="0">
+              <a:buNone/>
+              <a:defRPr sz="1361" b="1"/>
             </a:lvl2pPr>
-            <a:lvl3pPr marL="914400" indent="0">
-              <a:buNone/>
-              <a:defRPr sz="1800" b="1"/>
+            <a:lvl3pPr marL="622432" indent="0">
+              <a:buNone/>
+              <a:defRPr sz="1225" b="1"/>
             </a:lvl3pPr>
-            <a:lvl4pPr marL="1371600" indent="0">
-              <a:buNone/>
-              <a:defRPr sz="1600" b="1"/>
+            <a:lvl4pPr marL="933648" indent="0">
+              <a:buNone/>
+              <a:defRPr sz="1089" b="1"/>
             </a:lvl4pPr>
-            <a:lvl5pPr marL="1828800" indent="0">
-              <a:buNone/>
-              <a:defRPr sz="1600" b="1"/>
+            <a:lvl5pPr marL="1244864" indent="0">
+              <a:buNone/>
+              <a:defRPr sz="1089" b="1"/>
             </a:lvl5pPr>
-            <a:lvl6pPr marL="2286000" indent="0">
-              <a:buNone/>
-              <a:defRPr sz="1600" b="1"/>
+            <a:lvl6pPr marL="1556080" indent="0">
+              <a:buNone/>
+              <a:defRPr sz="1089" b="1"/>
             </a:lvl6pPr>
-            <a:lvl7pPr marL="2743200" indent="0">
-              <a:buNone/>
-              <a:defRPr sz="1600" b="1"/>
+            <a:lvl7pPr marL="1867296" indent="0">
+              <a:buNone/>
+              <a:defRPr sz="1089" b="1"/>
             </a:lvl7pPr>
-            <a:lvl8pPr marL="3200400" indent="0">
-              <a:buNone/>
-              <a:defRPr sz="1600" b="1"/>
+            <a:lvl8pPr marL="2178512" indent="0">
+              <a:buNone/>
+              <a:defRPr sz="1089" b="1"/>
             </a:lvl8pPr>
-            <a:lvl9pPr marL="3657600" indent="0">
-              <a:buNone/>
-              <a:defRPr sz="1600" b="1"/>
+            <a:lvl9pPr marL="2489728" indent="0">
+              <a:buNone/>
+              <a:defRPr sz="1089" b="1"/>
             </a:lvl9pPr>
           </a:lstStyle>
           <a:p>
             <a:pPr lvl="0"/>
             <a:r>
-              <a:rPr lang="es-ES_tradnl" smtClean="0"/>
+              <a:rPr lang="es-ES_tradnl"/>
               <a:t>Haga clic para modificar el estilo de texto del patrón</a:t>
             </a:r>
           </a:p>
@@ -3828,76 +3808,75 @@
         </p:nvSpPr>
         <p:spPr>
           <a:xfrm>
-            <a:off x="503238" y="2397125"/>
-            <a:ext cx="4451350" cy="4352925"/>
+            <a:off x="456840" y="1631657"/>
+            <a:ext cx="4040942" cy="2962915"/>
           </a:xfrm>
         </p:spPr>
         <p:txBody>
           <a:bodyPr/>
           <a:lstStyle>
             <a:lvl1pPr>
-              <a:defRPr sz="2400"/>
+              <a:defRPr sz="1634"/>
             </a:lvl1pPr>
             <a:lvl2pPr>
-              <a:defRPr sz="2000"/>
+              <a:defRPr sz="1361"/>
             </a:lvl2pPr>
             <a:lvl3pPr>
-              <a:defRPr sz="1800"/>
+              <a:defRPr sz="1225"/>
             </a:lvl3pPr>
             <a:lvl4pPr>
-              <a:defRPr sz="1600"/>
+              <a:defRPr sz="1089"/>
             </a:lvl4pPr>
             <a:lvl5pPr>
-              <a:defRPr sz="1600"/>
+              <a:defRPr sz="1089"/>
             </a:lvl5pPr>
             <a:lvl6pPr>
-              <a:defRPr sz="1600"/>
+              <a:defRPr sz="1089"/>
             </a:lvl6pPr>
             <a:lvl7pPr>
-              <a:defRPr sz="1600"/>
+              <a:defRPr sz="1089"/>
             </a:lvl7pPr>
             <a:lvl8pPr>
-              <a:defRPr sz="1600"/>
+              <a:defRPr sz="1089"/>
             </a:lvl8pPr>
             <a:lvl9pPr>
-              <a:defRPr sz="1600"/>
+              <a:defRPr sz="1089"/>
             </a:lvl9pPr>
           </a:lstStyle>
           <a:p>
             <a:pPr lvl="0"/>
             <a:r>
-              <a:rPr lang="es-ES_tradnl" smtClean="0"/>
+              <a:rPr lang="es-ES_tradnl"/>
               <a:t>Haga clic para modificar el estilo de texto del patrón</a:t>
             </a:r>
           </a:p>
           <a:p>
             <a:pPr lvl="1"/>
             <a:r>
-              <a:rPr lang="es-ES_tradnl" smtClean="0"/>
+              <a:rPr lang="es-ES_tradnl"/>
               <a:t>Segundo nivel</a:t>
             </a:r>
           </a:p>
           <a:p>
             <a:pPr lvl="2"/>
             <a:r>
-              <a:rPr lang="es-ES_tradnl" smtClean="0"/>
+              <a:rPr lang="es-ES_tradnl"/>
               <a:t>Tercer nivel</a:t>
             </a:r>
           </a:p>
           <a:p>
             <a:pPr lvl="3"/>
             <a:r>
-              <a:rPr lang="es-ES_tradnl" smtClean="0"/>
+              <a:rPr lang="es-ES_tradnl"/>
               <a:t>Cuarto nivel</a:t>
             </a:r>
           </a:p>
           <a:p>
             <a:pPr lvl="4"/>
             <a:r>
-              <a:rPr lang="es-ES_tradnl" smtClean="0"/>
+              <a:rPr lang="es-ES_tradnl"/>
               <a:t>Quinto nivel</a:t>
             </a:r>
-            <a:endParaRPr lang="es-ES_tradnl"/>
           </a:p>
         </p:txBody>
       </p:sp>
@@ -3913,8 +3892,8 @@
         </p:nvSpPr>
         <p:spPr>
           <a:xfrm>
-            <a:off x="5116513" y="1690688"/>
-            <a:ext cx="4452937" cy="706437"/>
+            <a:off x="4644778" y="1150805"/>
+            <a:ext cx="4042382" cy="480852"/>
           </a:xfrm>
         </p:spPr>
         <p:txBody>
@@ -3922,45 +3901,45 @@
           <a:lstStyle>
             <a:lvl1pPr marL="0" indent="0">
               <a:buNone/>
-              <a:defRPr sz="2400" b="1"/>
+              <a:defRPr sz="1634" b="1"/>
             </a:lvl1pPr>
-            <a:lvl2pPr marL="457200" indent="0">
-              <a:buNone/>
-              <a:defRPr sz="2000" b="1"/>
+            <a:lvl2pPr marL="311216" indent="0">
+              <a:buNone/>
+              <a:defRPr sz="1361" b="1"/>
             </a:lvl2pPr>
-            <a:lvl3pPr marL="914400" indent="0">
-              <a:buNone/>
-              <a:defRPr sz="1800" b="1"/>
+            <a:lvl3pPr marL="622432" indent="0">
+              <a:buNone/>
+              <a:defRPr sz="1225" b="1"/>
             </a:lvl3pPr>
-            <a:lvl4pPr marL="1371600" indent="0">
-              <a:buNone/>
-              <a:defRPr sz="1600" b="1"/>
+            <a:lvl4pPr marL="933648" indent="0">
+              <a:buNone/>
+              <a:defRPr sz="1089" b="1"/>
             </a:lvl4pPr>
-            <a:lvl5pPr marL="1828800" indent="0">
-              <a:buNone/>
-              <a:defRPr sz="1600" b="1"/>
+            <a:lvl5pPr marL="1244864" indent="0">
+              <a:buNone/>
+              <a:defRPr sz="1089" b="1"/>
             </a:lvl5pPr>
-            <a:lvl6pPr marL="2286000" indent="0">
-              <a:buNone/>
-              <a:defRPr sz="1600" b="1"/>
+            <a:lvl6pPr marL="1556080" indent="0">
+              <a:buNone/>
+              <a:defRPr sz="1089" b="1"/>
             </a:lvl6pPr>
-            <a:lvl7pPr marL="2743200" indent="0">
-              <a:buNone/>
-              <a:defRPr sz="1600" b="1"/>
+            <a:lvl7pPr marL="1867296" indent="0">
+              <a:buNone/>
+              <a:defRPr sz="1089" b="1"/>
             </a:lvl7pPr>
-            <a:lvl8pPr marL="3200400" indent="0">
-              <a:buNone/>
-              <a:defRPr sz="1600" b="1"/>
+            <a:lvl8pPr marL="2178512" indent="0">
+              <a:buNone/>
+              <a:defRPr sz="1089" b="1"/>
             </a:lvl8pPr>
-            <a:lvl9pPr marL="3657600" indent="0">
-              <a:buNone/>
-              <a:defRPr sz="1600" b="1"/>
+            <a:lvl9pPr marL="2489728" indent="0">
+              <a:buNone/>
+              <a:defRPr sz="1089" b="1"/>
             </a:lvl9pPr>
           </a:lstStyle>
           <a:p>
             <a:pPr lvl="0"/>
             <a:r>
-              <a:rPr lang="es-ES_tradnl" smtClean="0"/>
+              <a:rPr lang="es-ES_tradnl"/>
               <a:t>Haga clic para modificar el estilo de texto del patrón</a:t>
             </a:r>
           </a:p>
@@ -3978,76 +3957,75 @@
         </p:nvSpPr>
         <p:spPr>
           <a:xfrm>
-            <a:off x="5116513" y="2397125"/>
-            <a:ext cx="4452937" cy="4352925"/>
+            <a:off x="4644778" y="1631657"/>
+            <a:ext cx="4042382" cy="2962915"/>
           </a:xfrm>
         </p:spPr>
         <p:txBody>
           <a:bodyPr/>
           <a:lstStyle>
             <a:lvl1pPr>
-              <a:defRPr sz="2400"/>
+              <a:defRPr sz="1634"/>
             </a:lvl1pPr>
             <a:lvl2pPr>
-              <a:defRPr sz="2000"/>
+              <a:defRPr sz="1361"/>
             </a:lvl2pPr>
             <a:lvl3pPr>
-              <a:defRPr sz="1800"/>
+              <a:defRPr sz="1225"/>
             </a:lvl3pPr>
             <a:lvl4pPr>
-              <a:defRPr sz="1600"/>
+              <a:defRPr sz="1089"/>
             </a:lvl4pPr>
             <a:lvl5pPr>
-              <a:defRPr sz="1600"/>
+              <a:defRPr sz="1089"/>
             </a:lvl5pPr>
             <a:lvl6pPr>
-              <a:defRPr sz="1600"/>
+              <a:defRPr sz="1089"/>
             </a:lvl6pPr>
             <a:lvl7pPr>
-              <a:defRPr sz="1600"/>
+              <a:defRPr sz="1089"/>
             </a:lvl7pPr>
             <a:lvl8pPr>
-              <a:defRPr sz="1600"/>
+              <a:defRPr sz="1089"/>
             </a:lvl8pPr>
             <a:lvl9pPr>
-              <a:defRPr sz="1600"/>
+              <a:defRPr sz="1089"/>
             </a:lvl9pPr>
           </a:lstStyle>
           <a:p>
             <a:pPr lvl="0"/>
             <a:r>
-              <a:rPr lang="es-ES_tradnl" smtClean="0"/>
+              <a:rPr lang="es-ES_tradnl"/>
               <a:t>Haga clic para modificar el estilo de texto del patrón</a:t>
             </a:r>
           </a:p>
           <a:p>
             <a:pPr lvl="1"/>
             <a:r>
-              <a:rPr lang="es-ES_tradnl" smtClean="0"/>
+              <a:rPr lang="es-ES_tradnl"/>
               <a:t>Segundo nivel</a:t>
             </a:r>
           </a:p>
           <a:p>
             <a:pPr lvl="2"/>
             <a:r>
-              <a:rPr lang="es-ES_tradnl" smtClean="0"/>
+              <a:rPr lang="es-ES_tradnl"/>
               <a:t>Tercer nivel</a:t>
             </a:r>
           </a:p>
           <a:p>
             <a:pPr lvl="3"/>
             <a:r>
-              <a:rPr lang="es-ES_tradnl" smtClean="0"/>
+              <a:rPr lang="es-ES_tradnl"/>
               <a:t>Cuarto nivel</a:t>
             </a:r>
           </a:p>
           <a:p>
             <a:pPr lvl="4"/>
             <a:r>
-              <a:rPr lang="es-ES_tradnl" smtClean="0"/>
+              <a:rPr lang="es-ES_tradnl"/>
               <a:t>Quinto nivel</a:t>
             </a:r>
-            <a:endParaRPr lang="es-ES_tradnl"/>
           </a:p>
         </p:txBody>
       </p:sp>
@@ -4056,7 +4034,7 @@
   <p:clrMapOvr>
     <a:masterClrMapping/>
   </p:clrMapOvr>
-  <p:transition xmlns:p14="http://schemas.microsoft.com/office/powerpoint/2010/main"/>
+  <p:transition/>
 </p:sldLayout>
 </file>
 
@@ -4093,10 +4071,9 @@
           <a:lstStyle/>
           <a:p>
             <a:r>
-              <a:rPr lang="es-ES_tradnl" smtClean="0"/>
+              <a:rPr lang="es-ES_tradnl"/>
               <a:t>Clic para editar título</a:t>
             </a:r>
-            <a:endParaRPr lang="es-ES_tradnl"/>
           </a:p>
         </p:txBody>
       </p:sp>
@@ -4105,7 +4082,7 @@
   <p:clrMapOvr>
     <a:masterClrMapping/>
   </p:clrMapOvr>
-  <p:transition xmlns:p14="http://schemas.microsoft.com/office/powerpoint/2010/main"/>
+  <p:transition/>
 </p:sldLayout>
 </file>
 
@@ -4131,7 +4108,7 @@
   <p:clrMapOvr>
     <a:masterClrMapping/>
   </p:clrMapOvr>
-  <p:transition xmlns:p14="http://schemas.microsoft.com/office/powerpoint/2010/main"/>
+  <p:transition/>
 </p:sldLayout>
 </file>
 
@@ -4164,23 +4141,22 @@
         </p:nvSpPr>
         <p:spPr>
           <a:xfrm>
-            <a:off x="795338" y="4856163"/>
-            <a:ext cx="8561387" cy="1500187"/>
+            <a:off x="722009" y="3305456"/>
+            <a:ext cx="7772039" cy="1021136"/>
           </a:xfrm>
         </p:spPr>
         <p:txBody>
           <a:bodyPr anchor="t"/>
           <a:lstStyle>
             <a:lvl1pPr algn="l">
-              <a:defRPr sz="4000" b="1" cap="all"/>
+              <a:defRPr sz="2723" b="1" cap="all"/>
             </a:lvl1pPr>
           </a:lstStyle>
           <a:p>
             <a:r>
-              <a:rPr lang="es-ES_tradnl" smtClean="0"/>
+              <a:rPr lang="es-ES_tradnl"/>
               <a:t>Clic para editar título</a:t>
             </a:r>
-            <a:endParaRPr lang="es-ES_tradnl"/>
           </a:p>
         </p:txBody>
       </p:sp>
@@ -4196,8 +4172,8 @@
         </p:nvSpPr>
         <p:spPr>
           <a:xfrm>
-            <a:off x="795338" y="3201988"/>
-            <a:ext cx="8561387" cy="1654175"/>
+            <a:off x="722009" y="2179505"/>
+            <a:ext cx="7772039" cy="1125951"/>
           </a:xfrm>
         </p:spPr>
         <p:txBody>
@@ -4205,45 +4181,45 @@
           <a:lstStyle>
             <a:lvl1pPr marL="0" indent="0">
               <a:buNone/>
-              <a:defRPr sz="2000"/>
+              <a:defRPr sz="1361"/>
             </a:lvl1pPr>
-            <a:lvl2pPr marL="457200" indent="0">
-              <a:buNone/>
-              <a:defRPr sz="1800"/>
+            <a:lvl2pPr marL="311216" indent="0">
+              <a:buNone/>
+              <a:defRPr sz="1225"/>
             </a:lvl2pPr>
-            <a:lvl3pPr marL="914400" indent="0">
-              <a:buNone/>
-              <a:defRPr sz="1600"/>
+            <a:lvl3pPr marL="622432" indent="0">
+              <a:buNone/>
+              <a:defRPr sz="1089"/>
             </a:lvl3pPr>
-            <a:lvl4pPr marL="1371600" indent="0">
-              <a:buNone/>
-              <a:defRPr sz="1400"/>
+            <a:lvl4pPr marL="933648" indent="0">
+              <a:buNone/>
+              <a:defRPr sz="953"/>
             </a:lvl4pPr>
-            <a:lvl5pPr marL="1828800" indent="0">
-              <a:buNone/>
-              <a:defRPr sz="1400"/>
+            <a:lvl5pPr marL="1244864" indent="0">
+              <a:buNone/>
+              <a:defRPr sz="953"/>
             </a:lvl5pPr>
-            <a:lvl6pPr marL="2286000" indent="0">
-              <a:buNone/>
-              <a:defRPr sz="1400"/>
+            <a:lvl6pPr marL="1556080" indent="0">
+              <a:buNone/>
+              <a:defRPr sz="953"/>
             </a:lvl6pPr>
-            <a:lvl7pPr marL="2743200" indent="0">
-              <a:buNone/>
-              <a:defRPr sz="1400"/>
+            <a:lvl7pPr marL="1867296" indent="0">
+              <a:buNone/>
+              <a:defRPr sz="953"/>
             </a:lvl7pPr>
-            <a:lvl8pPr marL="3200400" indent="0">
-              <a:buNone/>
-              <a:defRPr sz="1400"/>
+            <a:lvl8pPr marL="2178512" indent="0">
+              <a:buNone/>
+              <a:defRPr sz="953"/>
             </a:lvl8pPr>
-            <a:lvl9pPr marL="3657600" indent="0">
-              <a:buNone/>
-              <a:defRPr sz="1400"/>
+            <a:lvl9pPr marL="2489728" indent="0">
+              <a:buNone/>
+              <a:defRPr sz="953"/>
             </a:lvl9pPr>
           </a:lstStyle>
           <a:p>
             <a:pPr lvl="0"/>
             <a:r>
-              <a:rPr lang="es-ES_tradnl" smtClean="0"/>
+              <a:rPr lang="es-ES_tradnl"/>
               <a:t>Haga clic para modificar el estilo de texto del patrón</a:t>
             </a:r>
           </a:p>
@@ -4254,7 +4230,7 @@
   <p:clrMapOvr>
     <a:masterClrMapping/>
   </p:clrMapOvr>
-  <p:transition xmlns:p14="http://schemas.microsoft.com/office/powerpoint/2010/main"/>
+  <p:transition/>
 </p:sldLayout>
 </file>
 
@@ -4287,23 +4263,22 @@
         </p:nvSpPr>
         <p:spPr>
           <a:xfrm>
-            <a:off x="503238" y="301625"/>
-            <a:ext cx="3314700" cy="1279525"/>
+            <a:off x="456840" y="205308"/>
+            <a:ext cx="3009089" cy="870937"/>
           </a:xfrm>
         </p:spPr>
         <p:txBody>
           <a:bodyPr/>
           <a:lstStyle>
             <a:lvl1pPr algn="l">
-              <a:defRPr sz="2000" b="1"/>
+              <a:defRPr sz="1361" b="1"/>
             </a:lvl1pPr>
           </a:lstStyle>
           <a:p>
             <a:r>
-              <a:rPr lang="es-ES_tradnl" smtClean="0"/>
+              <a:rPr lang="es-ES_tradnl"/>
               <a:t>Clic para editar título</a:t>
             </a:r>
-            <a:endParaRPr lang="es-ES_tradnl"/>
           </a:p>
         </p:txBody>
       </p:sp>
@@ -4319,76 +4294,75 @@
         </p:nvSpPr>
         <p:spPr>
           <a:xfrm>
-            <a:off x="3938588" y="301625"/>
-            <a:ext cx="5630862" cy="6448425"/>
+            <a:off x="3575456" y="205308"/>
+            <a:ext cx="5111704" cy="4389264"/>
           </a:xfrm>
         </p:spPr>
         <p:txBody>
           <a:bodyPr/>
           <a:lstStyle>
             <a:lvl1pPr>
-              <a:defRPr sz="3200"/>
+              <a:defRPr sz="2178"/>
             </a:lvl1pPr>
             <a:lvl2pPr>
-              <a:defRPr sz="2800"/>
+              <a:defRPr sz="1906"/>
             </a:lvl2pPr>
             <a:lvl3pPr>
-              <a:defRPr sz="2400"/>
+              <a:defRPr sz="1634"/>
             </a:lvl3pPr>
             <a:lvl4pPr>
-              <a:defRPr sz="2000"/>
+              <a:defRPr sz="1361"/>
             </a:lvl4pPr>
             <a:lvl5pPr>
-              <a:defRPr sz="2000"/>
+              <a:defRPr sz="1361"/>
             </a:lvl5pPr>
             <a:lvl6pPr>
-              <a:defRPr sz="2000"/>
+              <a:defRPr sz="1361"/>
             </a:lvl6pPr>
             <a:lvl7pPr>
-              <a:defRPr sz="2000"/>
+              <a:defRPr sz="1361"/>
             </a:lvl7pPr>
             <a:lvl8pPr>
-              <a:defRPr sz="2000"/>
+              <a:defRPr sz="1361"/>
             </a:lvl8pPr>
             <a:lvl9pPr>
-              <a:defRPr sz="2000"/>
+              <a:defRPr sz="1361"/>
             </a:lvl9pPr>
           </a:lstStyle>
           <a:p>
             <a:pPr lvl="0"/>
             <a:r>
-              <a:rPr lang="es-ES_tradnl" smtClean="0"/>
+              <a:rPr lang="es-ES_tradnl"/>
               <a:t>Haga clic para modificar el estilo de texto del patrón</a:t>
             </a:r>
           </a:p>
           <a:p>
             <a:pPr lvl="1"/>
             <a:r>
-              <a:rPr lang="es-ES_tradnl" smtClean="0"/>
+              <a:rPr lang="es-ES_tradnl"/>
               <a:t>Segundo nivel</a:t>
             </a:r>
           </a:p>
           <a:p>
             <a:pPr lvl="2"/>
             <a:r>
-              <a:rPr lang="es-ES_tradnl" smtClean="0"/>
+              <a:rPr lang="es-ES_tradnl"/>
               <a:t>Tercer nivel</a:t>
             </a:r>
           </a:p>
           <a:p>
             <a:pPr lvl="3"/>
             <a:r>
-              <a:rPr lang="es-ES_tradnl" smtClean="0"/>
+              <a:rPr lang="es-ES_tradnl"/>
               <a:t>Cuarto nivel</a:t>
             </a:r>
           </a:p>
           <a:p>
             <a:pPr lvl="4"/>
             <a:r>
-              <a:rPr lang="es-ES_tradnl" smtClean="0"/>
+              <a:rPr lang="es-ES_tradnl"/>
               <a:t>Quinto nivel</a:t>
             </a:r>
-            <a:endParaRPr lang="es-ES_tradnl"/>
           </a:p>
         </p:txBody>
       </p:sp>
@@ -4404,8 +4378,8 @@
         </p:nvSpPr>
         <p:spPr>
           <a:xfrm>
-            <a:off x="503238" y="1581150"/>
-            <a:ext cx="3314700" cy="5168900"/>
+            <a:off x="456840" y="1076245"/>
+            <a:ext cx="3009089" cy="3518327"/>
           </a:xfrm>
         </p:spPr>
         <p:txBody>
@@ -4413,45 +4387,45 @@
           <a:lstStyle>
             <a:lvl1pPr marL="0" indent="0">
               <a:buNone/>
-              <a:defRPr sz="1400"/>
+              <a:defRPr sz="953"/>
             </a:lvl1pPr>
-            <a:lvl2pPr marL="457200" indent="0">
-              <a:buNone/>
-              <a:defRPr sz="1200"/>
+            <a:lvl2pPr marL="311216" indent="0">
+              <a:buNone/>
+              <a:defRPr sz="817"/>
             </a:lvl2pPr>
-            <a:lvl3pPr marL="914400" indent="0">
-              <a:buNone/>
-              <a:defRPr sz="1000"/>
+            <a:lvl3pPr marL="622432" indent="0">
+              <a:buNone/>
+              <a:defRPr sz="681"/>
             </a:lvl3pPr>
-            <a:lvl4pPr marL="1371600" indent="0">
-              <a:buNone/>
-              <a:defRPr sz="900"/>
+            <a:lvl4pPr marL="933648" indent="0">
+              <a:buNone/>
+              <a:defRPr sz="613"/>
             </a:lvl4pPr>
-            <a:lvl5pPr marL="1828800" indent="0">
-              <a:buNone/>
-              <a:defRPr sz="900"/>
+            <a:lvl5pPr marL="1244864" indent="0">
+              <a:buNone/>
+              <a:defRPr sz="613"/>
             </a:lvl5pPr>
-            <a:lvl6pPr marL="2286000" indent="0">
-              <a:buNone/>
-              <a:defRPr sz="900"/>
+            <a:lvl6pPr marL="1556080" indent="0">
+              <a:buNone/>
+              <a:defRPr sz="613"/>
             </a:lvl6pPr>
-            <a:lvl7pPr marL="2743200" indent="0">
-              <a:buNone/>
-              <a:defRPr sz="900"/>
+            <a:lvl7pPr marL="1867296" indent="0">
+              <a:buNone/>
+              <a:defRPr sz="613"/>
             </a:lvl7pPr>
-            <a:lvl8pPr marL="3200400" indent="0">
-              <a:buNone/>
-              <a:defRPr sz="900"/>
+            <a:lvl8pPr marL="2178512" indent="0">
+              <a:buNone/>
+              <a:defRPr sz="613"/>
             </a:lvl8pPr>
-            <a:lvl9pPr marL="3657600" indent="0">
-              <a:buNone/>
-              <a:defRPr sz="900"/>
+            <a:lvl9pPr marL="2489728" indent="0">
+              <a:buNone/>
+              <a:defRPr sz="613"/>
             </a:lvl9pPr>
           </a:lstStyle>
           <a:p>
             <a:pPr lvl="0"/>
             <a:r>
-              <a:rPr lang="es-ES_tradnl" smtClean="0"/>
+              <a:rPr lang="es-ES_tradnl"/>
               <a:t>Haga clic para modificar el estilo de texto del patrón</a:t>
             </a:r>
           </a:p>
@@ -4462,7 +4436,7 @@
   <p:clrMapOvr>
     <a:masterClrMapping/>
   </p:clrMapOvr>
-  <p:transition xmlns:p14="http://schemas.microsoft.com/office/powerpoint/2010/main"/>
+  <p:transition/>
 </p:sldLayout>
 </file>
 
@@ -4495,23 +4469,22 @@
         </p:nvSpPr>
         <p:spPr>
           <a:xfrm>
-            <a:off x="1974850" y="5289550"/>
-            <a:ext cx="6043613" cy="623888"/>
+            <a:off x="1792772" y="3600450"/>
+            <a:ext cx="5486400" cy="424663"/>
           </a:xfrm>
         </p:spPr>
         <p:txBody>
           <a:bodyPr/>
           <a:lstStyle>
             <a:lvl1pPr algn="l">
-              <a:defRPr sz="2000" b="1"/>
+              <a:defRPr sz="1361" b="1"/>
             </a:lvl1pPr>
           </a:lstStyle>
           <a:p>
             <a:r>
-              <a:rPr lang="es-ES_tradnl" smtClean="0"/>
+              <a:rPr lang="es-ES_tradnl"/>
               <a:t>Clic para editar título</a:t>
             </a:r>
-            <a:endParaRPr lang="es-ES_tradnl"/>
           </a:p>
         </p:txBody>
       </p:sp>
@@ -4527,8 +4500,8 @@
         </p:nvSpPr>
         <p:spPr>
           <a:xfrm>
-            <a:off x="1974850" y="674688"/>
-            <a:ext cx="6043613" cy="4533900"/>
+            <a:off x="1792772" y="459241"/>
+            <a:ext cx="5486400" cy="3086100"/>
           </a:xfrm>
         </p:spPr>
         <p:txBody>
@@ -4536,44 +4509,44 @@
           <a:lstStyle>
             <a:lvl1pPr marL="0" indent="0">
               <a:buNone/>
-              <a:defRPr sz="3200"/>
+              <a:defRPr sz="2178"/>
             </a:lvl1pPr>
-            <a:lvl2pPr marL="457200" indent="0">
-              <a:buNone/>
-              <a:defRPr sz="2800"/>
+            <a:lvl2pPr marL="311216" indent="0">
+              <a:buNone/>
+              <a:defRPr sz="1906"/>
             </a:lvl2pPr>
-            <a:lvl3pPr marL="914400" indent="0">
-              <a:buNone/>
-              <a:defRPr sz="2400"/>
+            <a:lvl3pPr marL="622432" indent="0">
+              <a:buNone/>
+              <a:defRPr sz="1634"/>
             </a:lvl3pPr>
-            <a:lvl4pPr marL="1371600" indent="0">
-              <a:buNone/>
-              <a:defRPr sz="2000"/>
+            <a:lvl4pPr marL="933648" indent="0">
+              <a:buNone/>
+              <a:defRPr sz="1361"/>
             </a:lvl4pPr>
-            <a:lvl5pPr marL="1828800" indent="0">
-              <a:buNone/>
-              <a:defRPr sz="2000"/>
+            <a:lvl5pPr marL="1244864" indent="0">
+              <a:buNone/>
+              <a:defRPr sz="1361"/>
             </a:lvl5pPr>
-            <a:lvl6pPr marL="2286000" indent="0">
-              <a:buNone/>
-              <a:defRPr sz="2000"/>
+            <a:lvl6pPr marL="1556080" indent="0">
+              <a:buNone/>
+              <a:defRPr sz="1361"/>
             </a:lvl6pPr>
-            <a:lvl7pPr marL="2743200" indent="0">
-              <a:buNone/>
-              <a:defRPr sz="2000"/>
+            <a:lvl7pPr marL="1867296" indent="0">
+              <a:buNone/>
+              <a:defRPr sz="1361"/>
             </a:lvl7pPr>
-            <a:lvl8pPr marL="3200400" indent="0">
-              <a:buNone/>
-              <a:defRPr sz="2000"/>
+            <a:lvl8pPr marL="2178512" indent="0">
+              <a:buNone/>
+              <a:defRPr sz="1361"/>
             </a:lvl8pPr>
-            <a:lvl9pPr marL="3657600" indent="0">
-              <a:buNone/>
-              <a:defRPr sz="2000"/>
+            <a:lvl9pPr marL="2489728" indent="0">
+              <a:buNone/>
+              <a:defRPr sz="1361"/>
             </a:lvl9pPr>
           </a:lstStyle>
           <a:p>
             <a:pPr lvl="0"/>
-            <a:endParaRPr lang="es-ES_tradnl" noProof="0" smtClean="0">
+            <a:endParaRPr lang="es-ES_tradnl" noProof="0">
               <a:sym typeface="Gill Sans" charset="0"/>
             </a:endParaRPr>
           </a:p>
@@ -4591,8 +4564,8 @@
         </p:nvSpPr>
         <p:spPr>
           <a:xfrm>
-            <a:off x="1974850" y="5913438"/>
-            <a:ext cx="6043613" cy="887412"/>
+            <a:off x="1792772" y="4025113"/>
+            <a:ext cx="5486400" cy="604037"/>
           </a:xfrm>
         </p:spPr>
         <p:txBody>
@@ -4600,45 +4573,45 @@
           <a:lstStyle>
             <a:lvl1pPr marL="0" indent="0">
               <a:buNone/>
-              <a:defRPr sz="1400"/>
+              <a:defRPr sz="953"/>
             </a:lvl1pPr>
-            <a:lvl2pPr marL="457200" indent="0">
-              <a:buNone/>
-              <a:defRPr sz="1200"/>
+            <a:lvl2pPr marL="311216" indent="0">
+              <a:buNone/>
+              <a:defRPr sz="817"/>
             </a:lvl2pPr>
-            <a:lvl3pPr marL="914400" indent="0">
-              <a:buNone/>
-              <a:defRPr sz="1000"/>
+            <a:lvl3pPr marL="622432" indent="0">
+              <a:buNone/>
+              <a:defRPr sz="681"/>
             </a:lvl3pPr>
-            <a:lvl4pPr marL="1371600" indent="0">
-              <a:buNone/>
-              <a:defRPr sz="900"/>
+            <a:lvl4pPr marL="933648" indent="0">
+              <a:buNone/>
+              <a:defRPr sz="613"/>
             </a:lvl4pPr>
-            <a:lvl5pPr marL="1828800" indent="0">
-              <a:buNone/>
-              <a:defRPr sz="900"/>
+            <a:lvl5pPr marL="1244864" indent="0">
+              <a:buNone/>
+              <a:defRPr sz="613"/>
             </a:lvl5pPr>
-            <a:lvl6pPr marL="2286000" indent="0">
-              <a:buNone/>
-              <a:defRPr sz="900"/>
+            <a:lvl6pPr marL="1556080" indent="0">
+              <a:buNone/>
+              <a:defRPr sz="613"/>
             </a:lvl6pPr>
-            <a:lvl7pPr marL="2743200" indent="0">
-              <a:buNone/>
-              <a:defRPr sz="900"/>
+            <a:lvl7pPr marL="1867296" indent="0">
+              <a:buNone/>
+              <a:defRPr sz="613"/>
             </a:lvl7pPr>
-            <a:lvl8pPr marL="3200400" indent="0">
-              <a:buNone/>
-              <a:defRPr sz="900"/>
+            <a:lvl8pPr marL="2178512" indent="0">
+              <a:buNone/>
+              <a:defRPr sz="613"/>
             </a:lvl8pPr>
-            <a:lvl9pPr marL="3657600" indent="0">
-              <a:buNone/>
-              <a:defRPr sz="900"/>
+            <a:lvl9pPr marL="2489728" indent="0">
+              <a:buNone/>
+              <a:defRPr sz="613"/>
             </a:lvl9pPr>
           </a:lstStyle>
           <a:p>
             <a:pPr lvl="0"/>
             <a:r>
-              <a:rPr lang="es-ES_tradnl" smtClean="0"/>
+              <a:rPr lang="es-ES_tradnl"/>
               <a:t>Haga clic para modificar el estilo de texto del patrón</a:t>
             </a:r>
           </a:p>
@@ -4649,7 +4622,7 @@
   <p:clrMapOvr>
     <a:masterClrMapping/>
   </p:clrMapOvr>
-  <p:transition xmlns:p14="http://schemas.microsoft.com/office/powerpoint/2010/main"/>
+  <p:transition/>
 </p:sldLayout>
 </file>
 
@@ -4686,10 +4659,9 @@
           <a:lstStyle/>
           <a:p>
             <a:r>
-              <a:rPr lang="es-ES_tradnl" smtClean="0"/>
+              <a:rPr lang="es-ES_tradnl"/>
               <a:t>Clic para editar título</a:t>
             </a:r>
-            <a:endParaRPr lang="es-ES_tradnl"/>
           </a:p>
         </p:txBody>
       </p:sp>
@@ -4710,38 +4682,37 @@
           <a:p>
             <a:pPr lvl="0"/>
             <a:r>
-              <a:rPr lang="es-ES_tradnl" smtClean="0"/>
+              <a:rPr lang="es-ES_tradnl"/>
               <a:t>Haga clic para modificar el estilo de texto del patrón</a:t>
             </a:r>
           </a:p>
           <a:p>
             <a:pPr lvl="1"/>
             <a:r>
-              <a:rPr lang="es-ES_tradnl" smtClean="0"/>
+              <a:rPr lang="es-ES_tradnl"/>
               <a:t>Segundo nivel</a:t>
             </a:r>
           </a:p>
           <a:p>
             <a:pPr lvl="2"/>
             <a:r>
-              <a:rPr lang="es-ES_tradnl" smtClean="0"/>
+              <a:rPr lang="es-ES_tradnl"/>
               <a:t>Tercer nivel</a:t>
             </a:r>
           </a:p>
           <a:p>
             <a:pPr lvl="3"/>
             <a:r>
-              <a:rPr lang="es-ES_tradnl" smtClean="0"/>
+              <a:rPr lang="es-ES_tradnl"/>
               <a:t>Cuarto nivel</a:t>
             </a:r>
           </a:p>
           <a:p>
             <a:pPr lvl="4"/>
             <a:r>
-              <a:rPr lang="es-ES_tradnl" smtClean="0"/>
+              <a:rPr lang="es-ES_tradnl"/>
               <a:t>Quinto nivel</a:t>
             </a:r>
-            <a:endParaRPr lang="es-ES_tradnl"/>
           </a:p>
         </p:txBody>
       </p:sp>
@@ -4750,7 +4721,7 @@
   <p:clrMapOvr>
     <a:masterClrMapping/>
   </p:clrMapOvr>
-  <p:transition xmlns:p14="http://schemas.microsoft.com/office/powerpoint/2010/main"/>
+  <p:transition/>
 </p:sldLayout>
 </file>
 
@@ -4783,8 +4754,8 @@
         </p:nvSpPr>
         <p:spPr>
           <a:xfrm>
-            <a:off x="7056438" y="0"/>
-            <a:ext cx="2025650" cy="7559675"/>
+            <a:off x="6405844" y="0"/>
+            <a:ext cx="1838888" cy="5145661"/>
           </a:xfrm>
         </p:spPr>
         <p:txBody>
@@ -4792,10 +4763,9 @@
           <a:lstStyle/>
           <a:p>
             <a:r>
-              <a:rPr lang="es-ES_tradnl" smtClean="0"/>
+              <a:rPr lang="es-ES_tradnl"/>
               <a:t>Clic para editar título</a:t>
             </a:r>
-            <a:endParaRPr lang="es-ES_tradnl"/>
           </a:p>
         </p:txBody>
       </p:sp>
@@ -4811,8 +4781,8 @@
         </p:nvSpPr>
         <p:spPr>
           <a:xfrm>
-            <a:off x="977900" y="0"/>
-            <a:ext cx="5926138" cy="7559675"/>
+            <a:off x="887739" y="0"/>
+            <a:ext cx="5379756" cy="5145661"/>
           </a:xfrm>
         </p:spPr>
         <p:txBody>
@@ -4821,38 +4791,37 @@
           <a:p>
             <a:pPr lvl="0"/>
             <a:r>
-              <a:rPr lang="es-ES_tradnl" smtClean="0"/>
+              <a:rPr lang="es-ES_tradnl"/>
               <a:t>Haga clic para modificar el estilo de texto del patrón</a:t>
             </a:r>
           </a:p>
           <a:p>
             <a:pPr lvl="1"/>
             <a:r>
-              <a:rPr lang="es-ES_tradnl" smtClean="0"/>
+              <a:rPr lang="es-ES_tradnl"/>
               <a:t>Segundo nivel</a:t>
             </a:r>
           </a:p>
           <a:p>
             <a:pPr lvl="2"/>
             <a:r>
-              <a:rPr lang="es-ES_tradnl" smtClean="0"/>
+              <a:rPr lang="es-ES_tradnl"/>
               <a:t>Tercer nivel</a:t>
             </a:r>
           </a:p>
           <a:p>
             <a:pPr lvl="3"/>
             <a:r>
-              <a:rPr lang="es-ES_tradnl" smtClean="0"/>
+              <a:rPr lang="es-ES_tradnl"/>
               <a:t>Cuarto nivel</a:t>
             </a:r>
           </a:p>
           <a:p>
             <a:pPr lvl="4"/>
             <a:r>
-              <a:rPr lang="es-ES_tradnl" smtClean="0"/>
+              <a:rPr lang="es-ES_tradnl"/>
               <a:t>Quinto nivel</a:t>
             </a:r>
-            <a:endParaRPr lang="es-ES_tradnl"/>
           </a:p>
         </p:txBody>
       </p:sp>
@@ -4861,7 +4830,7 @@
   <p:clrMapOvr>
     <a:masterClrMapping/>
   </p:clrMapOvr>
-  <p:transition xmlns:p14="http://schemas.microsoft.com/office/powerpoint/2010/main"/>
+  <p:transition/>
 </p:sldLayout>
 </file>
 
@@ -4894,8 +4863,8 @@
         </p:nvSpPr>
         <p:spPr>
           <a:xfrm>
-            <a:off x="755650" y="2347913"/>
-            <a:ext cx="8561388" cy="1619250"/>
+            <a:off x="685980" y="1598159"/>
+            <a:ext cx="7772040" cy="1102179"/>
           </a:xfrm>
         </p:spPr>
         <p:txBody>
@@ -4903,10 +4872,9 @@
           <a:lstStyle/>
           <a:p>
             <a:r>
-              <a:rPr lang="es-ES_tradnl" smtClean="0"/>
+              <a:rPr lang="es-ES_tradnl"/>
               <a:t>Clic para editar título</a:t>
             </a:r>
-            <a:endParaRPr lang="es-ES_tradnl"/>
           </a:p>
         </p:txBody>
       </p:sp>
@@ -4922,8 +4890,8 @@
         </p:nvSpPr>
         <p:spPr>
           <a:xfrm>
-            <a:off x="1511300" y="4281488"/>
-            <a:ext cx="7050088" cy="1931987"/>
+            <a:off x="1371960" y="2914290"/>
+            <a:ext cx="6400080" cy="1315050"/>
           </a:xfrm>
         </p:spPr>
         <p:txBody>
@@ -4933,45 +4901,44 @@
               <a:buNone/>
               <a:defRPr/>
             </a:lvl1pPr>
-            <a:lvl2pPr marL="457200" indent="0" algn="ctr">
+            <a:lvl2pPr marL="311216" indent="0" algn="ctr">
               <a:buNone/>
               <a:defRPr/>
             </a:lvl2pPr>
-            <a:lvl3pPr marL="914400" indent="0" algn="ctr">
+            <a:lvl3pPr marL="622432" indent="0" algn="ctr">
               <a:buNone/>
               <a:defRPr/>
             </a:lvl3pPr>
-            <a:lvl4pPr marL="1371600" indent="0" algn="ctr">
+            <a:lvl4pPr marL="933648" indent="0" algn="ctr">
               <a:buNone/>
               <a:defRPr/>
             </a:lvl4pPr>
-            <a:lvl5pPr marL="1828800" indent="0" algn="ctr">
+            <a:lvl5pPr marL="1244864" indent="0" algn="ctr">
               <a:buNone/>
               <a:defRPr/>
             </a:lvl5pPr>
-            <a:lvl6pPr marL="2286000" indent="0" algn="ctr">
+            <a:lvl6pPr marL="1556080" indent="0" algn="ctr">
               <a:buNone/>
               <a:defRPr/>
             </a:lvl6pPr>
-            <a:lvl7pPr marL="2743200" indent="0" algn="ctr">
+            <a:lvl7pPr marL="1867296" indent="0" algn="ctr">
               <a:buNone/>
               <a:defRPr/>
             </a:lvl7pPr>
-            <a:lvl8pPr marL="3200400" indent="0" algn="ctr">
+            <a:lvl8pPr marL="2178512" indent="0" algn="ctr">
               <a:buNone/>
               <a:defRPr/>
             </a:lvl8pPr>
-            <a:lvl9pPr marL="3657600" indent="0" algn="ctr">
+            <a:lvl9pPr marL="2489728" indent="0" algn="ctr">
               <a:buNone/>
               <a:defRPr/>
             </a:lvl9pPr>
           </a:lstStyle>
           <a:p>
             <a:r>
-              <a:rPr lang="es-ES_tradnl" smtClean="0"/>
+              <a:rPr lang="es-ES_tradnl"/>
               <a:t>Haga clic para modificar el estilo de subtítulo del patrón</a:t>
             </a:r>
-            <a:endParaRPr lang="es-ES_tradnl"/>
           </a:p>
         </p:txBody>
       </p:sp>
@@ -4980,7 +4947,7 @@
   <p:clrMapOvr>
     <a:masterClrMapping/>
   </p:clrMapOvr>
-  <p:transition xmlns:p14="http://schemas.microsoft.com/office/powerpoint/2010/main"/>
+  <p:transition/>
 </p:sldLayout>
 </file>
 
@@ -5017,10 +4984,9 @@
           <a:lstStyle/>
           <a:p>
             <a:r>
-              <a:rPr lang="es-ES_tradnl" smtClean="0"/>
+              <a:rPr lang="es-ES_tradnl"/>
               <a:t>Clic para editar título</a:t>
             </a:r>
-            <a:endParaRPr lang="es-ES_tradnl"/>
           </a:p>
         </p:txBody>
       </p:sp>
@@ -5041,38 +5007,37 @@
           <a:p>
             <a:pPr lvl="0"/>
             <a:r>
-              <a:rPr lang="es-ES_tradnl" smtClean="0"/>
+              <a:rPr lang="es-ES_tradnl"/>
               <a:t>Haga clic para modificar el estilo de texto del patrón</a:t>
             </a:r>
           </a:p>
           <a:p>
             <a:pPr lvl="1"/>
             <a:r>
-              <a:rPr lang="es-ES_tradnl" smtClean="0"/>
+              <a:rPr lang="es-ES_tradnl"/>
               <a:t>Segundo nivel</a:t>
             </a:r>
           </a:p>
           <a:p>
             <a:pPr lvl="2"/>
             <a:r>
-              <a:rPr lang="es-ES_tradnl" smtClean="0"/>
+              <a:rPr lang="es-ES_tradnl"/>
               <a:t>Tercer nivel</a:t>
             </a:r>
           </a:p>
           <a:p>
             <a:pPr lvl="3"/>
             <a:r>
-              <a:rPr lang="es-ES_tradnl" smtClean="0"/>
+              <a:rPr lang="es-ES_tradnl"/>
               <a:t>Cuarto nivel</a:t>
             </a:r>
           </a:p>
           <a:p>
             <a:pPr lvl="4"/>
             <a:r>
-              <a:rPr lang="es-ES_tradnl" smtClean="0"/>
+              <a:rPr lang="es-ES_tradnl"/>
               <a:t>Quinto nivel</a:t>
             </a:r>
-            <a:endParaRPr lang="es-ES_tradnl"/>
           </a:p>
         </p:txBody>
       </p:sp>
@@ -5081,7 +5046,7 @@
   <p:clrMapOvr>
     <a:masterClrMapping/>
   </p:clrMapOvr>
-  <p:transition xmlns:p14="http://schemas.microsoft.com/office/powerpoint/2010/main"/>
+  <p:transition/>
 </p:sldLayout>
 </file>
 
@@ -5114,23 +5079,22 @@
         </p:nvSpPr>
         <p:spPr>
           <a:xfrm>
-            <a:off x="795338" y="4856163"/>
-            <a:ext cx="8561387" cy="1500187"/>
+            <a:off x="722009" y="3305456"/>
+            <a:ext cx="7772039" cy="1021136"/>
           </a:xfrm>
         </p:spPr>
         <p:txBody>
           <a:bodyPr anchor="t"/>
           <a:lstStyle>
             <a:lvl1pPr algn="l">
-              <a:defRPr sz="4000" b="1" cap="all"/>
+              <a:defRPr sz="2723" b="1" cap="all"/>
             </a:lvl1pPr>
           </a:lstStyle>
           <a:p>
             <a:r>
-              <a:rPr lang="es-ES_tradnl" smtClean="0"/>
+              <a:rPr lang="es-ES_tradnl"/>
               <a:t>Clic para editar título</a:t>
             </a:r>
-            <a:endParaRPr lang="es-ES_tradnl"/>
           </a:p>
         </p:txBody>
       </p:sp>
@@ -5146,8 +5110,8 @@
         </p:nvSpPr>
         <p:spPr>
           <a:xfrm>
-            <a:off x="795338" y="3201988"/>
-            <a:ext cx="8561387" cy="1654175"/>
+            <a:off x="722009" y="2179505"/>
+            <a:ext cx="7772039" cy="1125951"/>
           </a:xfrm>
         </p:spPr>
         <p:txBody>
@@ -5155,45 +5119,45 @@
           <a:lstStyle>
             <a:lvl1pPr marL="0" indent="0">
               <a:buNone/>
-              <a:defRPr sz="2000"/>
+              <a:defRPr sz="1361"/>
             </a:lvl1pPr>
-            <a:lvl2pPr marL="457200" indent="0">
-              <a:buNone/>
-              <a:defRPr sz="1800"/>
+            <a:lvl2pPr marL="311216" indent="0">
+              <a:buNone/>
+              <a:defRPr sz="1225"/>
             </a:lvl2pPr>
-            <a:lvl3pPr marL="914400" indent="0">
-              <a:buNone/>
-              <a:defRPr sz="1600"/>
+            <a:lvl3pPr marL="622432" indent="0">
+              <a:buNone/>
+              <a:defRPr sz="1089"/>
             </a:lvl3pPr>
-            <a:lvl4pPr marL="1371600" indent="0">
-              <a:buNone/>
-              <a:defRPr sz="1400"/>
+            <a:lvl4pPr marL="933648" indent="0">
+              <a:buNone/>
+              <a:defRPr sz="953"/>
             </a:lvl4pPr>
-            <a:lvl5pPr marL="1828800" indent="0">
-              <a:buNone/>
-              <a:defRPr sz="1400"/>
+            <a:lvl5pPr marL="1244864" indent="0">
+              <a:buNone/>
+              <a:defRPr sz="953"/>
             </a:lvl5pPr>
-            <a:lvl6pPr marL="2286000" indent="0">
-              <a:buNone/>
-              <a:defRPr sz="1400"/>
+            <a:lvl6pPr marL="1556080" indent="0">
+              <a:buNone/>
+              <a:defRPr sz="953"/>
             </a:lvl6pPr>
-            <a:lvl7pPr marL="2743200" indent="0">
-              <a:buNone/>
-              <a:defRPr sz="1400"/>
+            <a:lvl7pPr marL="1867296" indent="0">
+              <a:buNone/>
+              <a:defRPr sz="953"/>
             </a:lvl7pPr>
-            <a:lvl8pPr marL="3200400" indent="0">
-              <a:buNone/>
-              <a:defRPr sz="1400"/>
+            <a:lvl8pPr marL="2178512" indent="0">
+              <a:buNone/>
+              <a:defRPr sz="953"/>
             </a:lvl8pPr>
-            <a:lvl9pPr marL="3657600" indent="0">
-              <a:buNone/>
-              <a:defRPr sz="1400"/>
+            <a:lvl9pPr marL="2489728" indent="0">
+              <a:buNone/>
+              <a:defRPr sz="953"/>
             </a:lvl9pPr>
           </a:lstStyle>
           <a:p>
             <a:pPr lvl="0"/>
             <a:r>
-              <a:rPr lang="es-ES_tradnl" smtClean="0"/>
+              <a:rPr lang="es-ES_tradnl"/>
               <a:t>Haga clic para modificar el estilo de texto del patrón</a:t>
             </a:r>
           </a:p>
@@ -5204,7 +5168,7 @@
   <p:clrMapOvr>
     <a:masterClrMapping/>
   </p:clrMapOvr>
-  <p:transition xmlns:p14="http://schemas.microsoft.com/office/powerpoint/2010/main"/>
+  <p:transition/>
 </p:sldLayout>
 </file>
 
@@ -5241,10 +5205,9 @@
           <a:lstStyle/>
           <a:p>
             <a:r>
-              <a:rPr lang="es-ES_tradnl" smtClean="0"/>
+              <a:rPr lang="es-ES_tradnl"/>
               <a:t>Clic para editar título</a:t>
             </a:r>
-            <a:endParaRPr lang="es-ES_tradnl"/>
           </a:p>
         </p:txBody>
       </p:sp>
@@ -5260,76 +5223,75 @@
         </p:nvSpPr>
         <p:spPr>
           <a:xfrm>
-            <a:off x="504825" y="2097088"/>
-            <a:ext cx="4533900" cy="5461000"/>
+            <a:off x="458281" y="1427430"/>
+            <a:ext cx="4115881" cy="3717151"/>
           </a:xfrm>
         </p:spPr>
         <p:txBody>
           <a:bodyPr/>
           <a:lstStyle>
             <a:lvl1pPr>
-              <a:defRPr sz="2800"/>
+              <a:defRPr sz="1906"/>
             </a:lvl1pPr>
             <a:lvl2pPr>
-              <a:defRPr sz="2400"/>
+              <a:defRPr sz="1634"/>
             </a:lvl2pPr>
             <a:lvl3pPr>
-              <a:defRPr sz="2000"/>
+              <a:defRPr sz="1361"/>
             </a:lvl3pPr>
             <a:lvl4pPr>
-              <a:defRPr sz="1800"/>
+              <a:defRPr sz="1225"/>
             </a:lvl4pPr>
             <a:lvl5pPr>
-              <a:defRPr sz="1800"/>
+              <a:defRPr sz="1225"/>
             </a:lvl5pPr>
             <a:lvl6pPr>
-              <a:defRPr sz="1800"/>
+              <a:defRPr sz="1225"/>
             </a:lvl6pPr>
             <a:lvl7pPr>
-              <a:defRPr sz="1800"/>
+              <a:defRPr sz="1225"/>
             </a:lvl7pPr>
             <a:lvl8pPr>
-              <a:defRPr sz="1800"/>
+              <a:defRPr sz="1225"/>
             </a:lvl8pPr>
             <a:lvl9pPr>
-              <a:defRPr sz="1800"/>
+              <a:defRPr sz="1225"/>
             </a:lvl9pPr>
           </a:lstStyle>
           <a:p>
             <a:pPr lvl="0"/>
             <a:r>
-              <a:rPr lang="es-ES_tradnl" smtClean="0"/>
+              <a:rPr lang="es-ES_tradnl"/>
               <a:t>Haga clic para modificar el estilo de texto del patrón</a:t>
             </a:r>
           </a:p>
           <a:p>
             <a:pPr lvl="1"/>
             <a:r>
-              <a:rPr lang="es-ES_tradnl" smtClean="0"/>
+              <a:rPr lang="es-ES_tradnl"/>
               <a:t>Segundo nivel</a:t>
             </a:r>
           </a:p>
           <a:p>
             <a:pPr lvl="2"/>
             <a:r>
-              <a:rPr lang="es-ES_tradnl" smtClean="0"/>
+              <a:rPr lang="es-ES_tradnl"/>
               <a:t>Tercer nivel</a:t>
             </a:r>
           </a:p>
           <a:p>
             <a:pPr lvl="3"/>
             <a:r>
-              <a:rPr lang="es-ES_tradnl" smtClean="0"/>
+              <a:rPr lang="es-ES_tradnl"/>
               <a:t>Cuarto nivel</a:t>
             </a:r>
           </a:p>
           <a:p>
             <a:pPr lvl="4"/>
             <a:r>
-              <a:rPr lang="es-ES_tradnl" smtClean="0"/>
+              <a:rPr lang="es-ES_tradnl"/>
               <a:t>Quinto nivel</a:t>
             </a:r>
-            <a:endParaRPr lang="es-ES_tradnl"/>
           </a:p>
         </p:txBody>
       </p:sp>
@@ -5345,76 +5307,75 @@
         </p:nvSpPr>
         <p:spPr>
           <a:xfrm>
-            <a:off x="5191125" y="2097088"/>
-            <a:ext cx="4535488" cy="5461000"/>
+            <a:off x="4712511" y="1427430"/>
+            <a:ext cx="4117322" cy="3717151"/>
           </a:xfrm>
         </p:spPr>
         <p:txBody>
           <a:bodyPr/>
           <a:lstStyle>
             <a:lvl1pPr>
-              <a:defRPr sz="2800"/>
+              <a:defRPr sz="1906"/>
             </a:lvl1pPr>
             <a:lvl2pPr>
-              <a:defRPr sz="2400"/>
+              <a:defRPr sz="1634"/>
             </a:lvl2pPr>
             <a:lvl3pPr>
-              <a:defRPr sz="2000"/>
+              <a:defRPr sz="1361"/>
             </a:lvl3pPr>
             <a:lvl4pPr>
-              <a:defRPr sz="1800"/>
+              <a:defRPr sz="1225"/>
             </a:lvl4pPr>
             <a:lvl5pPr>
-              <a:defRPr sz="1800"/>
+              <a:defRPr sz="1225"/>
             </a:lvl5pPr>
             <a:lvl6pPr>
-              <a:defRPr sz="1800"/>
+              <a:defRPr sz="1225"/>
             </a:lvl6pPr>
             <a:lvl7pPr>
-              <a:defRPr sz="1800"/>
+              <a:defRPr sz="1225"/>
             </a:lvl7pPr>
             <a:lvl8pPr>
-              <a:defRPr sz="1800"/>
+              <a:defRPr sz="1225"/>
             </a:lvl8pPr>
             <a:lvl9pPr>
-              <a:defRPr sz="1800"/>
+              <a:defRPr sz="1225"/>
             </a:lvl9pPr>
           </a:lstStyle>
           <a:p>
             <a:pPr lvl="0"/>
             <a:r>
-              <a:rPr lang="es-ES_tradnl" smtClean="0"/>
+              <a:rPr lang="es-ES_tradnl"/>
               <a:t>Haga clic para modificar el estilo de texto del patrón</a:t>
             </a:r>
           </a:p>
           <a:p>
             <a:pPr lvl="1"/>
             <a:r>
-              <a:rPr lang="es-ES_tradnl" smtClean="0"/>
+              <a:rPr lang="es-ES_tradnl"/>
               <a:t>Segundo nivel</a:t>
             </a:r>
           </a:p>
           <a:p>
             <a:pPr lvl="2"/>
             <a:r>
-              <a:rPr lang="es-ES_tradnl" smtClean="0"/>
+              <a:rPr lang="es-ES_tradnl"/>
               <a:t>Tercer nivel</a:t>
             </a:r>
           </a:p>
           <a:p>
             <a:pPr lvl="3"/>
             <a:r>
-              <a:rPr lang="es-ES_tradnl" smtClean="0"/>
+              <a:rPr lang="es-ES_tradnl"/>
               <a:t>Cuarto nivel</a:t>
             </a:r>
           </a:p>
           <a:p>
             <a:pPr lvl="4"/>
             <a:r>
-              <a:rPr lang="es-ES_tradnl" smtClean="0"/>
+              <a:rPr lang="es-ES_tradnl"/>
               <a:t>Quinto nivel</a:t>
             </a:r>
-            <a:endParaRPr lang="es-ES_tradnl"/>
           </a:p>
         </p:txBody>
       </p:sp>
@@ -5423,7 +5384,7 @@
   <p:clrMapOvr>
     <a:masterClrMapping/>
   </p:clrMapOvr>
-  <p:transition xmlns:p14="http://schemas.microsoft.com/office/powerpoint/2010/main"/>
+  <p:transition/>
 </p:sldLayout>
 </file>
 
@@ -5456,8 +5417,8 @@
         </p:nvSpPr>
         <p:spPr>
           <a:xfrm>
-            <a:off x="503238" y="303213"/>
-            <a:ext cx="9066212" cy="1258887"/>
+            <a:off x="456840" y="206389"/>
+            <a:ext cx="8230320" cy="856889"/>
           </a:xfrm>
         </p:spPr>
         <p:txBody>
@@ -5469,10 +5430,9 @@
           </a:lstStyle>
           <a:p>
             <a:r>
-              <a:rPr lang="es-ES_tradnl" smtClean="0"/>
+              <a:rPr lang="es-ES_tradnl"/>
               <a:t>Clic para editar título</a:t>
             </a:r>
-            <a:endParaRPr lang="es-ES_tradnl"/>
           </a:p>
         </p:txBody>
       </p:sp>
@@ -5488,8 +5448,8 @@
         </p:nvSpPr>
         <p:spPr>
           <a:xfrm>
-            <a:off x="503238" y="1690688"/>
-            <a:ext cx="4451350" cy="706437"/>
+            <a:off x="456840" y="1150805"/>
+            <a:ext cx="4040942" cy="480852"/>
           </a:xfrm>
         </p:spPr>
         <p:txBody>
@@ -5497,45 +5457,45 @@
           <a:lstStyle>
             <a:lvl1pPr marL="0" indent="0">
               <a:buNone/>
-              <a:defRPr sz="2400" b="1"/>
+              <a:defRPr sz="1634" b="1"/>
             </a:lvl1pPr>
-            <a:lvl2pPr marL="457200" indent="0">
-              <a:buNone/>
-              <a:defRPr sz="2000" b="1"/>
+            <a:lvl2pPr marL="311216" indent="0">
+              <a:buNone/>
+              <a:defRPr sz="1361" b="1"/>
             </a:lvl2pPr>
-            <a:lvl3pPr marL="914400" indent="0">
-              <a:buNone/>
-              <a:defRPr sz="1800" b="1"/>
+            <a:lvl3pPr marL="622432" indent="0">
+              <a:buNone/>
+              <a:defRPr sz="1225" b="1"/>
             </a:lvl3pPr>
-            <a:lvl4pPr marL="1371600" indent="0">
-              <a:buNone/>
-              <a:defRPr sz="1600" b="1"/>
+            <a:lvl4pPr marL="933648" indent="0">
+              <a:buNone/>
+              <a:defRPr sz="1089" b="1"/>
             </a:lvl4pPr>
-            <a:lvl5pPr marL="1828800" indent="0">
-              <a:buNone/>
-              <a:defRPr sz="1600" b="1"/>
+            <a:lvl5pPr marL="1244864" indent="0">
+              <a:buNone/>
+              <a:defRPr sz="1089" b="1"/>
             </a:lvl5pPr>
-            <a:lvl6pPr marL="2286000" indent="0">
-              <a:buNone/>
-              <a:defRPr sz="1600" b="1"/>
+            <a:lvl6pPr marL="1556080" indent="0">
+              <a:buNone/>
+              <a:defRPr sz="1089" b="1"/>
             </a:lvl6pPr>
-            <a:lvl7pPr marL="2743200" indent="0">
-              <a:buNone/>
-              <a:defRPr sz="1600" b="1"/>
+            <a:lvl7pPr marL="1867296" indent="0">
+              <a:buNone/>
+              <a:defRPr sz="1089" b="1"/>
             </a:lvl7pPr>
-            <a:lvl8pPr marL="3200400" indent="0">
-              <a:buNone/>
-              <a:defRPr sz="1600" b="1"/>
+            <a:lvl8pPr marL="2178512" indent="0">
+              <a:buNone/>
+              <a:defRPr sz="1089" b="1"/>
             </a:lvl8pPr>
-            <a:lvl9pPr marL="3657600" indent="0">
-              <a:buNone/>
-              <a:defRPr sz="1600" b="1"/>
+            <a:lvl9pPr marL="2489728" indent="0">
+              <a:buNone/>
+              <a:defRPr sz="1089" b="1"/>
             </a:lvl9pPr>
           </a:lstStyle>
           <a:p>
             <a:pPr lvl="0"/>
             <a:r>
-              <a:rPr lang="es-ES_tradnl" smtClean="0"/>
+              <a:rPr lang="es-ES_tradnl"/>
               <a:t>Haga clic para modificar el estilo de texto del patrón</a:t>
             </a:r>
           </a:p>
@@ -5553,76 +5513,75 @@
         </p:nvSpPr>
         <p:spPr>
           <a:xfrm>
-            <a:off x="503238" y="2397125"/>
-            <a:ext cx="4451350" cy="4352925"/>
+            <a:off x="456840" y="1631657"/>
+            <a:ext cx="4040942" cy="2962915"/>
           </a:xfrm>
         </p:spPr>
         <p:txBody>
           <a:bodyPr/>
           <a:lstStyle>
             <a:lvl1pPr>
-              <a:defRPr sz="2400"/>
+              <a:defRPr sz="1634"/>
             </a:lvl1pPr>
             <a:lvl2pPr>
-              <a:defRPr sz="2000"/>
+              <a:defRPr sz="1361"/>
             </a:lvl2pPr>
             <a:lvl3pPr>
-              <a:defRPr sz="1800"/>
+              <a:defRPr sz="1225"/>
             </a:lvl3pPr>
             <a:lvl4pPr>
-              <a:defRPr sz="1600"/>
+              <a:defRPr sz="1089"/>
             </a:lvl4pPr>
             <a:lvl5pPr>
-              <a:defRPr sz="1600"/>
+              <a:defRPr sz="1089"/>
             </a:lvl5pPr>
             <a:lvl6pPr>
-              <a:defRPr sz="1600"/>
+              <a:defRPr sz="1089"/>
             </a:lvl6pPr>
             <a:lvl7pPr>
-              <a:defRPr sz="1600"/>
+              <a:defRPr sz="1089"/>
             </a:lvl7pPr>
             <a:lvl8pPr>
-              <a:defRPr sz="1600"/>
+              <a:defRPr sz="1089"/>
             </a:lvl8pPr>
             <a:lvl9pPr>
-              <a:defRPr sz="1600"/>
+              <a:defRPr sz="1089"/>
             </a:lvl9pPr>
           </a:lstStyle>
           <a:p>
             <a:pPr lvl="0"/>
             <a:r>
-              <a:rPr lang="es-ES_tradnl" smtClean="0"/>
+              <a:rPr lang="es-ES_tradnl"/>
               <a:t>Haga clic para modificar el estilo de texto del patrón</a:t>
             </a:r>
           </a:p>
           <a:p>
             <a:pPr lvl="1"/>
             <a:r>
-              <a:rPr lang="es-ES_tradnl" smtClean="0"/>
+              <a:rPr lang="es-ES_tradnl"/>
               <a:t>Segundo nivel</a:t>
             </a:r>
           </a:p>
           <a:p>
             <a:pPr lvl="2"/>
             <a:r>
-              <a:rPr lang="es-ES_tradnl" smtClean="0"/>
+              <a:rPr lang="es-ES_tradnl"/>
               <a:t>Tercer nivel</a:t>
             </a:r>
           </a:p>
           <a:p>
             <a:pPr lvl="3"/>
             <a:r>
-              <a:rPr lang="es-ES_tradnl" smtClean="0"/>
+              <a:rPr lang="es-ES_tradnl"/>
               <a:t>Cuarto nivel</a:t>
             </a:r>
           </a:p>
           <a:p>
             <a:pPr lvl="4"/>
             <a:r>
-              <a:rPr lang="es-ES_tradnl" smtClean="0"/>
+              <a:rPr lang="es-ES_tradnl"/>
               <a:t>Quinto nivel</a:t>
             </a:r>
-            <a:endParaRPr lang="es-ES_tradnl"/>
           </a:p>
         </p:txBody>
       </p:sp>
@@ -5638,8 +5597,8 @@
         </p:nvSpPr>
         <p:spPr>
           <a:xfrm>
-            <a:off x="5116513" y="1690688"/>
-            <a:ext cx="4452937" cy="706437"/>
+            <a:off x="4644778" y="1150805"/>
+            <a:ext cx="4042382" cy="480852"/>
           </a:xfrm>
         </p:spPr>
         <p:txBody>
@@ -5647,45 +5606,45 @@
           <a:lstStyle>
             <a:lvl1pPr marL="0" indent="0">
               <a:buNone/>
-              <a:defRPr sz="2400" b="1"/>
+              <a:defRPr sz="1634" b="1"/>
             </a:lvl1pPr>
-            <a:lvl2pPr marL="457200" indent="0">
-              <a:buNone/>
-              <a:defRPr sz="2000" b="1"/>
+            <a:lvl2pPr marL="311216" indent="0">
+              <a:buNone/>
+              <a:defRPr sz="1361" b="1"/>
             </a:lvl2pPr>
-            <a:lvl3pPr marL="914400" indent="0">
-              <a:buNone/>
-              <a:defRPr sz="1800" b="1"/>
+            <a:lvl3pPr marL="622432" indent="0">
+              <a:buNone/>
+              <a:defRPr sz="1225" b="1"/>
             </a:lvl3pPr>
-            <a:lvl4pPr marL="1371600" indent="0">
-              <a:buNone/>
-              <a:defRPr sz="1600" b="1"/>
+            <a:lvl4pPr marL="933648" indent="0">
+              <a:buNone/>
+              <a:defRPr sz="1089" b="1"/>
             </a:lvl4pPr>
-            <a:lvl5pPr marL="1828800" indent="0">
-              <a:buNone/>
-              <a:defRPr sz="1600" b="1"/>
+            <a:lvl5pPr marL="1244864" indent="0">
+              <a:buNone/>
+              <a:defRPr sz="1089" b="1"/>
             </a:lvl5pPr>
-            <a:lvl6pPr marL="2286000" indent="0">
-              <a:buNone/>
-              <a:defRPr sz="1600" b="1"/>
+            <a:lvl6pPr marL="1556080" indent="0">
+              <a:buNone/>
+              <a:defRPr sz="1089" b="1"/>
             </a:lvl6pPr>
-            <a:lvl7pPr marL="2743200" indent="0">
-              <a:buNone/>
-              <a:defRPr sz="1600" b="1"/>
+            <a:lvl7pPr marL="1867296" indent="0">
+              <a:buNone/>
+              <a:defRPr sz="1089" b="1"/>
             </a:lvl7pPr>
-            <a:lvl8pPr marL="3200400" indent="0">
-              <a:buNone/>
-              <a:defRPr sz="1600" b="1"/>
+            <a:lvl8pPr marL="2178512" indent="0">
+              <a:buNone/>
+              <a:defRPr sz="1089" b="1"/>
             </a:lvl8pPr>
-            <a:lvl9pPr marL="3657600" indent="0">
-              <a:buNone/>
-              <a:defRPr sz="1600" b="1"/>
+            <a:lvl9pPr marL="2489728" indent="0">
+              <a:buNone/>
+              <a:defRPr sz="1089" b="1"/>
             </a:lvl9pPr>
           </a:lstStyle>
           <a:p>
             <a:pPr lvl="0"/>
             <a:r>
-              <a:rPr lang="es-ES_tradnl" smtClean="0"/>
+              <a:rPr lang="es-ES_tradnl"/>
               <a:t>Haga clic para modificar el estilo de texto del patrón</a:t>
             </a:r>
           </a:p>
@@ -5703,76 +5662,75 @@
         </p:nvSpPr>
         <p:spPr>
           <a:xfrm>
-            <a:off x="5116513" y="2397125"/>
-            <a:ext cx="4452937" cy="4352925"/>
+            <a:off x="4644778" y="1631657"/>
+            <a:ext cx="4042382" cy="2962915"/>
           </a:xfrm>
         </p:spPr>
         <p:txBody>
           <a:bodyPr/>
           <a:lstStyle>
             <a:lvl1pPr>
-              <a:defRPr sz="2400"/>
+              <a:defRPr sz="1634"/>
             </a:lvl1pPr>
             <a:lvl2pPr>
-              <a:defRPr sz="2000"/>
+              <a:defRPr sz="1361"/>
             </a:lvl2pPr>
             <a:lvl3pPr>
-              <a:defRPr sz="1800"/>
+              <a:defRPr sz="1225"/>
             </a:lvl3pPr>
             <a:lvl4pPr>
-              <a:defRPr sz="1600"/>
+              <a:defRPr sz="1089"/>
             </a:lvl4pPr>
             <a:lvl5pPr>
-              <a:defRPr sz="1600"/>
+              <a:defRPr sz="1089"/>
             </a:lvl5pPr>
             <a:lvl6pPr>
-              <a:defRPr sz="1600"/>
+              <a:defRPr sz="1089"/>
             </a:lvl6pPr>
             <a:lvl7pPr>
-              <a:defRPr sz="1600"/>
+              <a:defRPr sz="1089"/>
             </a:lvl7pPr>
             <a:lvl8pPr>
-              <a:defRPr sz="1600"/>
+              <a:defRPr sz="1089"/>
             </a:lvl8pPr>
             <a:lvl9pPr>
-              <a:defRPr sz="1600"/>
+              <a:defRPr sz="1089"/>
             </a:lvl9pPr>
           </a:lstStyle>
           <a:p>
             <a:pPr lvl="0"/>
             <a:r>
-              <a:rPr lang="es-ES_tradnl" smtClean="0"/>
+              <a:rPr lang="es-ES_tradnl"/>
               <a:t>Haga clic para modificar el estilo de texto del patrón</a:t>
             </a:r>
           </a:p>
           <a:p>
             <a:pPr lvl="1"/>
             <a:r>
-              <a:rPr lang="es-ES_tradnl" smtClean="0"/>
+              <a:rPr lang="es-ES_tradnl"/>
               <a:t>Segundo nivel</a:t>
             </a:r>
           </a:p>
           <a:p>
             <a:pPr lvl="2"/>
             <a:r>
-              <a:rPr lang="es-ES_tradnl" smtClean="0"/>
+              <a:rPr lang="es-ES_tradnl"/>
               <a:t>Tercer nivel</a:t>
             </a:r>
           </a:p>
           <a:p>
             <a:pPr lvl="3"/>
             <a:r>
-              <a:rPr lang="es-ES_tradnl" smtClean="0"/>
+              <a:rPr lang="es-ES_tradnl"/>
               <a:t>Cuarto nivel</a:t>
             </a:r>
           </a:p>
           <a:p>
             <a:pPr lvl="4"/>
             <a:r>
-              <a:rPr lang="es-ES_tradnl" smtClean="0"/>
+              <a:rPr lang="es-ES_tradnl"/>
               <a:t>Quinto nivel</a:t>
             </a:r>
-            <a:endParaRPr lang="es-ES_tradnl"/>
           </a:p>
         </p:txBody>
       </p:sp>
@@ -5781,7 +5739,7 @@
   <p:clrMapOvr>
     <a:masterClrMapping/>
   </p:clrMapOvr>
-  <p:transition xmlns:p14="http://schemas.microsoft.com/office/powerpoint/2010/main"/>
+  <p:transition/>
 </p:sldLayout>
 </file>
 
@@ -5818,10 +5776,9 @@
           <a:lstStyle/>
           <a:p>
             <a:r>
-              <a:rPr lang="es-ES_tradnl" smtClean="0"/>
+              <a:rPr lang="es-ES_tradnl"/>
               <a:t>Clic para editar título</a:t>
             </a:r>
-            <a:endParaRPr lang="es-ES_tradnl"/>
           </a:p>
         </p:txBody>
       </p:sp>
@@ -5830,7 +5787,7 @@
   <p:clrMapOvr>
     <a:masterClrMapping/>
   </p:clrMapOvr>
-  <p:transition xmlns:p14="http://schemas.microsoft.com/office/powerpoint/2010/main"/>
+  <p:transition/>
 </p:sldLayout>
 </file>
 
@@ -5867,10 +5824,9 @@
           <a:lstStyle/>
           <a:p>
             <a:r>
-              <a:rPr lang="es-ES_tradnl" smtClean="0"/>
+              <a:rPr lang="es-ES_tradnl"/>
               <a:t>Clic para editar título</a:t>
             </a:r>
-            <a:endParaRPr lang="es-ES_tradnl"/>
           </a:p>
         </p:txBody>
       </p:sp>
@@ -5886,76 +5842,75 @@
         </p:nvSpPr>
         <p:spPr>
           <a:xfrm>
-            <a:off x="982663" y="5519738"/>
-            <a:ext cx="3976687" cy="2036762"/>
+            <a:off x="892063" y="3757133"/>
+            <a:ext cx="3610042" cy="1386367"/>
           </a:xfrm>
         </p:spPr>
         <p:txBody>
           <a:bodyPr/>
           <a:lstStyle>
             <a:lvl1pPr>
-              <a:defRPr sz="2800"/>
+              <a:defRPr sz="1906"/>
             </a:lvl1pPr>
             <a:lvl2pPr>
-              <a:defRPr sz="2400"/>
+              <a:defRPr sz="1634"/>
             </a:lvl2pPr>
             <a:lvl3pPr>
-              <a:defRPr sz="2000"/>
+              <a:defRPr sz="1361"/>
             </a:lvl3pPr>
             <a:lvl4pPr>
-              <a:defRPr sz="1800"/>
+              <a:defRPr sz="1225"/>
             </a:lvl4pPr>
             <a:lvl5pPr>
-              <a:defRPr sz="1800"/>
+              <a:defRPr sz="1225"/>
             </a:lvl5pPr>
             <a:lvl6pPr>
-              <a:defRPr sz="1800"/>
+              <a:defRPr sz="1225"/>
             </a:lvl6pPr>
             <a:lvl7pPr>
-              <a:defRPr sz="1800"/>
+              <a:defRPr sz="1225"/>
             </a:lvl7pPr>
             <a:lvl8pPr>
-              <a:defRPr sz="1800"/>
+              <a:defRPr sz="1225"/>
             </a:lvl8pPr>
             <a:lvl9pPr>
-              <a:defRPr sz="1800"/>
+              <a:defRPr sz="1225"/>
             </a:lvl9pPr>
           </a:lstStyle>
           <a:p>
             <a:pPr lvl="0"/>
             <a:r>
-              <a:rPr lang="es-ES_tradnl" smtClean="0"/>
+              <a:rPr lang="es-ES_tradnl"/>
               <a:t>Haga clic para modificar el estilo de texto del patrón</a:t>
             </a:r>
           </a:p>
           <a:p>
             <a:pPr lvl="1"/>
             <a:r>
-              <a:rPr lang="es-ES_tradnl" smtClean="0"/>
+              <a:rPr lang="es-ES_tradnl"/>
               <a:t>Segundo nivel</a:t>
             </a:r>
           </a:p>
           <a:p>
             <a:pPr lvl="2"/>
             <a:r>
-              <a:rPr lang="es-ES_tradnl" smtClean="0"/>
+              <a:rPr lang="es-ES_tradnl"/>
               <a:t>Tercer nivel</a:t>
             </a:r>
           </a:p>
           <a:p>
             <a:pPr lvl="3"/>
             <a:r>
-              <a:rPr lang="es-ES_tradnl" smtClean="0"/>
+              <a:rPr lang="es-ES_tradnl"/>
               <a:t>Cuarto nivel</a:t>
             </a:r>
           </a:p>
           <a:p>
             <a:pPr lvl="4"/>
             <a:r>
-              <a:rPr lang="es-ES_tradnl" smtClean="0"/>
+              <a:rPr lang="es-ES_tradnl"/>
               <a:t>Quinto nivel</a:t>
             </a:r>
-            <a:endParaRPr lang="es-ES_tradnl"/>
           </a:p>
         </p:txBody>
       </p:sp>
@@ -5971,76 +5926,75 @@
         </p:nvSpPr>
         <p:spPr>
           <a:xfrm>
-            <a:off x="5111750" y="5519738"/>
-            <a:ext cx="3976688" cy="2036762"/>
+            <a:off x="4640454" y="3757133"/>
+            <a:ext cx="3610043" cy="1386367"/>
           </a:xfrm>
         </p:spPr>
         <p:txBody>
           <a:bodyPr/>
           <a:lstStyle>
             <a:lvl1pPr>
-              <a:defRPr sz="2800"/>
+              <a:defRPr sz="1906"/>
             </a:lvl1pPr>
             <a:lvl2pPr>
-              <a:defRPr sz="2400"/>
+              <a:defRPr sz="1634"/>
             </a:lvl2pPr>
             <a:lvl3pPr>
-              <a:defRPr sz="2000"/>
+              <a:defRPr sz="1361"/>
             </a:lvl3pPr>
             <a:lvl4pPr>
-              <a:defRPr sz="1800"/>
+              <a:defRPr sz="1225"/>
             </a:lvl4pPr>
             <a:lvl5pPr>
-              <a:defRPr sz="1800"/>
+              <a:defRPr sz="1225"/>
             </a:lvl5pPr>
             <a:lvl6pPr>
-              <a:defRPr sz="1800"/>
+              <a:defRPr sz="1225"/>
             </a:lvl6pPr>
             <a:lvl7pPr>
-              <a:defRPr sz="1800"/>
+              <a:defRPr sz="1225"/>
             </a:lvl7pPr>
             <a:lvl8pPr>
-              <a:defRPr sz="1800"/>
+              <a:defRPr sz="1225"/>
             </a:lvl8pPr>
             <a:lvl9pPr>
-              <a:defRPr sz="1800"/>
+              <a:defRPr sz="1225"/>
             </a:lvl9pPr>
           </a:lstStyle>
           <a:p>
             <a:pPr lvl="0"/>
             <a:r>
-              <a:rPr lang="es-ES_tradnl" smtClean="0"/>
+              <a:rPr lang="es-ES_tradnl"/>
               <a:t>Haga clic para modificar el estilo de texto del patrón</a:t>
             </a:r>
           </a:p>
           <a:p>
             <a:pPr lvl="1"/>
             <a:r>
-              <a:rPr lang="es-ES_tradnl" smtClean="0"/>
+              <a:rPr lang="es-ES_tradnl"/>
               <a:t>Segundo nivel</a:t>
             </a:r>
           </a:p>
           <a:p>
             <a:pPr lvl="2"/>
             <a:r>
-              <a:rPr lang="es-ES_tradnl" smtClean="0"/>
+              <a:rPr lang="es-ES_tradnl"/>
               <a:t>Tercer nivel</a:t>
             </a:r>
           </a:p>
           <a:p>
             <a:pPr lvl="3"/>
             <a:r>
-              <a:rPr lang="es-ES_tradnl" smtClean="0"/>
+              <a:rPr lang="es-ES_tradnl"/>
               <a:t>Cuarto nivel</a:t>
             </a:r>
           </a:p>
           <a:p>
             <a:pPr lvl="4"/>
             <a:r>
-              <a:rPr lang="es-ES_tradnl" smtClean="0"/>
+              <a:rPr lang="es-ES_tradnl"/>
               <a:t>Quinto nivel</a:t>
             </a:r>
-            <a:endParaRPr lang="es-ES_tradnl"/>
           </a:p>
         </p:txBody>
       </p:sp>
@@ -6049,7 +6003,7 @@
   <p:clrMapOvr>
     <a:masterClrMapping/>
   </p:clrMapOvr>
-  <p:transition xmlns:p14="http://schemas.microsoft.com/office/powerpoint/2010/main"/>
+  <p:transition/>
 </p:sldLayout>
 </file>
 
@@ -6075,7 +6029,7 @@
   <p:clrMapOvr>
     <a:masterClrMapping/>
   </p:clrMapOvr>
-  <p:transition xmlns:p14="http://schemas.microsoft.com/office/powerpoint/2010/main"/>
+  <p:transition/>
 </p:sldLayout>
 </file>
 
@@ -6108,23 +6062,22 @@
         </p:nvSpPr>
         <p:spPr>
           <a:xfrm>
-            <a:off x="503238" y="301625"/>
-            <a:ext cx="3314700" cy="1279525"/>
+            <a:off x="456840" y="205308"/>
+            <a:ext cx="3009089" cy="870937"/>
           </a:xfrm>
         </p:spPr>
         <p:txBody>
           <a:bodyPr anchor="b"/>
           <a:lstStyle>
             <a:lvl1pPr algn="l">
-              <a:defRPr sz="2000" b="1"/>
+              <a:defRPr sz="1361" b="1"/>
             </a:lvl1pPr>
           </a:lstStyle>
           <a:p>
             <a:r>
-              <a:rPr lang="es-ES_tradnl" smtClean="0"/>
+              <a:rPr lang="es-ES_tradnl"/>
               <a:t>Clic para editar título</a:t>
             </a:r>
-            <a:endParaRPr lang="es-ES_tradnl"/>
           </a:p>
         </p:txBody>
       </p:sp>
@@ -6140,76 +6093,75 @@
         </p:nvSpPr>
         <p:spPr>
           <a:xfrm>
-            <a:off x="3938588" y="301625"/>
-            <a:ext cx="5630862" cy="6448425"/>
+            <a:off x="3575456" y="205308"/>
+            <a:ext cx="5111704" cy="4389264"/>
           </a:xfrm>
         </p:spPr>
         <p:txBody>
           <a:bodyPr/>
           <a:lstStyle>
             <a:lvl1pPr>
-              <a:defRPr sz="3200"/>
+              <a:defRPr sz="2178"/>
             </a:lvl1pPr>
             <a:lvl2pPr>
-              <a:defRPr sz="2800"/>
+              <a:defRPr sz="1906"/>
             </a:lvl2pPr>
             <a:lvl3pPr>
-              <a:defRPr sz="2400"/>
+              <a:defRPr sz="1634"/>
             </a:lvl3pPr>
             <a:lvl4pPr>
-              <a:defRPr sz="2000"/>
+              <a:defRPr sz="1361"/>
             </a:lvl4pPr>
             <a:lvl5pPr>
-              <a:defRPr sz="2000"/>
+              <a:defRPr sz="1361"/>
             </a:lvl5pPr>
             <a:lvl6pPr>
-              <a:defRPr sz="2000"/>
+              <a:defRPr sz="1361"/>
             </a:lvl6pPr>
             <a:lvl7pPr>
-              <a:defRPr sz="2000"/>
+              <a:defRPr sz="1361"/>
             </a:lvl7pPr>
             <a:lvl8pPr>
-              <a:defRPr sz="2000"/>
+              <a:defRPr sz="1361"/>
             </a:lvl8pPr>
             <a:lvl9pPr>
-              <a:defRPr sz="2000"/>
+              <a:defRPr sz="1361"/>
             </a:lvl9pPr>
           </a:lstStyle>
           <a:p>
             <a:pPr lvl="0"/>
             <a:r>
-              <a:rPr lang="es-ES_tradnl" smtClean="0"/>
+              <a:rPr lang="es-ES_tradnl"/>
               <a:t>Haga clic para modificar el estilo de texto del patrón</a:t>
             </a:r>
           </a:p>
           <a:p>
             <a:pPr lvl="1"/>
             <a:r>
-              <a:rPr lang="es-ES_tradnl" smtClean="0"/>
+              <a:rPr lang="es-ES_tradnl"/>
               <a:t>Segundo nivel</a:t>
             </a:r>
           </a:p>
           <a:p>
             <a:pPr lvl="2"/>
             <a:r>
-              <a:rPr lang="es-ES_tradnl" smtClean="0"/>
+              <a:rPr lang="es-ES_tradnl"/>
               <a:t>Tercer nivel</a:t>
             </a:r>
           </a:p>
           <a:p>
             <a:pPr lvl="3"/>
             <a:r>
-              <a:rPr lang="es-ES_tradnl" smtClean="0"/>
+              <a:rPr lang="es-ES_tradnl"/>
               <a:t>Cuarto nivel</a:t>
             </a:r>
           </a:p>
           <a:p>
             <a:pPr lvl="4"/>
             <a:r>
-              <a:rPr lang="es-ES_tradnl" smtClean="0"/>
+              <a:rPr lang="es-ES_tradnl"/>
               <a:t>Quinto nivel</a:t>
             </a:r>
-            <a:endParaRPr lang="es-ES_tradnl"/>
           </a:p>
         </p:txBody>
       </p:sp>
@@ -6225,8 +6177,8 @@
         </p:nvSpPr>
         <p:spPr>
           <a:xfrm>
-            <a:off x="503238" y="1581150"/>
-            <a:ext cx="3314700" cy="5168900"/>
+            <a:off x="456840" y="1076245"/>
+            <a:ext cx="3009089" cy="3518327"/>
           </a:xfrm>
         </p:spPr>
         <p:txBody>
@@ -6234,45 +6186,45 @@
           <a:lstStyle>
             <a:lvl1pPr marL="0" indent="0">
               <a:buNone/>
-              <a:defRPr sz="1400"/>
+              <a:defRPr sz="953"/>
             </a:lvl1pPr>
-            <a:lvl2pPr marL="457200" indent="0">
-              <a:buNone/>
-              <a:defRPr sz="1200"/>
+            <a:lvl2pPr marL="311216" indent="0">
+              <a:buNone/>
+              <a:defRPr sz="817"/>
             </a:lvl2pPr>
-            <a:lvl3pPr marL="914400" indent="0">
-              <a:buNone/>
-              <a:defRPr sz="1000"/>
+            <a:lvl3pPr marL="622432" indent="0">
+              <a:buNone/>
+              <a:defRPr sz="681"/>
             </a:lvl3pPr>
-            <a:lvl4pPr marL="1371600" indent="0">
-              <a:buNone/>
-              <a:defRPr sz="900"/>
+            <a:lvl4pPr marL="933648" indent="0">
+              <a:buNone/>
+              <a:defRPr sz="613"/>
             </a:lvl4pPr>
-            <a:lvl5pPr marL="1828800" indent="0">
-              <a:buNone/>
-              <a:defRPr sz="900"/>
+            <a:lvl5pPr marL="1244864" indent="0">
+              <a:buNone/>
+              <a:defRPr sz="613"/>
             </a:lvl5pPr>
-            <a:lvl6pPr marL="2286000" indent="0">
-              <a:buNone/>
-              <a:defRPr sz="900"/>
+            <a:lvl6pPr marL="1556080" indent="0">
+              <a:buNone/>
+              <a:defRPr sz="613"/>
             </a:lvl6pPr>
-            <a:lvl7pPr marL="2743200" indent="0">
-              <a:buNone/>
-              <a:defRPr sz="900"/>
+            <a:lvl7pPr marL="1867296" indent="0">
+              <a:buNone/>
+              <a:defRPr sz="613"/>
             </a:lvl7pPr>
-            <a:lvl8pPr marL="3200400" indent="0">
-              <a:buNone/>
-              <a:defRPr sz="900"/>
+            <a:lvl8pPr marL="2178512" indent="0">
+              <a:buNone/>
+              <a:defRPr sz="613"/>
             </a:lvl8pPr>
-            <a:lvl9pPr marL="3657600" indent="0">
-              <a:buNone/>
-              <a:defRPr sz="900"/>
+            <a:lvl9pPr marL="2489728" indent="0">
+              <a:buNone/>
+              <a:defRPr sz="613"/>
             </a:lvl9pPr>
           </a:lstStyle>
           <a:p>
             <a:pPr lvl="0"/>
             <a:r>
-              <a:rPr lang="es-ES_tradnl" smtClean="0"/>
+              <a:rPr lang="es-ES_tradnl"/>
               <a:t>Haga clic para modificar el estilo de texto del patrón</a:t>
             </a:r>
           </a:p>
@@ -6283,7 +6235,7 @@
   <p:clrMapOvr>
     <a:masterClrMapping/>
   </p:clrMapOvr>
-  <p:transition xmlns:p14="http://schemas.microsoft.com/office/powerpoint/2010/main"/>
+  <p:transition/>
 </p:sldLayout>
 </file>
 
@@ -6316,23 +6268,22 @@
         </p:nvSpPr>
         <p:spPr>
           <a:xfrm>
-            <a:off x="1974850" y="5289550"/>
-            <a:ext cx="6043613" cy="623888"/>
+            <a:off x="1792772" y="3600450"/>
+            <a:ext cx="5486400" cy="424663"/>
           </a:xfrm>
         </p:spPr>
         <p:txBody>
           <a:bodyPr anchor="b"/>
           <a:lstStyle>
             <a:lvl1pPr algn="l">
-              <a:defRPr sz="2000" b="1"/>
+              <a:defRPr sz="1361" b="1"/>
             </a:lvl1pPr>
           </a:lstStyle>
           <a:p>
             <a:r>
-              <a:rPr lang="es-ES_tradnl" smtClean="0"/>
+              <a:rPr lang="es-ES_tradnl"/>
               <a:t>Clic para editar título</a:t>
             </a:r>
-            <a:endParaRPr lang="es-ES_tradnl"/>
           </a:p>
         </p:txBody>
       </p:sp>
@@ -6348,8 +6299,8 @@
         </p:nvSpPr>
         <p:spPr>
           <a:xfrm>
-            <a:off x="1974850" y="674688"/>
-            <a:ext cx="6043613" cy="4533900"/>
+            <a:off x="1792772" y="459241"/>
+            <a:ext cx="5486400" cy="3086100"/>
           </a:xfrm>
         </p:spPr>
         <p:txBody>
@@ -6357,44 +6308,44 @@
           <a:lstStyle>
             <a:lvl1pPr marL="0" indent="0">
               <a:buNone/>
-              <a:defRPr sz="3200"/>
+              <a:defRPr sz="2178"/>
             </a:lvl1pPr>
-            <a:lvl2pPr marL="457200" indent="0">
-              <a:buNone/>
-              <a:defRPr sz="2800"/>
+            <a:lvl2pPr marL="311216" indent="0">
+              <a:buNone/>
+              <a:defRPr sz="1906"/>
             </a:lvl2pPr>
-            <a:lvl3pPr marL="914400" indent="0">
-              <a:buNone/>
-              <a:defRPr sz="2400"/>
+            <a:lvl3pPr marL="622432" indent="0">
+              <a:buNone/>
+              <a:defRPr sz="1634"/>
             </a:lvl3pPr>
-            <a:lvl4pPr marL="1371600" indent="0">
-              <a:buNone/>
-              <a:defRPr sz="2000"/>
+            <a:lvl4pPr marL="933648" indent="0">
+              <a:buNone/>
+              <a:defRPr sz="1361"/>
             </a:lvl4pPr>
-            <a:lvl5pPr marL="1828800" indent="0">
-              <a:buNone/>
-              <a:defRPr sz="2000"/>
+            <a:lvl5pPr marL="1244864" indent="0">
+              <a:buNone/>
+              <a:defRPr sz="1361"/>
             </a:lvl5pPr>
-            <a:lvl6pPr marL="2286000" indent="0">
-              <a:buNone/>
-              <a:defRPr sz="2000"/>
+            <a:lvl6pPr marL="1556080" indent="0">
+              <a:buNone/>
+              <a:defRPr sz="1361"/>
             </a:lvl6pPr>
-            <a:lvl7pPr marL="2743200" indent="0">
-              <a:buNone/>
-              <a:defRPr sz="2000"/>
+            <a:lvl7pPr marL="1867296" indent="0">
+              <a:buNone/>
+              <a:defRPr sz="1361"/>
             </a:lvl7pPr>
-            <a:lvl8pPr marL="3200400" indent="0">
-              <a:buNone/>
-              <a:defRPr sz="2000"/>
+            <a:lvl8pPr marL="2178512" indent="0">
+              <a:buNone/>
+              <a:defRPr sz="1361"/>
             </a:lvl8pPr>
-            <a:lvl9pPr marL="3657600" indent="0">
-              <a:buNone/>
-              <a:defRPr sz="2000"/>
+            <a:lvl9pPr marL="2489728" indent="0">
+              <a:buNone/>
+              <a:defRPr sz="1361"/>
             </a:lvl9pPr>
           </a:lstStyle>
           <a:p>
             <a:pPr lvl="0"/>
-            <a:endParaRPr lang="es-ES_tradnl" noProof="0" smtClean="0">
+            <a:endParaRPr lang="es-ES_tradnl" noProof="0">
               <a:sym typeface="Arial Bold" charset="0"/>
             </a:endParaRPr>
           </a:p>
@@ -6412,8 +6363,8 @@
         </p:nvSpPr>
         <p:spPr>
           <a:xfrm>
-            <a:off x="1974850" y="5913438"/>
-            <a:ext cx="6043613" cy="887412"/>
+            <a:off x="1792772" y="4025113"/>
+            <a:ext cx="5486400" cy="604037"/>
           </a:xfrm>
         </p:spPr>
         <p:txBody>
@@ -6421,45 +6372,45 @@
           <a:lstStyle>
             <a:lvl1pPr marL="0" indent="0">
               <a:buNone/>
-              <a:defRPr sz="1400"/>
+              <a:defRPr sz="953"/>
             </a:lvl1pPr>
-            <a:lvl2pPr marL="457200" indent="0">
-              <a:buNone/>
-              <a:defRPr sz="1200"/>
+            <a:lvl2pPr marL="311216" indent="0">
+              <a:buNone/>
+              <a:defRPr sz="817"/>
             </a:lvl2pPr>
-            <a:lvl3pPr marL="914400" indent="0">
-              <a:buNone/>
-              <a:defRPr sz="1000"/>
+            <a:lvl3pPr marL="622432" indent="0">
+              <a:buNone/>
+              <a:defRPr sz="681"/>
             </a:lvl3pPr>
-            <a:lvl4pPr marL="1371600" indent="0">
-              <a:buNone/>
-              <a:defRPr sz="900"/>
+            <a:lvl4pPr marL="933648" indent="0">
+              <a:buNone/>
+              <a:defRPr sz="613"/>
             </a:lvl4pPr>
-            <a:lvl5pPr marL="1828800" indent="0">
-              <a:buNone/>
-              <a:defRPr sz="900"/>
+            <a:lvl5pPr marL="1244864" indent="0">
+              <a:buNone/>
+              <a:defRPr sz="613"/>
             </a:lvl5pPr>
-            <a:lvl6pPr marL="2286000" indent="0">
-              <a:buNone/>
-              <a:defRPr sz="900"/>
+            <a:lvl6pPr marL="1556080" indent="0">
+              <a:buNone/>
+              <a:defRPr sz="613"/>
             </a:lvl6pPr>
-            <a:lvl7pPr marL="2743200" indent="0">
-              <a:buNone/>
-              <a:defRPr sz="900"/>
+            <a:lvl7pPr marL="1867296" indent="0">
+              <a:buNone/>
+              <a:defRPr sz="613"/>
             </a:lvl7pPr>
-            <a:lvl8pPr marL="3200400" indent="0">
-              <a:buNone/>
-              <a:defRPr sz="900"/>
+            <a:lvl8pPr marL="2178512" indent="0">
+              <a:buNone/>
+              <a:defRPr sz="613"/>
             </a:lvl8pPr>
-            <a:lvl9pPr marL="3657600" indent="0">
-              <a:buNone/>
-              <a:defRPr sz="900"/>
+            <a:lvl9pPr marL="2489728" indent="0">
+              <a:buNone/>
+              <a:defRPr sz="613"/>
             </a:lvl9pPr>
           </a:lstStyle>
           <a:p>
             <a:pPr lvl="0"/>
             <a:r>
-              <a:rPr lang="es-ES_tradnl" smtClean="0"/>
+              <a:rPr lang="es-ES_tradnl"/>
               <a:t>Haga clic para modificar el estilo de texto del patrón</a:t>
             </a:r>
           </a:p>
@@ -6470,7 +6421,7 @@
   <p:clrMapOvr>
     <a:masterClrMapping/>
   </p:clrMapOvr>
-  <p:transition xmlns:p14="http://schemas.microsoft.com/office/powerpoint/2010/main"/>
+  <p:transition/>
 </p:sldLayout>
 </file>
 
@@ -6507,10 +6458,9 @@
           <a:lstStyle/>
           <a:p>
             <a:r>
-              <a:rPr lang="es-ES_tradnl" smtClean="0"/>
+              <a:rPr lang="es-ES_tradnl"/>
               <a:t>Clic para editar título</a:t>
             </a:r>
-            <a:endParaRPr lang="es-ES_tradnl"/>
           </a:p>
         </p:txBody>
       </p:sp>
@@ -6531,38 +6481,37 @@
           <a:p>
             <a:pPr lvl="0"/>
             <a:r>
-              <a:rPr lang="es-ES_tradnl" smtClean="0"/>
+              <a:rPr lang="es-ES_tradnl"/>
               <a:t>Haga clic para modificar el estilo de texto del patrón</a:t>
             </a:r>
           </a:p>
           <a:p>
             <a:pPr lvl="1"/>
             <a:r>
-              <a:rPr lang="es-ES_tradnl" smtClean="0"/>
+              <a:rPr lang="es-ES_tradnl"/>
               <a:t>Segundo nivel</a:t>
             </a:r>
           </a:p>
           <a:p>
             <a:pPr lvl="2"/>
             <a:r>
-              <a:rPr lang="es-ES_tradnl" smtClean="0"/>
+              <a:rPr lang="es-ES_tradnl"/>
               <a:t>Tercer nivel</a:t>
             </a:r>
           </a:p>
           <a:p>
             <a:pPr lvl="3"/>
             <a:r>
-              <a:rPr lang="es-ES_tradnl" smtClean="0"/>
+              <a:rPr lang="es-ES_tradnl"/>
               <a:t>Cuarto nivel</a:t>
             </a:r>
           </a:p>
           <a:p>
             <a:pPr lvl="4"/>
             <a:r>
-              <a:rPr lang="es-ES_tradnl" smtClean="0"/>
+              <a:rPr lang="es-ES_tradnl"/>
               <a:t>Quinto nivel</a:t>
             </a:r>
-            <a:endParaRPr lang="es-ES_tradnl"/>
           </a:p>
         </p:txBody>
       </p:sp>
@@ -6571,7 +6520,7 @@
   <p:clrMapOvr>
     <a:masterClrMapping/>
   </p:clrMapOvr>
-  <p:transition xmlns:p14="http://schemas.microsoft.com/office/powerpoint/2010/main"/>
+  <p:transition/>
 </p:sldLayout>
 </file>
 
@@ -6604,8 +6553,8 @@
         </p:nvSpPr>
         <p:spPr>
           <a:xfrm>
-            <a:off x="7481888" y="0"/>
-            <a:ext cx="2324100" cy="7558088"/>
+            <a:off x="6792068" y="0"/>
+            <a:ext cx="2109821" cy="5144581"/>
           </a:xfrm>
         </p:spPr>
         <p:txBody>
@@ -6613,10 +6562,9 @@
           <a:lstStyle/>
           <a:p>
             <a:r>
-              <a:rPr lang="es-ES_tradnl" smtClean="0"/>
+              <a:rPr lang="es-ES_tradnl"/>
               <a:t>Clic para editar título</a:t>
             </a:r>
-            <a:endParaRPr lang="es-ES_tradnl"/>
           </a:p>
         </p:txBody>
       </p:sp>
@@ -6632,8 +6580,8 @@
         </p:nvSpPr>
         <p:spPr>
           <a:xfrm>
-            <a:off x="504825" y="0"/>
-            <a:ext cx="6824663" cy="7558088"/>
+            <a:off x="458282" y="0"/>
+            <a:ext cx="6195438" cy="5144581"/>
           </a:xfrm>
         </p:spPr>
         <p:txBody>
@@ -6642,38 +6590,37 @@
           <a:p>
             <a:pPr lvl="0"/>
             <a:r>
-              <a:rPr lang="es-ES_tradnl" smtClean="0"/>
+              <a:rPr lang="es-ES_tradnl"/>
               <a:t>Haga clic para modificar el estilo de texto del patrón</a:t>
             </a:r>
           </a:p>
           <a:p>
             <a:pPr lvl="1"/>
             <a:r>
-              <a:rPr lang="es-ES_tradnl" smtClean="0"/>
+              <a:rPr lang="es-ES_tradnl"/>
               <a:t>Segundo nivel</a:t>
             </a:r>
           </a:p>
           <a:p>
             <a:pPr lvl="2"/>
             <a:r>
-              <a:rPr lang="es-ES_tradnl" smtClean="0"/>
+              <a:rPr lang="es-ES_tradnl"/>
               <a:t>Tercer nivel</a:t>
             </a:r>
           </a:p>
           <a:p>
             <a:pPr lvl="3"/>
             <a:r>
-              <a:rPr lang="es-ES_tradnl" smtClean="0"/>
+              <a:rPr lang="es-ES_tradnl"/>
               <a:t>Cuarto nivel</a:t>
             </a:r>
           </a:p>
           <a:p>
             <a:pPr lvl="4"/>
             <a:r>
-              <a:rPr lang="es-ES_tradnl" smtClean="0"/>
+              <a:rPr lang="es-ES_tradnl"/>
               <a:t>Quinto nivel</a:t>
             </a:r>
-            <a:endParaRPr lang="es-ES_tradnl"/>
           </a:p>
         </p:txBody>
       </p:sp>
@@ -6682,7 +6629,7 @@
   <p:clrMapOvr>
     <a:masterClrMapping/>
   </p:clrMapOvr>
-  <p:transition xmlns:p14="http://schemas.microsoft.com/office/powerpoint/2010/main"/>
+  <p:transition/>
 </p:sldLayout>
 </file>
 
@@ -6715,8 +6662,8 @@
         </p:nvSpPr>
         <p:spPr>
           <a:xfrm>
-            <a:off x="503238" y="303213"/>
-            <a:ext cx="9066212" cy="1258887"/>
+            <a:off x="456840" y="206389"/>
+            <a:ext cx="8230320" cy="856889"/>
           </a:xfrm>
         </p:spPr>
         <p:txBody>
@@ -6728,10 +6675,9 @@
           </a:lstStyle>
           <a:p>
             <a:r>
-              <a:rPr lang="es-ES_tradnl" smtClean="0"/>
+              <a:rPr lang="es-ES_tradnl"/>
               <a:t>Clic para editar título</a:t>
             </a:r>
-            <a:endParaRPr lang="es-ES_tradnl"/>
           </a:p>
         </p:txBody>
       </p:sp>
@@ -6747,8 +6693,8 @@
         </p:nvSpPr>
         <p:spPr>
           <a:xfrm>
-            <a:off x="503238" y="1690688"/>
-            <a:ext cx="4451350" cy="706437"/>
+            <a:off x="456840" y="1150805"/>
+            <a:ext cx="4040942" cy="480852"/>
           </a:xfrm>
         </p:spPr>
         <p:txBody>
@@ -6756,45 +6702,45 @@
           <a:lstStyle>
             <a:lvl1pPr marL="0" indent="0">
               <a:buNone/>
-              <a:defRPr sz="2400" b="1"/>
+              <a:defRPr sz="1634" b="1"/>
             </a:lvl1pPr>
-            <a:lvl2pPr marL="457200" indent="0">
-              <a:buNone/>
-              <a:defRPr sz="2000" b="1"/>
+            <a:lvl2pPr marL="311216" indent="0">
+              <a:buNone/>
+              <a:defRPr sz="1361" b="1"/>
             </a:lvl2pPr>
-            <a:lvl3pPr marL="914400" indent="0">
-              <a:buNone/>
-              <a:defRPr sz="1800" b="1"/>
+            <a:lvl3pPr marL="622432" indent="0">
+              <a:buNone/>
+              <a:defRPr sz="1225" b="1"/>
             </a:lvl3pPr>
-            <a:lvl4pPr marL="1371600" indent="0">
-              <a:buNone/>
-              <a:defRPr sz="1600" b="1"/>
+            <a:lvl4pPr marL="933648" indent="0">
+              <a:buNone/>
+              <a:defRPr sz="1089" b="1"/>
             </a:lvl4pPr>
-            <a:lvl5pPr marL="1828800" indent="0">
-              <a:buNone/>
-              <a:defRPr sz="1600" b="1"/>
+            <a:lvl5pPr marL="1244864" indent="0">
+              <a:buNone/>
+              <a:defRPr sz="1089" b="1"/>
             </a:lvl5pPr>
-            <a:lvl6pPr marL="2286000" indent="0">
-              <a:buNone/>
-              <a:defRPr sz="1600" b="1"/>
+            <a:lvl6pPr marL="1556080" indent="0">
+              <a:buNone/>
+              <a:defRPr sz="1089" b="1"/>
             </a:lvl6pPr>
-            <a:lvl7pPr marL="2743200" indent="0">
-              <a:buNone/>
-              <a:defRPr sz="1600" b="1"/>
+            <a:lvl7pPr marL="1867296" indent="0">
+              <a:buNone/>
+              <a:defRPr sz="1089" b="1"/>
             </a:lvl7pPr>
-            <a:lvl8pPr marL="3200400" indent="0">
-              <a:buNone/>
-              <a:defRPr sz="1600" b="1"/>
+            <a:lvl8pPr marL="2178512" indent="0">
+              <a:buNone/>
+              <a:defRPr sz="1089" b="1"/>
             </a:lvl8pPr>
-            <a:lvl9pPr marL="3657600" indent="0">
-              <a:buNone/>
-              <a:defRPr sz="1600" b="1"/>
+            <a:lvl9pPr marL="2489728" indent="0">
+              <a:buNone/>
+              <a:defRPr sz="1089" b="1"/>
             </a:lvl9pPr>
           </a:lstStyle>
           <a:p>
             <a:pPr lvl="0"/>
             <a:r>
-              <a:rPr lang="es-ES_tradnl" smtClean="0"/>
+              <a:rPr lang="es-ES_tradnl"/>
               <a:t>Haga clic para modificar el estilo de texto del patrón</a:t>
             </a:r>
           </a:p>
@@ -6812,76 +6758,75 @@
         </p:nvSpPr>
         <p:spPr>
           <a:xfrm>
-            <a:off x="503238" y="2397125"/>
-            <a:ext cx="4451350" cy="4352925"/>
+            <a:off x="456840" y="1631657"/>
+            <a:ext cx="4040942" cy="2962915"/>
           </a:xfrm>
         </p:spPr>
         <p:txBody>
           <a:bodyPr/>
           <a:lstStyle>
             <a:lvl1pPr>
-              <a:defRPr sz="2400"/>
+              <a:defRPr sz="1634"/>
             </a:lvl1pPr>
             <a:lvl2pPr>
-              <a:defRPr sz="2000"/>
+              <a:defRPr sz="1361"/>
             </a:lvl2pPr>
             <a:lvl3pPr>
-              <a:defRPr sz="1800"/>
+              <a:defRPr sz="1225"/>
             </a:lvl3pPr>
             <a:lvl4pPr>
-              <a:defRPr sz="1600"/>
+              <a:defRPr sz="1089"/>
             </a:lvl4pPr>
             <a:lvl5pPr>
-              <a:defRPr sz="1600"/>
+              <a:defRPr sz="1089"/>
             </a:lvl5pPr>
             <a:lvl6pPr>
-              <a:defRPr sz="1600"/>
+              <a:defRPr sz="1089"/>
             </a:lvl6pPr>
             <a:lvl7pPr>
-              <a:defRPr sz="1600"/>
+              <a:defRPr sz="1089"/>
             </a:lvl7pPr>
             <a:lvl8pPr>
-              <a:defRPr sz="1600"/>
+              <a:defRPr sz="1089"/>
             </a:lvl8pPr>
             <a:lvl9pPr>
-              <a:defRPr sz="1600"/>
+              <a:defRPr sz="1089"/>
             </a:lvl9pPr>
           </a:lstStyle>
           <a:p>
             <a:pPr lvl="0"/>
             <a:r>
-              <a:rPr lang="es-ES_tradnl" smtClean="0"/>
+              <a:rPr lang="es-ES_tradnl"/>
               <a:t>Haga clic para modificar el estilo de texto del patrón</a:t>
             </a:r>
           </a:p>
           <a:p>
             <a:pPr lvl="1"/>
             <a:r>
-              <a:rPr lang="es-ES_tradnl" smtClean="0"/>
+              <a:rPr lang="es-ES_tradnl"/>
               <a:t>Segundo nivel</a:t>
             </a:r>
           </a:p>
           <a:p>
             <a:pPr lvl="2"/>
             <a:r>
-              <a:rPr lang="es-ES_tradnl" smtClean="0"/>
+              <a:rPr lang="es-ES_tradnl"/>
               <a:t>Tercer nivel</a:t>
             </a:r>
           </a:p>
           <a:p>
             <a:pPr lvl="3"/>
             <a:r>
-              <a:rPr lang="es-ES_tradnl" smtClean="0"/>
+              <a:rPr lang="es-ES_tradnl"/>
               <a:t>Cuarto nivel</a:t>
             </a:r>
           </a:p>
           <a:p>
             <a:pPr lvl="4"/>
             <a:r>
-              <a:rPr lang="es-ES_tradnl" smtClean="0"/>
+              <a:rPr lang="es-ES_tradnl"/>
               <a:t>Quinto nivel</a:t>
             </a:r>
-            <a:endParaRPr lang="es-ES_tradnl"/>
           </a:p>
         </p:txBody>
       </p:sp>
@@ -6897,8 +6842,8 @@
         </p:nvSpPr>
         <p:spPr>
           <a:xfrm>
-            <a:off x="5116513" y="1690688"/>
-            <a:ext cx="4452937" cy="706437"/>
+            <a:off x="4644778" y="1150805"/>
+            <a:ext cx="4042382" cy="480852"/>
           </a:xfrm>
         </p:spPr>
         <p:txBody>
@@ -6906,45 +6851,45 @@
           <a:lstStyle>
             <a:lvl1pPr marL="0" indent="0">
               <a:buNone/>
-              <a:defRPr sz="2400" b="1"/>
+              <a:defRPr sz="1634" b="1"/>
             </a:lvl1pPr>
-            <a:lvl2pPr marL="457200" indent="0">
-              <a:buNone/>
-              <a:defRPr sz="2000" b="1"/>
+            <a:lvl2pPr marL="311216" indent="0">
+              <a:buNone/>
+              <a:defRPr sz="1361" b="1"/>
             </a:lvl2pPr>
-            <a:lvl3pPr marL="914400" indent="0">
-              <a:buNone/>
-              <a:defRPr sz="1800" b="1"/>
+            <a:lvl3pPr marL="622432" indent="0">
+              <a:buNone/>
+              <a:defRPr sz="1225" b="1"/>
             </a:lvl3pPr>
-            <a:lvl4pPr marL="1371600" indent="0">
-              <a:buNone/>
-              <a:defRPr sz="1600" b="1"/>
+            <a:lvl4pPr marL="933648" indent="0">
+              <a:buNone/>
+              <a:defRPr sz="1089" b="1"/>
             </a:lvl4pPr>
-            <a:lvl5pPr marL="1828800" indent="0">
-              <a:buNone/>
-              <a:defRPr sz="1600" b="1"/>
+            <a:lvl5pPr marL="1244864" indent="0">
+              <a:buNone/>
+              <a:defRPr sz="1089" b="1"/>
             </a:lvl5pPr>
-            <a:lvl6pPr marL="2286000" indent="0">
-              <a:buNone/>
-              <a:defRPr sz="1600" b="1"/>
+            <a:lvl6pPr marL="1556080" indent="0">
+              <a:buNone/>
+              <a:defRPr sz="1089" b="1"/>
             </a:lvl6pPr>
-            <a:lvl7pPr marL="2743200" indent="0">
-              <a:buNone/>
-              <a:defRPr sz="1600" b="1"/>
+            <a:lvl7pPr marL="1867296" indent="0">
+              <a:buNone/>
+              <a:defRPr sz="1089" b="1"/>
             </a:lvl7pPr>
-            <a:lvl8pPr marL="3200400" indent="0">
-              <a:buNone/>
-              <a:defRPr sz="1600" b="1"/>
+            <a:lvl8pPr marL="2178512" indent="0">
+              <a:buNone/>
+              <a:defRPr sz="1089" b="1"/>
             </a:lvl8pPr>
-            <a:lvl9pPr marL="3657600" indent="0">
-              <a:buNone/>
-              <a:defRPr sz="1600" b="1"/>
+            <a:lvl9pPr marL="2489728" indent="0">
+              <a:buNone/>
+              <a:defRPr sz="1089" b="1"/>
             </a:lvl9pPr>
           </a:lstStyle>
           <a:p>
             <a:pPr lvl="0"/>
             <a:r>
-              <a:rPr lang="es-ES_tradnl" smtClean="0"/>
+              <a:rPr lang="es-ES_tradnl"/>
               <a:t>Haga clic para modificar el estilo de texto del patrón</a:t>
             </a:r>
           </a:p>
@@ -6962,76 +6907,75 @@
         </p:nvSpPr>
         <p:spPr>
           <a:xfrm>
-            <a:off x="5116513" y="2397125"/>
-            <a:ext cx="4452937" cy="4352925"/>
+            <a:off x="4644778" y="1631657"/>
+            <a:ext cx="4042382" cy="2962915"/>
           </a:xfrm>
         </p:spPr>
         <p:txBody>
           <a:bodyPr/>
           <a:lstStyle>
             <a:lvl1pPr>
-              <a:defRPr sz="2400"/>
+              <a:defRPr sz="1634"/>
             </a:lvl1pPr>
             <a:lvl2pPr>
-              <a:defRPr sz="2000"/>
+              <a:defRPr sz="1361"/>
             </a:lvl2pPr>
             <a:lvl3pPr>
-              <a:defRPr sz="1800"/>
+              <a:defRPr sz="1225"/>
             </a:lvl3pPr>
             <a:lvl4pPr>
-              <a:defRPr sz="1600"/>
+              <a:defRPr sz="1089"/>
             </a:lvl4pPr>
             <a:lvl5pPr>
-              <a:defRPr sz="1600"/>
+              <a:defRPr sz="1089"/>
             </a:lvl5pPr>
             <a:lvl6pPr>
-              <a:defRPr sz="1600"/>
+              <a:defRPr sz="1089"/>
             </a:lvl6pPr>
             <a:lvl7pPr>
-              <a:defRPr sz="1600"/>
+              <a:defRPr sz="1089"/>
             </a:lvl7pPr>
             <a:lvl8pPr>
-              <a:defRPr sz="1600"/>
+              <a:defRPr sz="1089"/>
             </a:lvl8pPr>
             <a:lvl9pPr>
-              <a:defRPr sz="1600"/>
+              <a:defRPr sz="1089"/>
             </a:lvl9pPr>
           </a:lstStyle>
           <a:p>
             <a:pPr lvl="0"/>
             <a:r>
-              <a:rPr lang="es-ES_tradnl" smtClean="0"/>
+              <a:rPr lang="es-ES_tradnl"/>
               <a:t>Haga clic para modificar el estilo de texto del patrón</a:t>
             </a:r>
           </a:p>
           <a:p>
             <a:pPr lvl="1"/>
             <a:r>
-              <a:rPr lang="es-ES_tradnl" smtClean="0"/>
+              <a:rPr lang="es-ES_tradnl"/>
               <a:t>Segundo nivel</a:t>
             </a:r>
           </a:p>
           <a:p>
             <a:pPr lvl="2"/>
             <a:r>
-              <a:rPr lang="es-ES_tradnl" smtClean="0"/>
+              <a:rPr lang="es-ES_tradnl"/>
               <a:t>Tercer nivel</a:t>
             </a:r>
           </a:p>
           <a:p>
             <a:pPr lvl="3"/>
             <a:r>
-              <a:rPr lang="es-ES_tradnl" smtClean="0"/>
+              <a:rPr lang="es-ES_tradnl"/>
               <a:t>Cuarto nivel</a:t>
             </a:r>
           </a:p>
           <a:p>
             <a:pPr lvl="4"/>
             <a:r>
-              <a:rPr lang="es-ES_tradnl" smtClean="0"/>
+              <a:rPr lang="es-ES_tradnl"/>
               <a:t>Quinto nivel</a:t>
             </a:r>
-            <a:endParaRPr lang="es-ES_tradnl"/>
           </a:p>
         </p:txBody>
       </p:sp>
@@ -7040,7 +6984,7 @@
   <p:clrMapOvr>
     <a:masterClrMapping/>
   </p:clrMapOvr>
-  <p:transition xmlns:p14="http://schemas.microsoft.com/office/powerpoint/2010/main"/>
+  <p:transition/>
 </p:sldLayout>
 </file>
 
@@ -7077,10 +7021,9 @@
           <a:lstStyle/>
           <a:p>
             <a:r>
-              <a:rPr lang="es-ES_tradnl" smtClean="0"/>
+              <a:rPr lang="es-ES_tradnl"/>
               <a:t>Clic para editar título</a:t>
             </a:r>
-            <a:endParaRPr lang="es-ES_tradnl"/>
           </a:p>
         </p:txBody>
       </p:sp>
@@ -7089,7 +7032,7 @@
   <p:clrMapOvr>
     <a:masterClrMapping/>
   </p:clrMapOvr>
-  <p:transition xmlns:p14="http://schemas.microsoft.com/office/powerpoint/2010/main"/>
+  <p:transition/>
 </p:sldLayout>
 </file>
 
@@ -7115,7 +7058,7 @@
   <p:clrMapOvr>
     <a:masterClrMapping/>
   </p:clrMapOvr>
-  <p:transition xmlns:p14="http://schemas.microsoft.com/office/powerpoint/2010/main"/>
+  <p:transition/>
 </p:sldLayout>
 </file>
 
@@ -7148,23 +7091,22 @@
         </p:nvSpPr>
         <p:spPr>
           <a:xfrm>
-            <a:off x="503238" y="301625"/>
-            <a:ext cx="3314700" cy="1279525"/>
+            <a:off x="456840" y="205308"/>
+            <a:ext cx="3009089" cy="870937"/>
           </a:xfrm>
         </p:spPr>
         <p:txBody>
           <a:bodyPr/>
           <a:lstStyle>
             <a:lvl1pPr algn="l">
-              <a:defRPr sz="2000" b="1"/>
+              <a:defRPr sz="1361" b="1"/>
             </a:lvl1pPr>
           </a:lstStyle>
           <a:p>
             <a:r>
-              <a:rPr lang="es-ES_tradnl" smtClean="0"/>
+              <a:rPr lang="es-ES_tradnl"/>
               <a:t>Clic para editar título</a:t>
             </a:r>
-            <a:endParaRPr lang="es-ES_tradnl"/>
           </a:p>
         </p:txBody>
       </p:sp>
@@ -7180,76 +7122,75 @@
         </p:nvSpPr>
         <p:spPr>
           <a:xfrm>
-            <a:off x="3938588" y="301625"/>
-            <a:ext cx="5630862" cy="6448425"/>
+            <a:off x="3575456" y="205308"/>
+            <a:ext cx="5111704" cy="4389264"/>
           </a:xfrm>
         </p:spPr>
         <p:txBody>
           <a:bodyPr/>
           <a:lstStyle>
             <a:lvl1pPr>
-              <a:defRPr sz="3200"/>
+              <a:defRPr sz="2178"/>
             </a:lvl1pPr>
             <a:lvl2pPr>
-              <a:defRPr sz="2800"/>
+              <a:defRPr sz="1906"/>
             </a:lvl2pPr>
             <a:lvl3pPr>
-              <a:defRPr sz="2400"/>
+              <a:defRPr sz="1634"/>
             </a:lvl3pPr>
             <a:lvl4pPr>
-              <a:defRPr sz="2000"/>
+              <a:defRPr sz="1361"/>
             </a:lvl4pPr>
             <a:lvl5pPr>
-              <a:defRPr sz="2000"/>
+              <a:defRPr sz="1361"/>
             </a:lvl5pPr>
             <a:lvl6pPr>
-              <a:defRPr sz="2000"/>
+              <a:defRPr sz="1361"/>
             </a:lvl6pPr>
             <a:lvl7pPr>
-              <a:defRPr sz="2000"/>
+              <a:defRPr sz="1361"/>
             </a:lvl7pPr>
             <a:lvl8pPr>
-              <a:defRPr sz="2000"/>
+              <a:defRPr sz="1361"/>
             </a:lvl8pPr>
             <a:lvl9pPr>
-              <a:defRPr sz="2000"/>
+              <a:defRPr sz="1361"/>
             </a:lvl9pPr>
           </a:lstStyle>
           <a:p>
             <a:pPr lvl="0"/>
             <a:r>
-              <a:rPr lang="es-ES_tradnl" smtClean="0"/>
+              <a:rPr lang="es-ES_tradnl"/>
               <a:t>Haga clic para modificar el estilo de texto del patrón</a:t>
             </a:r>
           </a:p>
           <a:p>
             <a:pPr lvl="1"/>
             <a:r>
-              <a:rPr lang="es-ES_tradnl" smtClean="0"/>
+              <a:rPr lang="es-ES_tradnl"/>
               <a:t>Segundo nivel</a:t>
             </a:r>
           </a:p>
           <a:p>
             <a:pPr lvl="2"/>
             <a:r>
-              <a:rPr lang="es-ES_tradnl" smtClean="0"/>
+              <a:rPr lang="es-ES_tradnl"/>
               <a:t>Tercer nivel</a:t>
             </a:r>
           </a:p>
           <a:p>
             <a:pPr lvl="3"/>
             <a:r>
-              <a:rPr lang="es-ES_tradnl" smtClean="0"/>
+              <a:rPr lang="es-ES_tradnl"/>
               <a:t>Cuarto nivel</a:t>
             </a:r>
           </a:p>
           <a:p>
             <a:pPr lvl="4"/>
             <a:r>
-              <a:rPr lang="es-ES_tradnl" smtClean="0"/>
+              <a:rPr lang="es-ES_tradnl"/>
               <a:t>Quinto nivel</a:t>
             </a:r>
-            <a:endParaRPr lang="es-ES_tradnl"/>
           </a:p>
         </p:txBody>
       </p:sp>
@@ -7265,8 +7206,8 @@
         </p:nvSpPr>
         <p:spPr>
           <a:xfrm>
-            <a:off x="503238" y="1581150"/>
-            <a:ext cx="3314700" cy="5168900"/>
+            <a:off x="456840" y="1076245"/>
+            <a:ext cx="3009089" cy="3518327"/>
           </a:xfrm>
         </p:spPr>
         <p:txBody>
@@ -7274,45 +7215,45 @@
           <a:lstStyle>
             <a:lvl1pPr marL="0" indent="0">
               <a:buNone/>
-              <a:defRPr sz="1400"/>
+              <a:defRPr sz="953"/>
             </a:lvl1pPr>
-            <a:lvl2pPr marL="457200" indent="0">
-              <a:buNone/>
-              <a:defRPr sz="1200"/>
+            <a:lvl2pPr marL="311216" indent="0">
+              <a:buNone/>
+              <a:defRPr sz="817"/>
             </a:lvl2pPr>
-            <a:lvl3pPr marL="914400" indent="0">
-              <a:buNone/>
-              <a:defRPr sz="1000"/>
+            <a:lvl3pPr marL="622432" indent="0">
+              <a:buNone/>
+              <a:defRPr sz="681"/>
             </a:lvl3pPr>
-            <a:lvl4pPr marL="1371600" indent="0">
-              <a:buNone/>
-              <a:defRPr sz="900"/>
+            <a:lvl4pPr marL="933648" indent="0">
+              <a:buNone/>
+              <a:defRPr sz="613"/>
             </a:lvl4pPr>
-            <a:lvl5pPr marL="1828800" indent="0">
-              <a:buNone/>
-              <a:defRPr sz="900"/>
+            <a:lvl5pPr marL="1244864" indent="0">
+              <a:buNone/>
+              <a:defRPr sz="613"/>
             </a:lvl5pPr>
-            <a:lvl6pPr marL="2286000" indent="0">
-              <a:buNone/>
-              <a:defRPr sz="900"/>
+            <a:lvl6pPr marL="1556080" indent="0">
+              <a:buNone/>
+              <a:defRPr sz="613"/>
             </a:lvl6pPr>
-            <a:lvl7pPr marL="2743200" indent="0">
-              <a:buNone/>
-              <a:defRPr sz="900"/>
+            <a:lvl7pPr marL="1867296" indent="0">
+              <a:buNone/>
+              <a:defRPr sz="613"/>
             </a:lvl7pPr>
-            <a:lvl8pPr marL="3200400" indent="0">
-              <a:buNone/>
-              <a:defRPr sz="900"/>
+            <a:lvl8pPr marL="2178512" indent="0">
+              <a:buNone/>
+              <a:defRPr sz="613"/>
             </a:lvl8pPr>
-            <a:lvl9pPr marL="3657600" indent="0">
-              <a:buNone/>
-              <a:defRPr sz="900"/>
+            <a:lvl9pPr marL="2489728" indent="0">
+              <a:buNone/>
+              <a:defRPr sz="613"/>
             </a:lvl9pPr>
           </a:lstStyle>
           <a:p>
             <a:pPr lvl="0"/>
             <a:r>
-              <a:rPr lang="es-ES_tradnl" smtClean="0"/>
+              <a:rPr lang="es-ES_tradnl"/>
               <a:t>Haga clic para modificar el estilo de texto del patrón</a:t>
             </a:r>
           </a:p>
@@ -7323,7 +7264,7 @@
   <p:clrMapOvr>
     <a:masterClrMapping/>
   </p:clrMapOvr>
-  <p:transition xmlns:p14="http://schemas.microsoft.com/office/powerpoint/2010/main"/>
+  <p:transition/>
 </p:sldLayout>
 </file>
 
@@ -7356,23 +7297,22 @@
         </p:nvSpPr>
         <p:spPr>
           <a:xfrm>
-            <a:off x="1974850" y="5289550"/>
-            <a:ext cx="6043613" cy="623888"/>
+            <a:off x="1792772" y="3600450"/>
+            <a:ext cx="5486400" cy="424663"/>
           </a:xfrm>
         </p:spPr>
         <p:txBody>
           <a:bodyPr/>
           <a:lstStyle>
             <a:lvl1pPr algn="l">
-              <a:defRPr sz="2000" b="1"/>
+              <a:defRPr sz="1361" b="1"/>
             </a:lvl1pPr>
           </a:lstStyle>
           <a:p>
             <a:r>
-              <a:rPr lang="es-ES_tradnl" smtClean="0"/>
+              <a:rPr lang="es-ES_tradnl"/>
               <a:t>Clic para editar título</a:t>
             </a:r>
-            <a:endParaRPr lang="es-ES_tradnl"/>
           </a:p>
         </p:txBody>
       </p:sp>
@@ -7388,8 +7328,8 @@
         </p:nvSpPr>
         <p:spPr>
           <a:xfrm>
-            <a:off x="1974850" y="674688"/>
-            <a:ext cx="6043613" cy="4533900"/>
+            <a:off x="1792772" y="459241"/>
+            <a:ext cx="5486400" cy="3086100"/>
           </a:xfrm>
         </p:spPr>
         <p:txBody>
@@ -7397,44 +7337,44 @@
           <a:lstStyle>
             <a:lvl1pPr marL="0" indent="0">
               <a:buNone/>
-              <a:defRPr sz="3200"/>
+              <a:defRPr sz="2178"/>
             </a:lvl1pPr>
-            <a:lvl2pPr marL="457200" indent="0">
-              <a:buNone/>
-              <a:defRPr sz="2800"/>
+            <a:lvl2pPr marL="311216" indent="0">
+              <a:buNone/>
+              <a:defRPr sz="1906"/>
             </a:lvl2pPr>
-            <a:lvl3pPr marL="914400" indent="0">
-              <a:buNone/>
-              <a:defRPr sz="2400"/>
+            <a:lvl3pPr marL="622432" indent="0">
+              <a:buNone/>
+              <a:defRPr sz="1634"/>
             </a:lvl3pPr>
-            <a:lvl4pPr marL="1371600" indent="0">
-              <a:buNone/>
-              <a:defRPr sz="2000"/>
+            <a:lvl4pPr marL="933648" indent="0">
+              <a:buNone/>
+              <a:defRPr sz="1361"/>
             </a:lvl4pPr>
-            <a:lvl5pPr marL="1828800" indent="0">
-              <a:buNone/>
-              <a:defRPr sz="2000"/>
+            <a:lvl5pPr marL="1244864" indent="0">
+              <a:buNone/>
+              <a:defRPr sz="1361"/>
             </a:lvl5pPr>
-            <a:lvl6pPr marL="2286000" indent="0">
-              <a:buNone/>
-              <a:defRPr sz="2000"/>
+            <a:lvl6pPr marL="1556080" indent="0">
+              <a:buNone/>
+              <a:defRPr sz="1361"/>
             </a:lvl6pPr>
-            <a:lvl7pPr marL="2743200" indent="0">
-              <a:buNone/>
-              <a:defRPr sz="2000"/>
+            <a:lvl7pPr marL="1867296" indent="0">
+              <a:buNone/>
+              <a:defRPr sz="1361"/>
             </a:lvl7pPr>
-            <a:lvl8pPr marL="3200400" indent="0">
-              <a:buNone/>
-              <a:defRPr sz="2000"/>
+            <a:lvl8pPr marL="2178512" indent="0">
+              <a:buNone/>
+              <a:defRPr sz="1361"/>
             </a:lvl8pPr>
-            <a:lvl9pPr marL="3657600" indent="0">
-              <a:buNone/>
-              <a:defRPr sz="2000"/>
+            <a:lvl9pPr marL="2489728" indent="0">
+              <a:buNone/>
+              <a:defRPr sz="1361"/>
             </a:lvl9pPr>
           </a:lstStyle>
           <a:p>
             <a:pPr lvl="0"/>
-            <a:endParaRPr lang="es-ES_tradnl" noProof="0" smtClean="0">
+            <a:endParaRPr lang="es-ES_tradnl" noProof="0">
               <a:sym typeface="Gill Sans" charset="0"/>
             </a:endParaRPr>
           </a:p>
@@ -7452,8 +7392,8 @@
         </p:nvSpPr>
         <p:spPr>
           <a:xfrm>
-            <a:off x="1974850" y="5913438"/>
-            <a:ext cx="6043613" cy="887412"/>
+            <a:off x="1792772" y="4025113"/>
+            <a:ext cx="5486400" cy="604037"/>
           </a:xfrm>
         </p:spPr>
         <p:txBody>
@@ -7461,45 +7401,45 @@
           <a:lstStyle>
             <a:lvl1pPr marL="0" indent="0">
               <a:buNone/>
-              <a:defRPr sz="1400"/>
+              <a:defRPr sz="953"/>
             </a:lvl1pPr>
-            <a:lvl2pPr marL="457200" indent="0">
-              <a:buNone/>
-              <a:defRPr sz="1200"/>
+            <a:lvl2pPr marL="311216" indent="0">
+              <a:buNone/>
+              <a:defRPr sz="817"/>
             </a:lvl2pPr>
-            <a:lvl3pPr marL="914400" indent="0">
-              <a:buNone/>
-              <a:defRPr sz="1000"/>
+            <a:lvl3pPr marL="622432" indent="0">
+              <a:buNone/>
+              <a:defRPr sz="681"/>
             </a:lvl3pPr>
-            <a:lvl4pPr marL="1371600" indent="0">
-              <a:buNone/>
-              <a:defRPr sz="900"/>
+            <a:lvl4pPr marL="933648" indent="0">
+              <a:buNone/>
+              <a:defRPr sz="613"/>
             </a:lvl4pPr>
-            <a:lvl5pPr marL="1828800" indent="0">
-              <a:buNone/>
-              <a:defRPr sz="900"/>
+            <a:lvl5pPr marL="1244864" indent="0">
+              <a:buNone/>
+              <a:defRPr sz="613"/>
             </a:lvl5pPr>
-            <a:lvl6pPr marL="2286000" indent="0">
-              <a:buNone/>
-              <a:defRPr sz="900"/>
+            <a:lvl6pPr marL="1556080" indent="0">
+              <a:buNone/>
+              <a:defRPr sz="613"/>
             </a:lvl6pPr>
-            <a:lvl7pPr marL="2743200" indent="0">
-              <a:buNone/>
-              <a:defRPr sz="900"/>
+            <a:lvl7pPr marL="1867296" indent="0">
+              <a:buNone/>
+              <a:defRPr sz="613"/>
             </a:lvl7pPr>
-            <a:lvl8pPr marL="3200400" indent="0">
-              <a:buNone/>
-              <a:defRPr sz="900"/>
+            <a:lvl8pPr marL="2178512" indent="0">
+              <a:buNone/>
+              <a:defRPr sz="613"/>
             </a:lvl8pPr>
-            <a:lvl9pPr marL="3657600" indent="0">
-              <a:buNone/>
-              <a:defRPr sz="900"/>
+            <a:lvl9pPr marL="2489728" indent="0">
+              <a:buNone/>
+              <a:defRPr sz="613"/>
             </a:lvl9pPr>
           </a:lstStyle>
           <a:p>
             <a:pPr lvl="0"/>
             <a:r>
-              <a:rPr lang="es-ES_tradnl" smtClean="0"/>
+              <a:rPr lang="es-ES_tradnl"/>
               <a:t>Haga clic para modificar el estilo de texto del patrón</a:t>
             </a:r>
           </a:p>
@@ -7510,7 +7450,7 @@
   <p:clrMapOvr>
     <a:masterClrMapping/>
   </p:clrMapOvr>
-  <p:transition xmlns:p14="http://schemas.microsoft.com/office/powerpoint/2010/main"/>
+  <p:transition/>
 </p:sldLayout>
 </file>
 
@@ -7555,8 +7495,8 @@
         </p:nvSpPr>
         <p:spPr bwMode="auto">
           <a:xfrm>
-            <a:off x="982663" y="5519738"/>
-            <a:ext cx="8105775" cy="2036762"/>
+            <a:off x="892063" y="3757133"/>
+            <a:ext cx="7358434" cy="1386367"/>
           </a:xfrm>
           <a:prstGeom prst="rect">
             <a:avLst/>
@@ -7635,8 +7575,8 @@
         </p:nvSpPr>
         <p:spPr bwMode="auto">
           <a:xfrm>
-            <a:off x="982663" y="0"/>
-            <a:ext cx="8105775" cy="5411788"/>
+            <a:off x="892063" y="0"/>
+            <a:ext cx="7358434" cy="3683654"/>
           </a:xfrm>
           <a:prstGeom prst="rect">
             <a:avLst/>
@@ -7683,7 +7623,7 @@
     <p:sldLayoutId id="2147483663" r:id="rId10"/>
     <p:sldLayoutId id="2147483664" r:id="rId11"/>
   </p:sldLayoutIdLst>
-  <p:transition xmlns:p14="http://schemas.microsoft.com/office/powerpoint/2010/main"/>
+  <p:transition/>
   <p:txStyles>
     <p:titleStyle>
       <a:lvl1pPr algn="ctr" rtl="0" eaLnBrk="0" fontAlgn="base" hangingPunct="0">
@@ -7693,7 +7633,7 @@
         <a:spcAft>
           <a:spcPct val="0"/>
         </a:spcAft>
-        <a:defRPr sz="4800">
+        <a:defRPr sz="3267">
           <a:solidFill>
             <a:srgbClr val="FFFFFF"/>
           </a:solidFill>
@@ -7710,7 +7650,7 @@
         <a:spcAft>
           <a:spcPct val="0"/>
         </a:spcAft>
-        <a:defRPr sz="4800">
+        <a:defRPr sz="3267">
           <a:solidFill>
             <a:srgbClr val="FFFFFF"/>
           </a:solidFill>
@@ -7727,7 +7667,7 @@
         <a:spcAft>
           <a:spcPct val="0"/>
         </a:spcAft>
-        <a:defRPr sz="4800">
+        <a:defRPr sz="3267">
           <a:solidFill>
             <a:srgbClr val="FFFFFF"/>
           </a:solidFill>
@@ -7744,7 +7684,7 @@
         <a:spcAft>
           <a:spcPct val="0"/>
         </a:spcAft>
-        <a:defRPr sz="4800">
+        <a:defRPr sz="3267">
           <a:solidFill>
             <a:srgbClr val="FFFFFF"/>
           </a:solidFill>
@@ -7761,7 +7701,7 @@
         <a:spcAft>
           <a:spcPct val="0"/>
         </a:spcAft>
-        <a:defRPr sz="4800">
+        <a:defRPr sz="3267">
           <a:solidFill>
             <a:srgbClr val="FFFFFF"/>
           </a:solidFill>
@@ -7771,14 +7711,14 @@
           <a:sym typeface="Arial Bold" charset="0"/>
         </a:defRPr>
       </a:lvl5pPr>
-      <a:lvl6pPr marL="457200" algn="ctr" rtl="0" fontAlgn="base">
+      <a:lvl6pPr marL="311216" algn="ctr" rtl="0" fontAlgn="base">
         <a:spcBef>
           <a:spcPct val="0"/>
         </a:spcBef>
         <a:spcAft>
           <a:spcPct val="0"/>
         </a:spcAft>
-        <a:defRPr sz="4800">
+        <a:defRPr sz="3267">
           <a:solidFill>
             <a:srgbClr val="FFFFFF"/>
           </a:solidFill>
@@ -7788,14 +7728,14 @@
           <a:sym typeface="Arial Bold" charset="0"/>
         </a:defRPr>
       </a:lvl6pPr>
-      <a:lvl7pPr marL="914400" algn="ctr" rtl="0" fontAlgn="base">
+      <a:lvl7pPr marL="622432" algn="ctr" rtl="0" fontAlgn="base">
         <a:spcBef>
           <a:spcPct val="0"/>
         </a:spcBef>
         <a:spcAft>
           <a:spcPct val="0"/>
         </a:spcAft>
-        <a:defRPr sz="4800">
+        <a:defRPr sz="3267">
           <a:solidFill>
             <a:srgbClr val="FFFFFF"/>
           </a:solidFill>
@@ -7805,14 +7745,14 @@
           <a:sym typeface="Arial Bold" charset="0"/>
         </a:defRPr>
       </a:lvl7pPr>
-      <a:lvl8pPr marL="1371600" algn="ctr" rtl="0" fontAlgn="base">
+      <a:lvl8pPr marL="933648" algn="ctr" rtl="0" fontAlgn="base">
         <a:spcBef>
           <a:spcPct val="0"/>
         </a:spcBef>
         <a:spcAft>
           <a:spcPct val="0"/>
         </a:spcAft>
-        <a:defRPr sz="4800">
+        <a:defRPr sz="3267">
           <a:solidFill>
             <a:srgbClr val="FFFFFF"/>
           </a:solidFill>
@@ -7822,14 +7762,14 @@
           <a:sym typeface="Arial Bold" charset="0"/>
         </a:defRPr>
       </a:lvl8pPr>
-      <a:lvl9pPr marL="1828800" algn="ctr" rtl="0" fontAlgn="base">
+      <a:lvl9pPr marL="1244864" algn="ctr" rtl="0" fontAlgn="base">
         <a:spcBef>
           <a:spcPct val="0"/>
         </a:spcBef>
         <a:spcAft>
           <a:spcPct val="0"/>
         </a:spcAft>
-        <a:defRPr sz="4800">
+        <a:defRPr sz="3267">
           <a:solidFill>
             <a:srgbClr val="FFFFFF"/>
           </a:solidFill>
@@ -7841,7 +7781,7 @@
       </a:lvl9pPr>
     </p:titleStyle>
     <p:bodyStyle>
-      <a:lvl1pPr marL="250825" indent="-250825" algn="ctr" rtl="0" eaLnBrk="0" fontAlgn="base" hangingPunct="0">
+      <a:lvl1pPr marL="170737" indent="-170737" algn="ctr" rtl="0" eaLnBrk="0" fontAlgn="base" hangingPunct="0">
         <a:spcBef>
           <a:spcPct val="0"/>
         </a:spcBef>
@@ -7851,7 +7791,7 @@
         <a:buSzPct val="100000"/>
         <a:buFont typeface="Gill Sans" charset="0"/>
         <a:buChar char="•"/>
-        <a:defRPr sz="3400">
+        <a:defRPr sz="2314">
           <a:solidFill>
             <a:srgbClr val="E6E6E6"/>
           </a:solidFill>
@@ -7861,7 +7801,7 @@
           <a:sym typeface="Gill Sans" charset="0"/>
         </a:defRPr>
       </a:lvl1pPr>
-      <a:lvl2pPr marL="506413" indent="-209550" algn="ctr" rtl="0" eaLnBrk="0" fontAlgn="base" hangingPunct="0">
+      <a:lvl2pPr marL="344715" indent="-142641" algn="ctr" rtl="0" eaLnBrk="0" fontAlgn="base" hangingPunct="0">
         <a:spcBef>
           <a:spcPct val="0"/>
         </a:spcBef>
@@ -7871,7 +7811,7 @@
         <a:buSzPct val="100000"/>
         <a:buFont typeface="Gill Sans" charset="0"/>
         <a:buChar char="–"/>
-        <a:defRPr sz="3000">
+        <a:defRPr sz="2042">
           <a:solidFill>
             <a:srgbClr val="E6E6E6"/>
           </a:solidFill>
@@ -7881,7 +7821,7 @@
           <a:sym typeface="Gill Sans" charset="0"/>
         </a:defRPr>
       </a:lvl2pPr>
-      <a:lvl3pPr marL="801688" indent="-168275" algn="ctr" rtl="0" eaLnBrk="0" fontAlgn="base" hangingPunct="0">
+      <a:lvl3pPr marL="545709" indent="-114545" algn="ctr" rtl="0" eaLnBrk="0" fontAlgn="base" hangingPunct="0">
         <a:spcBef>
           <a:spcPct val="0"/>
         </a:spcBef>
@@ -7891,7 +7831,7 @@
         <a:buSzPct val="100000"/>
         <a:buFont typeface="Gill Sans" charset="0"/>
         <a:buChar char="•"/>
-        <a:defRPr sz="2600">
+        <a:defRPr sz="1770">
           <a:solidFill>
             <a:srgbClr val="E6E6E6"/>
           </a:solidFill>
@@ -7901,7 +7841,7 @@
           <a:sym typeface="Gill Sans" charset="0"/>
         </a:defRPr>
       </a:lvl3pPr>
-      <a:lvl4pPr marL="1138238" indent="-168275" algn="ctr" rtl="0" eaLnBrk="0" fontAlgn="base" hangingPunct="0">
+      <a:lvl4pPr marL="774799" indent="-114545" algn="ctr" rtl="0" eaLnBrk="0" fontAlgn="base" hangingPunct="0">
         <a:spcBef>
           <a:spcPct val="0"/>
         </a:spcBef>
@@ -7911,7 +7851,7 @@
         <a:buSzPct val="100000"/>
         <a:buFont typeface="Gill Sans" charset="0"/>
         <a:buChar char="–"/>
-        <a:defRPr sz="2200">
+        <a:defRPr sz="1498">
           <a:solidFill>
             <a:srgbClr val="E6E6E6"/>
           </a:solidFill>
@@ -7921,7 +7861,7 @@
           <a:sym typeface="Gill Sans" charset="0"/>
         </a:defRPr>
       </a:lvl4pPr>
-      <a:lvl5pPr marL="1474788" indent="-168275" algn="ctr" rtl="0" eaLnBrk="0" fontAlgn="base" hangingPunct="0">
+      <a:lvl5pPr marL="1003888" indent="-114545" algn="ctr" rtl="0" eaLnBrk="0" fontAlgn="base" hangingPunct="0">
         <a:spcBef>
           <a:spcPct val="0"/>
         </a:spcBef>
@@ -7931,7 +7871,7 @@
         <a:buSzPct val="100000"/>
         <a:buFont typeface="Gill Sans" charset="0"/>
         <a:buChar char="»"/>
-        <a:defRPr sz="2200">
+        <a:defRPr sz="1498">
           <a:solidFill>
             <a:srgbClr val="E6E6E6"/>
           </a:solidFill>
@@ -7941,7 +7881,7 @@
           <a:sym typeface="Gill Sans" charset="0"/>
         </a:defRPr>
       </a:lvl5pPr>
-      <a:lvl6pPr marL="1931988" indent="-168275" algn="ctr" rtl="0" fontAlgn="base">
+      <a:lvl6pPr marL="1315104" indent="-114545" algn="ctr" rtl="0" fontAlgn="base">
         <a:spcBef>
           <a:spcPct val="0"/>
         </a:spcBef>
@@ -7951,7 +7891,7 @@
         <a:buSzPct val="100000"/>
         <a:buFont typeface="Gill Sans" charset="0"/>
         <a:buChar char="»"/>
-        <a:defRPr sz="2200">
+        <a:defRPr sz="1498">
           <a:solidFill>
             <a:srgbClr val="E6E6E6"/>
           </a:solidFill>
@@ -7961,7 +7901,7 @@
           <a:sym typeface="Gill Sans" charset="0"/>
         </a:defRPr>
       </a:lvl6pPr>
-      <a:lvl7pPr marL="2389188" indent="-168275" algn="ctr" rtl="0" fontAlgn="base">
+      <a:lvl7pPr marL="1626320" indent="-114545" algn="ctr" rtl="0" fontAlgn="base">
         <a:spcBef>
           <a:spcPct val="0"/>
         </a:spcBef>
@@ -7971,7 +7911,7 @@
         <a:buSzPct val="100000"/>
         <a:buFont typeface="Gill Sans" charset="0"/>
         <a:buChar char="»"/>
-        <a:defRPr sz="2200">
+        <a:defRPr sz="1498">
           <a:solidFill>
             <a:srgbClr val="E6E6E6"/>
           </a:solidFill>
@@ -7981,7 +7921,7 @@
           <a:sym typeface="Gill Sans" charset="0"/>
         </a:defRPr>
       </a:lvl7pPr>
-      <a:lvl8pPr marL="2846388" indent="-168275" algn="ctr" rtl="0" fontAlgn="base">
+      <a:lvl8pPr marL="1937536" indent="-114545" algn="ctr" rtl="0" fontAlgn="base">
         <a:spcBef>
           <a:spcPct val="0"/>
         </a:spcBef>
@@ -7991,7 +7931,7 @@
         <a:buSzPct val="100000"/>
         <a:buFont typeface="Gill Sans" charset="0"/>
         <a:buChar char="»"/>
-        <a:defRPr sz="2200">
+        <a:defRPr sz="1498">
           <a:solidFill>
             <a:srgbClr val="E6E6E6"/>
           </a:solidFill>
@@ -8001,7 +7941,7 @@
           <a:sym typeface="Gill Sans" charset="0"/>
         </a:defRPr>
       </a:lvl8pPr>
-      <a:lvl9pPr marL="3303588" indent="-168275" algn="ctr" rtl="0" fontAlgn="base">
+      <a:lvl9pPr marL="2248752" indent="-114545" algn="ctr" rtl="0" fontAlgn="base">
         <a:spcBef>
           <a:spcPct val="0"/>
         </a:spcBef>
@@ -8011,7 +7951,7 @@
         <a:buSzPct val="100000"/>
         <a:buFont typeface="Gill Sans" charset="0"/>
         <a:buChar char="»"/>
-        <a:defRPr sz="2200">
+        <a:defRPr sz="1498">
           <a:solidFill>
             <a:srgbClr val="E6E6E6"/>
           </a:solidFill>
@@ -8026,8 +7966,8 @@
       <a:defPPr>
         <a:defRPr lang="es-ES_tradnl"/>
       </a:defPPr>
-      <a:lvl1pPr marL="0" algn="l" defTabSz="457200" rtl="0" eaLnBrk="1" latinLnBrk="0" hangingPunct="1">
-        <a:defRPr sz="1800" kern="1200">
+      <a:lvl1pPr marL="0" algn="l" defTabSz="311216" rtl="0" eaLnBrk="1" latinLnBrk="0" hangingPunct="1">
+        <a:defRPr sz="1225" kern="1200">
           <a:solidFill>
             <a:schemeClr val="tx1"/>
           </a:solidFill>
@@ -8036,8 +7976,8 @@
           <a:cs typeface="+mn-cs"/>
         </a:defRPr>
       </a:lvl1pPr>
-      <a:lvl2pPr marL="457200" algn="l" defTabSz="457200" rtl="0" eaLnBrk="1" latinLnBrk="0" hangingPunct="1">
-        <a:defRPr sz="1800" kern="1200">
+      <a:lvl2pPr marL="311216" algn="l" defTabSz="311216" rtl="0" eaLnBrk="1" latinLnBrk="0" hangingPunct="1">
+        <a:defRPr sz="1225" kern="1200">
           <a:solidFill>
             <a:schemeClr val="tx1"/>
           </a:solidFill>
@@ -8046,8 +7986,8 @@
           <a:cs typeface="+mn-cs"/>
         </a:defRPr>
       </a:lvl2pPr>
-      <a:lvl3pPr marL="914400" algn="l" defTabSz="457200" rtl="0" eaLnBrk="1" latinLnBrk="0" hangingPunct="1">
-        <a:defRPr sz="1800" kern="1200">
+      <a:lvl3pPr marL="622432" algn="l" defTabSz="311216" rtl="0" eaLnBrk="1" latinLnBrk="0" hangingPunct="1">
+        <a:defRPr sz="1225" kern="1200">
           <a:solidFill>
             <a:schemeClr val="tx1"/>
           </a:solidFill>
@@ -8056,8 +7996,8 @@
           <a:cs typeface="+mn-cs"/>
         </a:defRPr>
       </a:lvl3pPr>
-      <a:lvl4pPr marL="1371600" algn="l" defTabSz="457200" rtl="0" eaLnBrk="1" latinLnBrk="0" hangingPunct="1">
-        <a:defRPr sz="1800" kern="1200">
+      <a:lvl4pPr marL="933648" algn="l" defTabSz="311216" rtl="0" eaLnBrk="1" latinLnBrk="0" hangingPunct="1">
+        <a:defRPr sz="1225" kern="1200">
           <a:solidFill>
             <a:schemeClr val="tx1"/>
           </a:solidFill>
@@ -8066,8 +8006,8 @@
           <a:cs typeface="+mn-cs"/>
         </a:defRPr>
       </a:lvl4pPr>
-      <a:lvl5pPr marL="1828800" algn="l" defTabSz="457200" rtl="0" eaLnBrk="1" latinLnBrk="0" hangingPunct="1">
-        <a:defRPr sz="1800" kern="1200">
+      <a:lvl5pPr marL="1244864" algn="l" defTabSz="311216" rtl="0" eaLnBrk="1" latinLnBrk="0" hangingPunct="1">
+        <a:defRPr sz="1225" kern="1200">
           <a:solidFill>
             <a:schemeClr val="tx1"/>
           </a:solidFill>
@@ -8076,8 +8016,8 @@
           <a:cs typeface="+mn-cs"/>
         </a:defRPr>
       </a:lvl5pPr>
-      <a:lvl6pPr marL="2286000" algn="l" defTabSz="457200" rtl="0" eaLnBrk="1" latinLnBrk="0" hangingPunct="1">
-        <a:defRPr sz="1800" kern="1200">
+      <a:lvl6pPr marL="1556080" algn="l" defTabSz="311216" rtl="0" eaLnBrk="1" latinLnBrk="0" hangingPunct="1">
+        <a:defRPr sz="1225" kern="1200">
           <a:solidFill>
             <a:schemeClr val="tx1"/>
           </a:solidFill>
@@ -8086,8 +8026,8 @@
           <a:cs typeface="+mn-cs"/>
         </a:defRPr>
       </a:lvl6pPr>
-      <a:lvl7pPr marL="2743200" algn="l" defTabSz="457200" rtl="0" eaLnBrk="1" latinLnBrk="0" hangingPunct="1">
-        <a:defRPr sz="1800" kern="1200">
+      <a:lvl7pPr marL="1867296" algn="l" defTabSz="311216" rtl="0" eaLnBrk="1" latinLnBrk="0" hangingPunct="1">
+        <a:defRPr sz="1225" kern="1200">
           <a:solidFill>
             <a:schemeClr val="tx1"/>
           </a:solidFill>
@@ -8096,8 +8036,8 @@
           <a:cs typeface="+mn-cs"/>
         </a:defRPr>
       </a:lvl7pPr>
-      <a:lvl8pPr marL="3200400" algn="l" defTabSz="457200" rtl="0" eaLnBrk="1" latinLnBrk="0" hangingPunct="1">
-        <a:defRPr sz="1800" kern="1200">
+      <a:lvl8pPr marL="2178512" algn="l" defTabSz="311216" rtl="0" eaLnBrk="1" latinLnBrk="0" hangingPunct="1">
+        <a:defRPr sz="1225" kern="1200">
           <a:solidFill>
             <a:schemeClr val="tx1"/>
           </a:solidFill>
@@ -8106,8 +8046,8 @@
           <a:cs typeface="+mn-cs"/>
         </a:defRPr>
       </a:lvl8pPr>
-      <a:lvl9pPr marL="3657600" algn="l" defTabSz="457200" rtl="0" eaLnBrk="1" latinLnBrk="0" hangingPunct="1">
-        <a:defRPr sz="1800" kern="1200">
+      <a:lvl9pPr marL="2489728" algn="l" defTabSz="311216" rtl="0" eaLnBrk="1" latinLnBrk="0" hangingPunct="1">
+        <a:defRPr sz="1225" kern="1200">
           <a:solidFill>
             <a:schemeClr val="tx1"/>
           </a:solidFill>
@@ -8162,8 +8102,8 @@
         </p:nvSpPr>
         <p:spPr bwMode="auto">
           <a:xfrm>
-            <a:off x="2227263" y="322263"/>
-            <a:ext cx="6697662" cy="1008062"/>
+            <a:off x="2021912" y="219355"/>
+            <a:ext cx="6080147" cy="686160"/>
           </a:xfrm>
           <a:prstGeom prst="rect">
             <a:avLst/>
@@ -8206,8 +8146,8 @@
         </p:nvSpPr>
         <p:spPr bwMode="auto">
           <a:xfrm>
-            <a:off x="504825" y="1618010"/>
-            <a:ext cx="9234488" cy="5938490"/>
+            <a:off x="458281" y="1101335"/>
+            <a:ext cx="8383081" cy="4042165"/>
           </a:xfrm>
           <a:prstGeom prst="rect">
             <a:avLst/>
@@ -8286,8 +8226,8 @@
         </p:nvSpPr>
         <p:spPr bwMode="auto">
           <a:xfrm>
-            <a:off x="9110663" y="7137400"/>
-            <a:ext cx="355600" cy="342900"/>
+            <a:off x="8270672" y="4858230"/>
+            <a:ext cx="322814" cy="233403"/>
           </a:xfrm>
           <a:prstGeom prst="rect">
             <a:avLst/>
@@ -8309,7 +8249,7 @@
           </a:bodyPr>
           <a:lstStyle>
             <a:lvl1pPr algn="ctr">
-              <a:defRPr sz="1600" b="1">
+              <a:defRPr sz="1089" b="1">
                 <a:solidFill>
                   <a:schemeClr val="tx1"/>
                 </a:solidFill>
@@ -8346,7 +8286,7 @@
     <p:sldLayoutId id="2147483674" r:id="rId10"/>
     <p:sldLayoutId id="2147483675" r:id="rId11"/>
   </p:sldLayoutIdLst>
-  <p:transition xmlns:p14="http://schemas.microsoft.com/office/powerpoint/2010/main"/>
+  <p:transition/>
   <p:hf hdr="0" ftr="0" dt="0"/>
   <p:txStyles>
     <p:titleStyle>
@@ -8360,7 +8300,7 @@
         <a:spcAft>
           <a:spcPct val="0"/>
         </a:spcAft>
-        <a:defRPr sz="3200">
+        <a:defRPr sz="2178">
           <a:solidFill>
             <a:srgbClr val="002060"/>
           </a:solidFill>
@@ -8380,7 +8320,7 @@
         <a:spcAft>
           <a:spcPct val="0"/>
         </a:spcAft>
-        <a:defRPr sz="3600">
+        <a:defRPr sz="2451">
           <a:solidFill>
             <a:srgbClr val="002060"/>
           </a:solidFill>
@@ -8400,7 +8340,7 @@
         <a:spcAft>
           <a:spcPct val="0"/>
         </a:spcAft>
-        <a:defRPr sz="3600">
+        <a:defRPr sz="2451">
           <a:solidFill>
             <a:srgbClr val="002060"/>
           </a:solidFill>
@@ -8420,7 +8360,7 @@
         <a:spcAft>
           <a:spcPct val="0"/>
         </a:spcAft>
-        <a:defRPr sz="3600">
+        <a:defRPr sz="2451">
           <a:solidFill>
             <a:srgbClr val="002060"/>
           </a:solidFill>
@@ -8440,7 +8380,7 @@
         <a:spcAft>
           <a:spcPct val="0"/>
         </a:spcAft>
-        <a:defRPr sz="3600">
+        <a:defRPr sz="2451">
           <a:solidFill>
             <a:srgbClr val="002060"/>
           </a:solidFill>
@@ -8450,7 +8390,7 @@
           <a:sym typeface="Arial Black" charset="0"/>
         </a:defRPr>
       </a:lvl5pPr>
-      <a:lvl6pPr marL="457200" algn="l" rtl="0" fontAlgn="base">
+      <a:lvl6pPr marL="311216" algn="l" rtl="0" fontAlgn="base">
         <a:lnSpc>
           <a:spcPct val="109000"/>
         </a:lnSpc>
@@ -8460,7 +8400,7 @@
         <a:spcAft>
           <a:spcPct val="0"/>
         </a:spcAft>
-        <a:defRPr sz="3600">
+        <a:defRPr sz="2451">
           <a:solidFill>
             <a:srgbClr val="002060"/>
           </a:solidFill>
@@ -8470,7 +8410,7 @@
           <a:sym typeface="Arial Black" charset="0"/>
         </a:defRPr>
       </a:lvl6pPr>
-      <a:lvl7pPr marL="914400" algn="l" rtl="0" fontAlgn="base">
+      <a:lvl7pPr marL="622432" algn="l" rtl="0" fontAlgn="base">
         <a:lnSpc>
           <a:spcPct val="109000"/>
         </a:lnSpc>
@@ -8480,7 +8420,7 @@
         <a:spcAft>
           <a:spcPct val="0"/>
         </a:spcAft>
-        <a:defRPr sz="3600">
+        <a:defRPr sz="2451">
           <a:solidFill>
             <a:srgbClr val="002060"/>
           </a:solidFill>
@@ -8490,7 +8430,7 @@
           <a:sym typeface="Arial Black" charset="0"/>
         </a:defRPr>
       </a:lvl7pPr>
-      <a:lvl8pPr marL="1371600" algn="l" rtl="0" fontAlgn="base">
+      <a:lvl8pPr marL="933648" algn="l" rtl="0" fontAlgn="base">
         <a:lnSpc>
           <a:spcPct val="109000"/>
         </a:lnSpc>
@@ -8500,7 +8440,7 @@
         <a:spcAft>
           <a:spcPct val="0"/>
         </a:spcAft>
-        <a:defRPr sz="3600">
+        <a:defRPr sz="2451">
           <a:solidFill>
             <a:srgbClr val="002060"/>
           </a:solidFill>
@@ -8510,7 +8450,7 @@
           <a:sym typeface="Arial Black" charset="0"/>
         </a:defRPr>
       </a:lvl8pPr>
-      <a:lvl9pPr marL="1828800" algn="l" rtl="0" fontAlgn="base">
+      <a:lvl9pPr marL="1244864" algn="l" rtl="0" fontAlgn="base">
         <a:lnSpc>
           <a:spcPct val="109000"/>
         </a:lnSpc>
@@ -8520,7 +8460,7 @@
         <a:spcAft>
           <a:spcPct val="0"/>
         </a:spcAft>
-        <a:defRPr sz="3600">
+        <a:defRPr sz="2451">
           <a:solidFill>
             <a:srgbClr val="002060"/>
           </a:solidFill>
@@ -8532,12 +8472,12 @@
       </a:lvl9pPr>
     </p:titleStyle>
     <p:bodyStyle>
-      <a:lvl1pPr marL="403225" indent="-303213" algn="l" rtl="0" eaLnBrk="0" fontAlgn="base" hangingPunct="0">
+      <a:lvl1pPr marL="274475" indent="-206397" algn="l" rtl="0" eaLnBrk="0" fontAlgn="base" hangingPunct="0">
         <a:lnSpc>
           <a:spcPct val="109000"/>
         </a:lnSpc>
         <a:spcBef>
-          <a:spcPts val="1500"/>
+          <a:spcPts val="1021"/>
         </a:spcBef>
         <a:spcAft>
           <a:spcPct val="0"/>
@@ -8548,7 +8488,7 @@
         <a:buSzPct val="100000"/>
         <a:buFont typeface="Arial Bold" charset="0"/>
         <a:buChar char="•"/>
-        <a:defRPr sz="2800">
+        <a:defRPr sz="1906">
           <a:solidFill>
             <a:srgbClr val="666666"/>
           </a:solidFill>
@@ -8558,12 +8498,12 @@
           <a:sym typeface="Arial Bold" charset="0"/>
         </a:defRPr>
       </a:lvl1pPr>
-      <a:lvl2pPr marL="814388" indent="-271463" algn="l" rtl="0" eaLnBrk="0" fontAlgn="base" hangingPunct="0">
+      <a:lvl2pPr marL="554354" indent="-184785" algn="l" rtl="0" eaLnBrk="0" fontAlgn="base" hangingPunct="0">
         <a:lnSpc>
           <a:spcPct val="109000"/>
         </a:lnSpc>
         <a:spcBef>
-          <a:spcPts val="1200"/>
+          <a:spcPts val="817"/>
         </a:spcBef>
         <a:spcAft>
           <a:spcPct val="0"/>
@@ -8574,7 +8514,7 @@
         <a:buSzPct val="44000"/>
         <a:buFont typeface="Wingdings" charset="2"/>
         <a:buChar char="u"/>
-        <a:defRPr sz="2600">
+        <a:defRPr sz="1770">
           <a:solidFill>
             <a:schemeClr val="tx1"/>
           </a:solidFill>
@@ -8584,12 +8524,12 @@
           <a:sym typeface="Arial Bold" charset="0"/>
         </a:defRPr>
       </a:lvl2pPr>
-      <a:lvl3pPr marL="1223963" indent="-201613" algn="l" rtl="0" eaLnBrk="0" fontAlgn="base" hangingPunct="0">
+      <a:lvl3pPr marL="833152" indent="-137238" algn="l" rtl="0" eaLnBrk="0" fontAlgn="base" hangingPunct="0">
         <a:lnSpc>
           <a:spcPct val="109000"/>
         </a:lnSpc>
         <a:spcBef>
-          <a:spcPts val="900"/>
+          <a:spcPts val="613"/>
         </a:spcBef>
         <a:spcAft>
           <a:spcPct val="0"/>
@@ -8600,7 +8540,7 @@
         <a:buSzPct val="100000"/>
         <a:buFont typeface="Arial" charset="0"/>
         <a:buChar char="•"/>
-        <a:defRPr sz="2400">
+        <a:defRPr sz="1634">
           <a:solidFill>
             <a:srgbClr val="000080"/>
           </a:solidFill>
@@ -8610,12 +8550,12 @@
           <a:sym typeface="Arial" charset="0"/>
         </a:defRPr>
       </a:lvl3pPr>
-      <a:lvl4pPr marL="1635125" indent="-198438" algn="l" rtl="0" eaLnBrk="0" fontAlgn="base" hangingPunct="0">
+      <a:lvl4pPr marL="1113030" indent="-135077" algn="l" rtl="0" eaLnBrk="0" fontAlgn="base" hangingPunct="0">
         <a:lnSpc>
           <a:spcPct val="109000"/>
         </a:lnSpc>
         <a:spcBef>
-          <a:spcPts val="600"/>
+          <a:spcPts val="408"/>
         </a:spcBef>
         <a:spcAft>
           <a:spcPct val="0"/>
@@ -8626,7 +8566,7 @@
         <a:buSzPct val="44000"/>
         <a:buFont typeface="Wingdings" charset="2"/>
         <a:buChar char="u"/>
-        <a:defRPr sz="2000">
+        <a:defRPr sz="1361">
           <a:solidFill>
             <a:srgbClr val="3C8C93"/>
           </a:solidFill>
@@ -8636,12 +8576,12 @@
           <a:sym typeface="Arial" charset="0"/>
         </a:defRPr>
       </a:lvl4pPr>
-      <a:lvl5pPr marL="2044700" indent="-200025" algn="l" rtl="0" eaLnBrk="0" fontAlgn="base" hangingPunct="0">
+      <a:lvl5pPr marL="1391827" indent="-136157" algn="l" rtl="0" eaLnBrk="0" fontAlgn="base" hangingPunct="0">
         <a:lnSpc>
           <a:spcPct val="109000"/>
         </a:lnSpc>
         <a:spcBef>
-          <a:spcPts val="300"/>
+          <a:spcPts val="204"/>
         </a:spcBef>
         <a:spcAft>
           <a:spcPct val="0"/>
@@ -8649,7 +8589,7 @@
         <a:buSzPct val="100000"/>
         <a:buFont typeface="Arial" charset="0"/>
         <a:buChar char="•"/>
-        <a:defRPr sz="2000">
+        <a:defRPr sz="1361">
           <a:solidFill>
             <a:schemeClr val="tx1"/>
           </a:solidFill>
@@ -8659,12 +8599,12 @@
           <a:sym typeface="Arial" charset="0"/>
         </a:defRPr>
       </a:lvl5pPr>
-      <a:lvl6pPr marL="2501900" indent="-200025" algn="l" rtl="0" fontAlgn="base">
+      <a:lvl6pPr marL="1703043" indent="-136157" algn="l" rtl="0" fontAlgn="base">
         <a:lnSpc>
           <a:spcPct val="109000"/>
         </a:lnSpc>
         <a:spcBef>
-          <a:spcPts val="300"/>
+          <a:spcPts val="204"/>
         </a:spcBef>
         <a:spcAft>
           <a:spcPct val="0"/>
@@ -8672,7 +8612,7 @@
         <a:buSzPct val="100000"/>
         <a:buFont typeface="Arial" charset="0"/>
         <a:buChar char="•"/>
-        <a:defRPr sz="2000">
+        <a:defRPr sz="1361">
           <a:solidFill>
             <a:schemeClr val="tx1"/>
           </a:solidFill>
@@ -8682,12 +8622,12 @@
           <a:sym typeface="Arial" charset="0"/>
         </a:defRPr>
       </a:lvl6pPr>
-      <a:lvl7pPr marL="2959100" indent="-200025" algn="l" rtl="0" fontAlgn="base">
+      <a:lvl7pPr marL="2014259" indent="-136157" algn="l" rtl="0" fontAlgn="base">
         <a:lnSpc>
           <a:spcPct val="109000"/>
         </a:lnSpc>
         <a:spcBef>
-          <a:spcPts val="300"/>
+          <a:spcPts val="204"/>
         </a:spcBef>
         <a:spcAft>
           <a:spcPct val="0"/>
@@ -8695,7 +8635,7 @@
         <a:buSzPct val="100000"/>
         <a:buFont typeface="Arial" charset="0"/>
         <a:buChar char="•"/>
-        <a:defRPr sz="2000">
+        <a:defRPr sz="1361">
           <a:solidFill>
             <a:schemeClr val="tx1"/>
           </a:solidFill>
@@ -8705,12 +8645,12 @@
           <a:sym typeface="Arial" charset="0"/>
         </a:defRPr>
       </a:lvl7pPr>
-      <a:lvl8pPr marL="3416300" indent="-200025" algn="l" rtl="0" fontAlgn="base">
+      <a:lvl8pPr marL="2325475" indent="-136157" algn="l" rtl="0" fontAlgn="base">
         <a:lnSpc>
           <a:spcPct val="109000"/>
         </a:lnSpc>
         <a:spcBef>
-          <a:spcPts val="300"/>
+          <a:spcPts val="204"/>
         </a:spcBef>
         <a:spcAft>
           <a:spcPct val="0"/>
@@ -8718,7 +8658,7 @@
         <a:buSzPct val="100000"/>
         <a:buFont typeface="Arial" charset="0"/>
         <a:buChar char="•"/>
-        <a:defRPr sz="2000">
+        <a:defRPr sz="1361">
           <a:solidFill>
             <a:schemeClr val="tx1"/>
           </a:solidFill>
@@ -8728,12 +8668,12 @@
           <a:sym typeface="Arial" charset="0"/>
         </a:defRPr>
       </a:lvl8pPr>
-      <a:lvl9pPr marL="3873500" indent="-200025" algn="l" rtl="0" fontAlgn="base">
+      <a:lvl9pPr marL="2636691" indent="-136157" algn="l" rtl="0" fontAlgn="base">
         <a:lnSpc>
           <a:spcPct val="109000"/>
         </a:lnSpc>
         <a:spcBef>
-          <a:spcPts val="300"/>
+          <a:spcPts val="204"/>
         </a:spcBef>
         <a:spcAft>
           <a:spcPct val="0"/>
@@ -8741,7 +8681,7 @@
         <a:buSzPct val="100000"/>
         <a:buFont typeface="Arial" charset="0"/>
         <a:buChar char="•"/>
-        <a:defRPr sz="2000">
+        <a:defRPr sz="1361">
           <a:solidFill>
             <a:schemeClr val="tx1"/>
           </a:solidFill>
@@ -8756,8 +8696,8 @@
       <a:defPPr>
         <a:defRPr lang="es-ES_tradnl"/>
       </a:defPPr>
-      <a:lvl1pPr marL="0" algn="l" defTabSz="457200" rtl="0" eaLnBrk="1" latinLnBrk="0" hangingPunct="1">
-        <a:defRPr sz="1800" kern="1200">
+      <a:lvl1pPr marL="0" algn="l" defTabSz="311216" rtl="0" eaLnBrk="1" latinLnBrk="0" hangingPunct="1">
+        <a:defRPr sz="1225" kern="1200">
           <a:solidFill>
             <a:schemeClr val="tx1"/>
           </a:solidFill>
@@ -8766,8 +8706,8 @@
           <a:cs typeface="+mn-cs"/>
         </a:defRPr>
       </a:lvl1pPr>
-      <a:lvl2pPr marL="457200" algn="l" defTabSz="457200" rtl="0" eaLnBrk="1" latinLnBrk="0" hangingPunct="1">
-        <a:defRPr sz="1800" kern="1200">
+      <a:lvl2pPr marL="311216" algn="l" defTabSz="311216" rtl="0" eaLnBrk="1" latinLnBrk="0" hangingPunct="1">
+        <a:defRPr sz="1225" kern="1200">
           <a:solidFill>
             <a:schemeClr val="tx1"/>
           </a:solidFill>
@@ -8776,8 +8716,8 @@
           <a:cs typeface="+mn-cs"/>
         </a:defRPr>
       </a:lvl2pPr>
-      <a:lvl3pPr marL="914400" algn="l" defTabSz="457200" rtl="0" eaLnBrk="1" latinLnBrk="0" hangingPunct="1">
-        <a:defRPr sz="1800" kern="1200">
+      <a:lvl3pPr marL="622432" algn="l" defTabSz="311216" rtl="0" eaLnBrk="1" latinLnBrk="0" hangingPunct="1">
+        <a:defRPr sz="1225" kern="1200">
           <a:solidFill>
             <a:schemeClr val="tx1"/>
           </a:solidFill>
@@ -8786,8 +8726,8 @@
           <a:cs typeface="+mn-cs"/>
         </a:defRPr>
       </a:lvl3pPr>
-      <a:lvl4pPr marL="1371600" algn="l" defTabSz="457200" rtl="0" eaLnBrk="1" latinLnBrk="0" hangingPunct="1">
-        <a:defRPr sz="1800" kern="1200">
+      <a:lvl4pPr marL="933648" algn="l" defTabSz="311216" rtl="0" eaLnBrk="1" latinLnBrk="0" hangingPunct="1">
+        <a:defRPr sz="1225" kern="1200">
           <a:solidFill>
             <a:schemeClr val="tx1"/>
           </a:solidFill>
@@ -8796,8 +8736,8 @@
           <a:cs typeface="+mn-cs"/>
         </a:defRPr>
       </a:lvl4pPr>
-      <a:lvl5pPr marL="1828800" algn="l" defTabSz="457200" rtl="0" eaLnBrk="1" latinLnBrk="0" hangingPunct="1">
-        <a:defRPr sz="1800" kern="1200">
+      <a:lvl5pPr marL="1244864" algn="l" defTabSz="311216" rtl="0" eaLnBrk="1" latinLnBrk="0" hangingPunct="1">
+        <a:defRPr sz="1225" kern="1200">
           <a:solidFill>
             <a:schemeClr val="tx1"/>
           </a:solidFill>
@@ -8806,8 +8746,8 @@
           <a:cs typeface="+mn-cs"/>
         </a:defRPr>
       </a:lvl5pPr>
-      <a:lvl6pPr marL="2286000" algn="l" defTabSz="457200" rtl="0" eaLnBrk="1" latinLnBrk="0" hangingPunct="1">
-        <a:defRPr sz="1800" kern="1200">
+      <a:lvl6pPr marL="1556080" algn="l" defTabSz="311216" rtl="0" eaLnBrk="1" latinLnBrk="0" hangingPunct="1">
+        <a:defRPr sz="1225" kern="1200">
           <a:solidFill>
             <a:schemeClr val="tx1"/>
           </a:solidFill>
@@ -8816,8 +8756,8 @@
           <a:cs typeface="+mn-cs"/>
         </a:defRPr>
       </a:lvl6pPr>
-      <a:lvl7pPr marL="2743200" algn="l" defTabSz="457200" rtl="0" eaLnBrk="1" latinLnBrk="0" hangingPunct="1">
-        <a:defRPr sz="1800" kern="1200">
+      <a:lvl7pPr marL="1867296" algn="l" defTabSz="311216" rtl="0" eaLnBrk="1" latinLnBrk="0" hangingPunct="1">
+        <a:defRPr sz="1225" kern="1200">
           <a:solidFill>
             <a:schemeClr val="tx1"/>
           </a:solidFill>
@@ -8826,8 +8766,8 @@
           <a:cs typeface="+mn-cs"/>
         </a:defRPr>
       </a:lvl7pPr>
-      <a:lvl8pPr marL="3200400" algn="l" defTabSz="457200" rtl="0" eaLnBrk="1" latinLnBrk="0" hangingPunct="1">
-        <a:defRPr sz="1800" kern="1200">
+      <a:lvl8pPr marL="2178512" algn="l" defTabSz="311216" rtl="0" eaLnBrk="1" latinLnBrk="0" hangingPunct="1">
+        <a:defRPr sz="1225" kern="1200">
           <a:solidFill>
             <a:schemeClr val="tx1"/>
           </a:solidFill>
@@ -8836,8 +8776,8 @@
           <a:cs typeface="+mn-cs"/>
         </a:defRPr>
       </a:lvl8pPr>
-      <a:lvl9pPr marL="3657600" algn="l" defTabSz="457200" rtl="0" eaLnBrk="1" latinLnBrk="0" hangingPunct="1">
-        <a:defRPr sz="1800" kern="1200">
+      <a:lvl9pPr marL="2489728" algn="l" defTabSz="311216" rtl="0" eaLnBrk="1" latinLnBrk="0" hangingPunct="1">
+        <a:defRPr sz="1225" kern="1200">
           <a:solidFill>
             <a:schemeClr val="tx1"/>
           </a:solidFill>
@@ -8892,8 +8832,8 @@
         </p:nvSpPr>
         <p:spPr bwMode="auto">
           <a:xfrm>
-            <a:off x="977900" y="5524500"/>
-            <a:ext cx="8104188" cy="2035175"/>
+            <a:off x="887739" y="3760374"/>
+            <a:ext cx="7356993" cy="1385287"/>
           </a:xfrm>
           <a:prstGeom prst="rect">
             <a:avLst/>
@@ -8972,8 +8912,8 @@
         </p:nvSpPr>
         <p:spPr bwMode="auto">
           <a:xfrm>
-            <a:off x="977900" y="0"/>
-            <a:ext cx="8104188" cy="5408613"/>
+            <a:off x="887739" y="0"/>
+            <a:ext cx="7356993" cy="3681493"/>
           </a:xfrm>
           <a:prstGeom prst="rect">
             <a:avLst/>
@@ -9020,7 +8960,7 @@
     <p:sldLayoutId id="2147483685" r:id="rId10"/>
     <p:sldLayoutId id="2147483686" r:id="rId11"/>
   </p:sldLayoutIdLst>
-  <p:transition xmlns:p14="http://schemas.microsoft.com/office/powerpoint/2010/main"/>
+  <p:transition/>
   <p:txStyles>
     <p:titleStyle>
       <a:lvl1pPr algn="ctr" rtl="0" eaLnBrk="0" fontAlgn="base" hangingPunct="0">
@@ -9030,7 +8970,7 @@
         <a:spcAft>
           <a:spcPct val="0"/>
         </a:spcAft>
-        <a:defRPr sz="4600">
+        <a:defRPr sz="3131">
           <a:solidFill>
             <a:schemeClr val="tx1"/>
           </a:solidFill>
@@ -9047,7 +8987,7 @@
         <a:spcAft>
           <a:spcPct val="0"/>
         </a:spcAft>
-        <a:defRPr sz="4600">
+        <a:defRPr sz="3131">
           <a:solidFill>
             <a:schemeClr val="tx1"/>
           </a:solidFill>
@@ -9064,7 +9004,7 @@
         <a:spcAft>
           <a:spcPct val="0"/>
         </a:spcAft>
-        <a:defRPr sz="4600">
+        <a:defRPr sz="3131">
           <a:solidFill>
             <a:schemeClr val="tx1"/>
           </a:solidFill>
@@ -9081,7 +9021,7 @@
         <a:spcAft>
           <a:spcPct val="0"/>
         </a:spcAft>
-        <a:defRPr sz="4600">
+        <a:defRPr sz="3131">
           <a:solidFill>
             <a:schemeClr val="tx1"/>
           </a:solidFill>
@@ -9098,7 +9038,7 @@
         <a:spcAft>
           <a:spcPct val="0"/>
         </a:spcAft>
-        <a:defRPr sz="4600">
+        <a:defRPr sz="3131">
           <a:solidFill>
             <a:schemeClr val="tx1"/>
           </a:solidFill>
@@ -9108,14 +9048,14 @@
           <a:sym typeface="Arial Bold" charset="0"/>
         </a:defRPr>
       </a:lvl5pPr>
-      <a:lvl6pPr marL="457200" algn="ctr" rtl="0" fontAlgn="base">
+      <a:lvl6pPr marL="311216" algn="ctr" rtl="0" fontAlgn="base">
         <a:spcBef>
           <a:spcPct val="0"/>
         </a:spcBef>
         <a:spcAft>
           <a:spcPct val="0"/>
         </a:spcAft>
-        <a:defRPr sz="4600">
+        <a:defRPr sz="3131">
           <a:solidFill>
             <a:schemeClr val="tx1"/>
           </a:solidFill>
@@ -9125,14 +9065,14 @@
           <a:sym typeface="Arial Bold" charset="0"/>
         </a:defRPr>
       </a:lvl6pPr>
-      <a:lvl7pPr marL="914400" algn="ctr" rtl="0" fontAlgn="base">
+      <a:lvl7pPr marL="622432" algn="ctr" rtl="0" fontAlgn="base">
         <a:spcBef>
           <a:spcPct val="0"/>
         </a:spcBef>
         <a:spcAft>
           <a:spcPct val="0"/>
         </a:spcAft>
-        <a:defRPr sz="4600">
+        <a:defRPr sz="3131">
           <a:solidFill>
             <a:schemeClr val="tx1"/>
           </a:solidFill>
@@ -9142,14 +9082,14 @@
           <a:sym typeface="Arial Bold" charset="0"/>
         </a:defRPr>
       </a:lvl7pPr>
-      <a:lvl8pPr marL="1371600" algn="ctr" rtl="0" fontAlgn="base">
+      <a:lvl8pPr marL="933648" algn="ctr" rtl="0" fontAlgn="base">
         <a:spcBef>
           <a:spcPct val="0"/>
         </a:spcBef>
         <a:spcAft>
           <a:spcPct val="0"/>
         </a:spcAft>
-        <a:defRPr sz="4600">
+        <a:defRPr sz="3131">
           <a:solidFill>
             <a:schemeClr val="tx1"/>
           </a:solidFill>
@@ -9159,14 +9099,14 @@
           <a:sym typeface="Arial Bold" charset="0"/>
         </a:defRPr>
       </a:lvl8pPr>
-      <a:lvl9pPr marL="1828800" algn="ctr" rtl="0" fontAlgn="base">
+      <a:lvl9pPr marL="1244864" algn="ctr" rtl="0" fontAlgn="base">
         <a:spcBef>
           <a:spcPct val="0"/>
         </a:spcBef>
         <a:spcAft>
           <a:spcPct val="0"/>
         </a:spcAft>
-        <a:defRPr sz="4600">
+        <a:defRPr sz="3131">
           <a:solidFill>
             <a:schemeClr val="tx1"/>
           </a:solidFill>
@@ -9178,14 +9118,14 @@
       </a:lvl9pPr>
     </p:titleStyle>
     <p:bodyStyle>
-      <a:lvl1pPr marL="342900" indent="-342900" algn="ctr" rtl="0" eaLnBrk="0" fontAlgn="base" hangingPunct="0">
+      <a:lvl1pPr marL="233412" indent="-233412" algn="ctr" rtl="0" eaLnBrk="0" fontAlgn="base" hangingPunct="0">
         <a:spcBef>
           <a:spcPct val="0"/>
         </a:spcBef>
         <a:spcAft>
           <a:spcPct val="0"/>
         </a:spcAft>
-        <a:defRPr sz="1600">
+        <a:defRPr sz="1089">
           <a:solidFill>
             <a:srgbClr val="E6E6E6"/>
           </a:solidFill>
@@ -9195,14 +9135,14 @@
           <a:sym typeface="Gill Sans" charset="0"/>
         </a:defRPr>
       </a:lvl1pPr>
-      <a:lvl2pPr marL="304800" indent="152400" algn="ctr" rtl="0" eaLnBrk="0" fontAlgn="base" hangingPunct="0">
+      <a:lvl2pPr marL="207477" indent="103739" algn="ctr" rtl="0" eaLnBrk="0" fontAlgn="base" hangingPunct="0">
         <a:spcBef>
           <a:spcPct val="0"/>
         </a:spcBef>
         <a:spcAft>
           <a:spcPct val="0"/>
         </a:spcAft>
-        <a:defRPr sz="1600">
+        <a:defRPr sz="1089">
           <a:solidFill>
             <a:srgbClr val="E6E6E6"/>
           </a:solidFill>
@@ -9212,14 +9152,14 @@
           <a:sym typeface="Gill Sans" charset="0"/>
         </a:defRPr>
       </a:lvl2pPr>
-      <a:lvl3pPr marL="660400" indent="254000" algn="ctr" rtl="0" eaLnBrk="0" fontAlgn="base" hangingPunct="0">
+      <a:lvl3pPr marL="449534" indent="172898" algn="ctr" rtl="0" eaLnBrk="0" fontAlgn="base" hangingPunct="0">
         <a:spcBef>
           <a:spcPct val="0"/>
         </a:spcBef>
         <a:spcAft>
           <a:spcPct val="0"/>
         </a:spcAft>
-        <a:defRPr sz="1600">
+        <a:defRPr sz="1089">
           <a:solidFill>
             <a:srgbClr val="E6E6E6"/>
           </a:solidFill>
@@ -9229,14 +9169,14 @@
           <a:sym typeface="Gill Sans" charset="0"/>
         </a:defRPr>
       </a:lvl3pPr>
-      <a:lvl4pPr marL="1016000" indent="355600" algn="ctr" rtl="0" eaLnBrk="0" fontAlgn="base" hangingPunct="0">
+      <a:lvl4pPr marL="691591" indent="242057" algn="ctr" rtl="0" eaLnBrk="0" fontAlgn="base" hangingPunct="0">
         <a:spcBef>
           <a:spcPct val="0"/>
         </a:spcBef>
         <a:spcAft>
           <a:spcPct val="0"/>
         </a:spcAft>
-        <a:defRPr sz="1600">
+        <a:defRPr sz="1089">
           <a:solidFill>
             <a:srgbClr val="E6E6E6"/>
           </a:solidFill>
@@ -9246,14 +9186,14 @@
           <a:sym typeface="Gill Sans" charset="0"/>
         </a:defRPr>
       </a:lvl4pPr>
-      <a:lvl5pPr marL="1358900" indent="469900" algn="ctr" rtl="0" eaLnBrk="0" fontAlgn="base" hangingPunct="0">
+      <a:lvl5pPr marL="925003" indent="319861" algn="ctr" rtl="0" eaLnBrk="0" fontAlgn="base" hangingPunct="0">
         <a:spcBef>
           <a:spcPct val="0"/>
         </a:spcBef>
         <a:spcAft>
           <a:spcPct val="0"/>
         </a:spcAft>
-        <a:defRPr sz="1600">
+        <a:defRPr sz="1089">
           <a:solidFill>
             <a:srgbClr val="E6E6E6"/>
           </a:solidFill>
@@ -9263,14 +9203,14 @@
           <a:sym typeface="Gill Sans" charset="0"/>
         </a:defRPr>
       </a:lvl5pPr>
-      <a:lvl6pPr marL="1816100" algn="ctr" rtl="0" fontAlgn="base">
+      <a:lvl6pPr marL="1236219" algn="ctr" rtl="0" fontAlgn="base">
         <a:spcBef>
           <a:spcPct val="0"/>
         </a:spcBef>
         <a:spcAft>
           <a:spcPct val="0"/>
         </a:spcAft>
-        <a:defRPr sz="1600">
+        <a:defRPr sz="1089">
           <a:solidFill>
             <a:srgbClr val="E6E6E6"/>
           </a:solidFill>
@@ -9280,14 +9220,14 @@
           <a:sym typeface="Gill Sans" charset="0"/>
         </a:defRPr>
       </a:lvl6pPr>
-      <a:lvl7pPr marL="2273300" algn="ctr" rtl="0" fontAlgn="base">
+      <a:lvl7pPr marL="1547435" algn="ctr" rtl="0" fontAlgn="base">
         <a:spcBef>
           <a:spcPct val="0"/>
         </a:spcBef>
         <a:spcAft>
           <a:spcPct val="0"/>
         </a:spcAft>
-        <a:defRPr sz="1600">
+        <a:defRPr sz="1089">
           <a:solidFill>
             <a:srgbClr val="E6E6E6"/>
           </a:solidFill>
@@ -9297,14 +9237,14 @@
           <a:sym typeface="Gill Sans" charset="0"/>
         </a:defRPr>
       </a:lvl7pPr>
-      <a:lvl8pPr marL="2730500" algn="ctr" rtl="0" fontAlgn="base">
+      <a:lvl8pPr marL="1858651" algn="ctr" rtl="0" fontAlgn="base">
         <a:spcBef>
           <a:spcPct val="0"/>
         </a:spcBef>
         <a:spcAft>
           <a:spcPct val="0"/>
         </a:spcAft>
-        <a:defRPr sz="1600">
+        <a:defRPr sz="1089">
           <a:solidFill>
             <a:srgbClr val="E6E6E6"/>
           </a:solidFill>
@@ -9314,14 +9254,14 @@
           <a:sym typeface="Gill Sans" charset="0"/>
         </a:defRPr>
       </a:lvl8pPr>
-      <a:lvl9pPr marL="3187700" algn="ctr" rtl="0" fontAlgn="base">
+      <a:lvl9pPr marL="2169867" algn="ctr" rtl="0" fontAlgn="base">
         <a:spcBef>
           <a:spcPct val="0"/>
         </a:spcBef>
         <a:spcAft>
           <a:spcPct val="0"/>
         </a:spcAft>
-        <a:defRPr sz="1600">
+        <a:defRPr sz="1089">
           <a:solidFill>
             <a:srgbClr val="E6E6E6"/>
           </a:solidFill>
@@ -9336,8 +9276,8 @@
       <a:defPPr>
         <a:defRPr lang="es-ES_tradnl"/>
       </a:defPPr>
-      <a:lvl1pPr marL="0" algn="l" defTabSz="457200" rtl="0" eaLnBrk="1" latinLnBrk="0" hangingPunct="1">
-        <a:defRPr sz="1800" kern="1200">
+      <a:lvl1pPr marL="0" algn="l" defTabSz="311216" rtl="0" eaLnBrk="1" latinLnBrk="0" hangingPunct="1">
+        <a:defRPr sz="1225" kern="1200">
           <a:solidFill>
             <a:schemeClr val="tx1"/>
           </a:solidFill>
@@ -9346,8 +9286,8 @@
           <a:cs typeface="+mn-cs"/>
         </a:defRPr>
       </a:lvl1pPr>
-      <a:lvl2pPr marL="457200" algn="l" defTabSz="457200" rtl="0" eaLnBrk="1" latinLnBrk="0" hangingPunct="1">
-        <a:defRPr sz="1800" kern="1200">
+      <a:lvl2pPr marL="311216" algn="l" defTabSz="311216" rtl="0" eaLnBrk="1" latinLnBrk="0" hangingPunct="1">
+        <a:defRPr sz="1225" kern="1200">
           <a:solidFill>
             <a:schemeClr val="tx1"/>
           </a:solidFill>
@@ -9356,8 +9296,8 @@
           <a:cs typeface="+mn-cs"/>
         </a:defRPr>
       </a:lvl2pPr>
-      <a:lvl3pPr marL="914400" algn="l" defTabSz="457200" rtl="0" eaLnBrk="1" latinLnBrk="0" hangingPunct="1">
-        <a:defRPr sz="1800" kern="1200">
+      <a:lvl3pPr marL="622432" algn="l" defTabSz="311216" rtl="0" eaLnBrk="1" latinLnBrk="0" hangingPunct="1">
+        <a:defRPr sz="1225" kern="1200">
           <a:solidFill>
             <a:schemeClr val="tx1"/>
           </a:solidFill>
@@ -9366,8 +9306,8 @@
           <a:cs typeface="+mn-cs"/>
         </a:defRPr>
       </a:lvl3pPr>
-      <a:lvl4pPr marL="1371600" algn="l" defTabSz="457200" rtl="0" eaLnBrk="1" latinLnBrk="0" hangingPunct="1">
-        <a:defRPr sz="1800" kern="1200">
+      <a:lvl4pPr marL="933648" algn="l" defTabSz="311216" rtl="0" eaLnBrk="1" latinLnBrk="0" hangingPunct="1">
+        <a:defRPr sz="1225" kern="1200">
           <a:solidFill>
             <a:schemeClr val="tx1"/>
           </a:solidFill>
@@ -9376,8 +9316,8 @@
           <a:cs typeface="+mn-cs"/>
         </a:defRPr>
       </a:lvl4pPr>
-      <a:lvl5pPr marL="1828800" algn="l" defTabSz="457200" rtl="0" eaLnBrk="1" latinLnBrk="0" hangingPunct="1">
-        <a:defRPr sz="1800" kern="1200">
+      <a:lvl5pPr marL="1244864" algn="l" defTabSz="311216" rtl="0" eaLnBrk="1" latinLnBrk="0" hangingPunct="1">
+        <a:defRPr sz="1225" kern="1200">
           <a:solidFill>
             <a:schemeClr val="tx1"/>
           </a:solidFill>
@@ -9386,8 +9326,8 @@
           <a:cs typeface="+mn-cs"/>
         </a:defRPr>
       </a:lvl5pPr>
-      <a:lvl6pPr marL="2286000" algn="l" defTabSz="457200" rtl="0" eaLnBrk="1" latinLnBrk="0" hangingPunct="1">
-        <a:defRPr sz="1800" kern="1200">
+      <a:lvl6pPr marL="1556080" algn="l" defTabSz="311216" rtl="0" eaLnBrk="1" latinLnBrk="0" hangingPunct="1">
+        <a:defRPr sz="1225" kern="1200">
           <a:solidFill>
             <a:schemeClr val="tx1"/>
           </a:solidFill>
@@ -9396,8 +9336,8 @@
           <a:cs typeface="+mn-cs"/>
         </a:defRPr>
       </a:lvl6pPr>
-      <a:lvl7pPr marL="2743200" algn="l" defTabSz="457200" rtl="0" eaLnBrk="1" latinLnBrk="0" hangingPunct="1">
-        <a:defRPr sz="1800" kern="1200">
+      <a:lvl7pPr marL="1867296" algn="l" defTabSz="311216" rtl="0" eaLnBrk="1" latinLnBrk="0" hangingPunct="1">
+        <a:defRPr sz="1225" kern="1200">
           <a:solidFill>
             <a:schemeClr val="tx1"/>
           </a:solidFill>
@@ -9406,8 +9346,8 @@
           <a:cs typeface="+mn-cs"/>
         </a:defRPr>
       </a:lvl7pPr>
-      <a:lvl8pPr marL="3200400" algn="l" defTabSz="457200" rtl="0" eaLnBrk="1" latinLnBrk="0" hangingPunct="1">
-        <a:defRPr sz="1800" kern="1200">
+      <a:lvl8pPr marL="2178512" algn="l" defTabSz="311216" rtl="0" eaLnBrk="1" latinLnBrk="0" hangingPunct="1">
+        <a:defRPr sz="1225" kern="1200">
           <a:solidFill>
             <a:schemeClr val="tx1"/>
           </a:solidFill>
@@ -9416,8 +9356,8 @@
           <a:cs typeface="+mn-cs"/>
         </a:defRPr>
       </a:lvl8pPr>
-      <a:lvl9pPr marL="3657600" algn="l" defTabSz="457200" rtl="0" eaLnBrk="1" latinLnBrk="0" hangingPunct="1">
-        <a:defRPr sz="1800" kern="1200">
+      <a:lvl9pPr marL="2489728" algn="l" defTabSz="311216" rtl="0" eaLnBrk="1" latinLnBrk="0" hangingPunct="1">
+        <a:defRPr sz="1225" kern="1200">
           <a:solidFill>
             <a:schemeClr val="tx1"/>
           </a:solidFill>
@@ -9472,8 +9412,8 @@
         </p:nvSpPr>
         <p:spPr bwMode="auto">
           <a:xfrm>
-            <a:off x="2251075" y="0"/>
-            <a:ext cx="7554913" cy="2044700"/>
+            <a:off x="2043530" y="0"/>
+            <a:ext cx="6858360" cy="1391771"/>
           </a:xfrm>
           <a:prstGeom prst="rect">
             <a:avLst/>
@@ -9516,8 +9456,8 @@
         </p:nvSpPr>
         <p:spPr bwMode="auto">
           <a:xfrm>
-            <a:off x="504825" y="2097088"/>
-            <a:ext cx="9221788" cy="5461000"/>
+            <a:off x="458281" y="1427430"/>
+            <a:ext cx="8371552" cy="3717151"/>
           </a:xfrm>
           <a:prstGeom prst="rect">
             <a:avLst/>
@@ -9600,7 +9540,7 @@
     <p:sldLayoutId id="2147483707" r:id="rId10"/>
     <p:sldLayoutId id="2147483708" r:id="rId11"/>
   </p:sldLayoutIdLst>
-  <p:transition xmlns:p14="http://schemas.microsoft.com/office/powerpoint/2010/main"/>
+  <p:transition/>
   <p:txStyles>
     <p:titleStyle>
       <a:lvl1pPr algn="l" rtl="0" eaLnBrk="0" fontAlgn="base" hangingPunct="0">
@@ -9613,7 +9553,7 @@
         <a:spcAft>
           <a:spcPct val="0"/>
         </a:spcAft>
-        <a:defRPr sz="2800">
+        <a:defRPr sz="1906">
           <a:solidFill>
             <a:srgbClr val="002060"/>
           </a:solidFill>
@@ -9633,7 +9573,7 @@
         <a:spcAft>
           <a:spcPct val="0"/>
         </a:spcAft>
-        <a:defRPr sz="2800">
+        <a:defRPr sz="1906">
           <a:solidFill>
             <a:srgbClr val="002060"/>
           </a:solidFill>
@@ -9653,7 +9593,7 @@
         <a:spcAft>
           <a:spcPct val="0"/>
         </a:spcAft>
-        <a:defRPr sz="2800">
+        <a:defRPr sz="1906">
           <a:solidFill>
             <a:srgbClr val="002060"/>
           </a:solidFill>
@@ -9673,7 +9613,7 @@
         <a:spcAft>
           <a:spcPct val="0"/>
         </a:spcAft>
-        <a:defRPr sz="2800">
+        <a:defRPr sz="1906">
           <a:solidFill>
             <a:srgbClr val="002060"/>
           </a:solidFill>
@@ -9693,7 +9633,7 @@
         <a:spcAft>
           <a:spcPct val="0"/>
         </a:spcAft>
-        <a:defRPr sz="2800">
+        <a:defRPr sz="1906">
           <a:solidFill>
             <a:srgbClr val="002060"/>
           </a:solidFill>
@@ -9703,7 +9643,7 @@
           <a:sym typeface="Arial Black" charset="0"/>
         </a:defRPr>
       </a:lvl5pPr>
-      <a:lvl6pPr marL="457200" algn="l" rtl="0" fontAlgn="base">
+      <a:lvl6pPr marL="311216" algn="l" rtl="0" fontAlgn="base">
         <a:lnSpc>
           <a:spcPct val="128000"/>
         </a:lnSpc>
@@ -9713,7 +9653,7 @@
         <a:spcAft>
           <a:spcPct val="0"/>
         </a:spcAft>
-        <a:defRPr sz="2800">
+        <a:defRPr sz="1906">
           <a:solidFill>
             <a:srgbClr val="002060"/>
           </a:solidFill>
@@ -9723,7 +9663,7 @@
           <a:sym typeface="Arial Black" charset="0"/>
         </a:defRPr>
       </a:lvl6pPr>
-      <a:lvl7pPr marL="914400" algn="l" rtl="0" fontAlgn="base">
+      <a:lvl7pPr marL="622432" algn="l" rtl="0" fontAlgn="base">
         <a:lnSpc>
           <a:spcPct val="128000"/>
         </a:lnSpc>
@@ -9733,7 +9673,7 @@
         <a:spcAft>
           <a:spcPct val="0"/>
         </a:spcAft>
-        <a:defRPr sz="2800">
+        <a:defRPr sz="1906">
           <a:solidFill>
             <a:srgbClr val="002060"/>
           </a:solidFill>
@@ -9743,7 +9683,7 @@
           <a:sym typeface="Arial Black" charset="0"/>
         </a:defRPr>
       </a:lvl7pPr>
-      <a:lvl8pPr marL="1371600" algn="l" rtl="0" fontAlgn="base">
+      <a:lvl8pPr marL="933648" algn="l" rtl="0" fontAlgn="base">
         <a:lnSpc>
           <a:spcPct val="128000"/>
         </a:lnSpc>
@@ -9753,7 +9693,7 @@
         <a:spcAft>
           <a:spcPct val="0"/>
         </a:spcAft>
-        <a:defRPr sz="2800">
+        <a:defRPr sz="1906">
           <a:solidFill>
             <a:srgbClr val="002060"/>
           </a:solidFill>
@@ -9763,7 +9703,7 @@
           <a:sym typeface="Arial Black" charset="0"/>
         </a:defRPr>
       </a:lvl8pPr>
-      <a:lvl9pPr marL="1828800" algn="l" rtl="0" fontAlgn="base">
+      <a:lvl9pPr marL="1244864" algn="l" rtl="0" fontAlgn="base">
         <a:lnSpc>
           <a:spcPct val="128000"/>
         </a:lnSpc>
@@ -9773,7 +9713,7 @@
         <a:spcAft>
           <a:spcPct val="0"/>
         </a:spcAft>
-        <a:defRPr sz="2800">
+        <a:defRPr sz="1906">
           <a:solidFill>
             <a:srgbClr val="002060"/>
           </a:solidFill>
@@ -9785,17 +9725,17 @@
       </a:lvl9pPr>
     </p:titleStyle>
     <p:bodyStyle>
-      <a:lvl1pPr marL="342900" indent="-342900" algn="l" rtl="0" eaLnBrk="0" fontAlgn="base" hangingPunct="0">
+      <a:lvl1pPr marL="233412" indent="-233412" algn="l" rtl="0" eaLnBrk="0" fontAlgn="base" hangingPunct="0">
         <a:lnSpc>
           <a:spcPct val="102000"/>
         </a:lnSpc>
         <a:spcBef>
-          <a:spcPts val="1400"/>
+          <a:spcPts val="953"/>
         </a:spcBef>
         <a:spcAft>
           <a:spcPct val="0"/>
         </a:spcAft>
-        <a:defRPr sz="2800">
+        <a:defRPr sz="1906">
           <a:solidFill>
             <a:srgbClr val="666666"/>
           </a:solidFill>
@@ -9805,17 +9745,17 @@
           <a:sym typeface="Arial Bold" charset="0"/>
         </a:defRPr>
       </a:lvl1pPr>
-      <a:lvl2pPr marL="457200" algn="l" rtl="0" eaLnBrk="0" fontAlgn="base" hangingPunct="0">
+      <a:lvl2pPr marL="311216" algn="l" rtl="0" eaLnBrk="0" fontAlgn="base" hangingPunct="0">
         <a:lnSpc>
           <a:spcPct val="102000"/>
         </a:lnSpc>
         <a:spcBef>
-          <a:spcPts val="1100"/>
+          <a:spcPts val="749"/>
         </a:spcBef>
         <a:spcAft>
           <a:spcPct val="0"/>
         </a:spcAft>
-        <a:defRPr sz="2600">
+        <a:defRPr sz="1770">
           <a:solidFill>
             <a:srgbClr val="000000"/>
           </a:solidFill>
@@ -9825,17 +9765,17 @@
           <a:sym typeface="Arial Bold" charset="0"/>
         </a:defRPr>
       </a:lvl2pPr>
-      <a:lvl3pPr marL="914400" algn="l" rtl="0" eaLnBrk="0" fontAlgn="base" hangingPunct="0">
+      <a:lvl3pPr marL="622432" algn="l" rtl="0" eaLnBrk="0" fontAlgn="base" hangingPunct="0">
         <a:lnSpc>
           <a:spcPct val="102000"/>
         </a:lnSpc>
         <a:spcBef>
-          <a:spcPts val="900"/>
+          <a:spcPts val="613"/>
         </a:spcBef>
         <a:spcAft>
           <a:spcPct val="0"/>
         </a:spcAft>
-        <a:defRPr sz="2400">
+        <a:defRPr sz="1634">
           <a:solidFill>
             <a:srgbClr val="000080"/>
           </a:solidFill>
@@ -9845,17 +9785,17 @@
           <a:sym typeface="Arial" charset="0"/>
         </a:defRPr>
       </a:lvl3pPr>
-      <a:lvl4pPr marL="1371600" algn="l" rtl="0" eaLnBrk="0" fontAlgn="base" hangingPunct="0">
+      <a:lvl4pPr marL="933648" algn="l" rtl="0" eaLnBrk="0" fontAlgn="base" hangingPunct="0">
         <a:lnSpc>
           <a:spcPct val="102000"/>
         </a:lnSpc>
         <a:spcBef>
-          <a:spcPts val="600"/>
+          <a:spcPts val="408"/>
         </a:spcBef>
         <a:spcAft>
           <a:spcPct val="0"/>
         </a:spcAft>
-        <a:defRPr sz="2000">
+        <a:defRPr sz="1361">
           <a:solidFill>
             <a:srgbClr val="FFAE00"/>
           </a:solidFill>
@@ -9865,17 +9805,17 @@
           <a:sym typeface="Arial" charset="0"/>
         </a:defRPr>
       </a:lvl4pPr>
-      <a:lvl5pPr marL="1828800" algn="l" rtl="0" eaLnBrk="0" fontAlgn="base" hangingPunct="0">
+      <a:lvl5pPr marL="1244864" algn="l" rtl="0" eaLnBrk="0" fontAlgn="base" hangingPunct="0">
         <a:lnSpc>
           <a:spcPct val="102000"/>
         </a:lnSpc>
         <a:spcBef>
-          <a:spcPts val="300"/>
+          <a:spcPts val="204"/>
         </a:spcBef>
         <a:spcAft>
           <a:spcPct val="0"/>
         </a:spcAft>
-        <a:defRPr sz="2000">
+        <a:defRPr sz="1361">
           <a:solidFill>
             <a:srgbClr val="000000"/>
           </a:solidFill>
@@ -9885,17 +9825,17 @@
           <a:sym typeface="Arial" charset="0"/>
         </a:defRPr>
       </a:lvl5pPr>
-      <a:lvl6pPr marL="2286000" algn="l" rtl="0" fontAlgn="base">
+      <a:lvl6pPr marL="1556080" algn="l" rtl="0" fontAlgn="base">
         <a:lnSpc>
           <a:spcPct val="102000"/>
         </a:lnSpc>
         <a:spcBef>
-          <a:spcPts val="300"/>
+          <a:spcPts val="204"/>
         </a:spcBef>
         <a:spcAft>
           <a:spcPct val="0"/>
         </a:spcAft>
-        <a:defRPr sz="2000">
+        <a:defRPr sz="1361">
           <a:solidFill>
             <a:srgbClr val="000000"/>
           </a:solidFill>
@@ -9905,17 +9845,17 @@
           <a:sym typeface="Arial" charset="0"/>
         </a:defRPr>
       </a:lvl6pPr>
-      <a:lvl7pPr marL="2743200" algn="l" rtl="0" fontAlgn="base">
+      <a:lvl7pPr marL="1867296" algn="l" rtl="0" fontAlgn="base">
         <a:lnSpc>
           <a:spcPct val="102000"/>
         </a:lnSpc>
         <a:spcBef>
-          <a:spcPts val="300"/>
+          <a:spcPts val="204"/>
         </a:spcBef>
         <a:spcAft>
           <a:spcPct val="0"/>
         </a:spcAft>
-        <a:defRPr sz="2000">
+        <a:defRPr sz="1361">
           <a:solidFill>
             <a:srgbClr val="000000"/>
           </a:solidFill>
@@ -9925,17 +9865,17 @@
           <a:sym typeface="Arial" charset="0"/>
         </a:defRPr>
       </a:lvl7pPr>
-      <a:lvl8pPr marL="3200400" algn="l" rtl="0" fontAlgn="base">
+      <a:lvl8pPr marL="2178512" algn="l" rtl="0" fontAlgn="base">
         <a:lnSpc>
           <a:spcPct val="102000"/>
         </a:lnSpc>
         <a:spcBef>
-          <a:spcPts val="300"/>
+          <a:spcPts val="204"/>
         </a:spcBef>
         <a:spcAft>
           <a:spcPct val="0"/>
         </a:spcAft>
-        <a:defRPr sz="2000">
+        <a:defRPr sz="1361">
           <a:solidFill>
             <a:srgbClr val="000000"/>
           </a:solidFill>
@@ -9945,17 +9885,17 @@
           <a:sym typeface="Arial" charset="0"/>
         </a:defRPr>
       </a:lvl8pPr>
-      <a:lvl9pPr marL="3657600" algn="l" rtl="0" fontAlgn="base">
+      <a:lvl9pPr marL="2489728" algn="l" rtl="0" fontAlgn="base">
         <a:lnSpc>
           <a:spcPct val="102000"/>
         </a:lnSpc>
         <a:spcBef>
-          <a:spcPts val="300"/>
+          <a:spcPts val="204"/>
         </a:spcBef>
         <a:spcAft>
           <a:spcPct val="0"/>
         </a:spcAft>
-        <a:defRPr sz="2000">
+        <a:defRPr sz="1361">
           <a:solidFill>
             <a:srgbClr val="000000"/>
           </a:solidFill>
@@ -9970,8 +9910,8 @@
       <a:defPPr>
         <a:defRPr lang="es-ES_tradnl"/>
       </a:defPPr>
-      <a:lvl1pPr marL="0" algn="l" defTabSz="457200" rtl="0" eaLnBrk="1" latinLnBrk="0" hangingPunct="1">
-        <a:defRPr sz="1800" kern="1200">
+      <a:lvl1pPr marL="0" algn="l" defTabSz="311216" rtl="0" eaLnBrk="1" latinLnBrk="0" hangingPunct="1">
+        <a:defRPr sz="1225" kern="1200">
           <a:solidFill>
             <a:schemeClr val="tx1"/>
           </a:solidFill>
@@ -9980,8 +9920,8 @@
           <a:cs typeface="+mn-cs"/>
         </a:defRPr>
       </a:lvl1pPr>
-      <a:lvl2pPr marL="457200" algn="l" defTabSz="457200" rtl="0" eaLnBrk="1" latinLnBrk="0" hangingPunct="1">
-        <a:defRPr sz="1800" kern="1200">
+      <a:lvl2pPr marL="311216" algn="l" defTabSz="311216" rtl="0" eaLnBrk="1" latinLnBrk="0" hangingPunct="1">
+        <a:defRPr sz="1225" kern="1200">
           <a:solidFill>
             <a:schemeClr val="tx1"/>
           </a:solidFill>
@@ -9990,8 +9930,8 @@
           <a:cs typeface="+mn-cs"/>
         </a:defRPr>
       </a:lvl2pPr>
-      <a:lvl3pPr marL="914400" algn="l" defTabSz="457200" rtl="0" eaLnBrk="1" latinLnBrk="0" hangingPunct="1">
-        <a:defRPr sz="1800" kern="1200">
+      <a:lvl3pPr marL="622432" algn="l" defTabSz="311216" rtl="0" eaLnBrk="1" latinLnBrk="0" hangingPunct="1">
+        <a:defRPr sz="1225" kern="1200">
           <a:solidFill>
             <a:schemeClr val="tx1"/>
           </a:solidFill>
@@ -10000,8 +9940,8 @@
           <a:cs typeface="+mn-cs"/>
         </a:defRPr>
       </a:lvl3pPr>
-      <a:lvl4pPr marL="1371600" algn="l" defTabSz="457200" rtl="0" eaLnBrk="1" latinLnBrk="0" hangingPunct="1">
-        <a:defRPr sz="1800" kern="1200">
+      <a:lvl4pPr marL="933648" algn="l" defTabSz="311216" rtl="0" eaLnBrk="1" latinLnBrk="0" hangingPunct="1">
+        <a:defRPr sz="1225" kern="1200">
           <a:solidFill>
             <a:schemeClr val="tx1"/>
           </a:solidFill>
@@ -10010,8 +9950,8 @@
           <a:cs typeface="+mn-cs"/>
         </a:defRPr>
       </a:lvl4pPr>
-      <a:lvl5pPr marL="1828800" algn="l" defTabSz="457200" rtl="0" eaLnBrk="1" latinLnBrk="0" hangingPunct="1">
-        <a:defRPr sz="1800" kern="1200">
+      <a:lvl5pPr marL="1244864" algn="l" defTabSz="311216" rtl="0" eaLnBrk="1" latinLnBrk="0" hangingPunct="1">
+        <a:defRPr sz="1225" kern="1200">
           <a:solidFill>
             <a:schemeClr val="tx1"/>
           </a:solidFill>
@@ -10020,8 +9960,8 @@
           <a:cs typeface="+mn-cs"/>
         </a:defRPr>
       </a:lvl5pPr>
-      <a:lvl6pPr marL="2286000" algn="l" defTabSz="457200" rtl="0" eaLnBrk="1" latinLnBrk="0" hangingPunct="1">
-        <a:defRPr sz="1800" kern="1200">
+      <a:lvl6pPr marL="1556080" algn="l" defTabSz="311216" rtl="0" eaLnBrk="1" latinLnBrk="0" hangingPunct="1">
+        <a:defRPr sz="1225" kern="1200">
           <a:solidFill>
             <a:schemeClr val="tx1"/>
           </a:solidFill>
@@ -10030,8 +9970,8 @@
           <a:cs typeface="+mn-cs"/>
         </a:defRPr>
       </a:lvl6pPr>
-      <a:lvl7pPr marL="2743200" algn="l" defTabSz="457200" rtl="0" eaLnBrk="1" latinLnBrk="0" hangingPunct="1">
-        <a:defRPr sz="1800" kern="1200">
+      <a:lvl7pPr marL="1867296" algn="l" defTabSz="311216" rtl="0" eaLnBrk="1" latinLnBrk="0" hangingPunct="1">
+        <a:defRPr sz="1225" kern="1200">
           <a:solidFill>
             <a:schemeClr val="tx1"/>
           </a:solidFill>
@@ -10040,8 +9980,8 @@
           <a:cs typeface="+mn-cs"/>
         </a:defRPr>
       </a:lvl7pPr>
-      <a:lvl8pPr marL="3200400" algn="l" defTabSz="457200" rtl="0" eaLnBrk="1" latinLnBrk="0" hangingPunct="1">
-        <a:defRPr sz="1800" kern="1200">
+      <a:lvl8pPr marL="2178512" algn="l" defTabSz="311216" rtl="0" eaLnBrk="1" latinLnBrk="0" hangingPunct="1">
+        <a:defRPr sz="1225" kern="1200">
           <a:solidFill>
             <a:schemeClr val="tx1"/>
           </a:solidFill>
@@ -10050,8 +9990,8 @@
           <a:cs typeface="+mn-cs"/>
         </a:defRPr>
       </a:lvl8pPr>
-      <a:lvl9pPr marL="3657600" algn="l" defTabSz="457200" rtl="0" eaLnBrk="1" latinLnBrk="0" hangingPunct="1">
-        <a:defRPr sz="1800" kern="1200">
+      <a:lvl9pPr marL="2489728" algn="l" defTabSz="311216" rtl="0" eaLnBrk="1" latinLnBrk="0" hangingPunct="1">
+        <a:defRPr sz="1225" kern="1200">
           <a:solidFill>
             <a:schemeClr val="tx1"/>
           </a:solidFill>
@@ -10092,8 +10032,8 @@
         </p:nvSpPr>
         <p:spPr bwMode="auto">
           <a:xfrm>
-            <a:off x="4927600" y="7137400"/>
-            <a:ext cx="228600" cy="228600"/>
+            <a:off x="4497981" y="4858230"/>
+            <a:ext cx="155602" cy="155602"/>
           </a:xfrm>
           <a:prstGeom prst="rect">
             <a:avLst/>
@@ -10116,7 +10056,7 @@
           <a:p>
             <a:pPr algn="ctr"/>
             <a:fld id="{53BFD2E3-0292-8B4C-BBA1-0FE5CED903C7}" type="slidenum">
-              <a:rPr lang="en-US" sz="900">
+              <a:rPr lang="en-US" sz="613">
                 <a:solidFill>
                   <a:schemeClr val="tx1"/>
                 </a:solidFill>
@@ -10128,7 +10068,7 @@
               <a:pPr algn="ctr"/>
               <a:t>1</a:t>
             </a:fld>
-            <a:endParaRPr lang="en-US" sz="900">
+            <a:endParaRPr lang="en-US" sz="613">
               <a:solidFill>
                 <a:schemeClr val="tx1"/>
               </a:solidFill>
@@ -10152,8 +10092,8 @@
         </p:nvSpPr>
         <p:spPr>
           <a:xfrm>
-            <a:off x="755650" y="2725738"/>
-            <a:ext cx="8561388" cy="2565400"/>
+            <a:off x="1658251" y="1855334"/>
+            <a:ext cx="5827499" cy="1746197"/>
           </a:xfrm>
         </p:spPr>
         <p:txBody>
@@ -10169,19 +10109,11 @@
             </a:br>
             <a:r>
               <a:rPr lang="es-AR" noProof="0" dirty="0"/>
-              <a:t>Capítulo </a:t>
-            </a:r>
-            <a:r>
-              <a:rPr lang="es-AR" noProof="0" dirty="0" smtClean="0"/>
-              <a:t>V: </a:t>
-            </a:r>
-            <a:r>
-              <a:rPr lang="es-AR" dirty="0" smtClean="0"/>
-              <a:t>Operaci</a:t>
-            </a:r>
-            <a:r>
-              <a:rPr lang="es-AR" dirty="0" smtClean="0"/>
-              <a:t>ón básica de DNSSEC con BIND 9</a:t>
+              <a:t>Capítulo V: </a:t>
+            </a:r>
+            <a:r>
+              <a:rPr lang="es-AR" dirty="0"/>
+              <a:t>Operación básica de DNSSEC con BIND 9</a:t>
             </a:r>
             <a:endParaRPr lang="es-AR" noProof="0" dirty="0"/>
           </a:p>
@@ -10199,8 +10131,8 @@
         </p:nvSpPr>
         <p:spPr>
           <a:xfrm>
-            <a:off x="4748213" y="5591175"/>
-            <a:ext cx="5256212" cy="1931988"/>
+            <a:off x="4375877" y="3805758"/>
+            <a:ext cx="3577758" cy="1315051"/>
           </a:xfrm>
         </p:spPr>
         <p:txBody>
@@ -10211,7 +10143,7 @@
               <a:defRPr/>
             </a:pPr>
             <a:r>
-              <a:rPr lang="es-AR" noProof="0" smtClean="0"/>
+              <a:rPr lang="es-AR" noProof="0"/>
               <a:t>Carlos Martínez-Cagnazzo</a:t>
             </a:r>
           </a:p>
@@ -10220,7 +10152,7 @@
               <a:defRPr/>
             </a:pPr>
             <a:r>
-              <a:rPr lang="es-AR" noProof="0" smtClean="0">
+              <a:rPr lang="es-AR" noProof="0">
                 <a:solidFill>
                   <a:schemeClr val="accent5">
                     <a:lumMod val="90000"/>
@@ -10229,13 +10161,6 @@
               </a:rPr>
               <a:t>carlos  @ lacnic.net</a:t>
             </a:r>
-            <a:endParaRPr lang="es-AR" noProof="0">
-              <a:solidFill>
-                <a:schemeClr val="accent5">
-                  <a:lumMod val="90000"/>
-                </a:schemeClr>
-              </a:solidFill>
-            </a:endParaRPr>
           </a:p>
         </p:txBody>
       </p:sp>
@@ -10244,7 +10169,7 @@
   <p:clrMapOvr>
     <a:masterClrMapping/>
   </p:clrMapOvr>
-  <p:transition xmlns:p14="http://schemas.microsoft.com/office/powerpoint/2010/main"/>
+  <p:transition/>
 </p:sld>
 </file>
 
@@ -10284,7 +10209,7 @@
               <a:defRPr/>
             </a:pPr>
             <a:r>
-              <a:rPr lang="es-AR" noProof="0" dirty="0" smtClean="0"/>
+              <a:rPr lang="es-AR" noProof="0" dirty="0"/>
               <a:t>DNSSEC con BIND 9</a:t>
             </a:r>
             <a:endParaRPr lang="es-AR" i="1" noProof="0" dirty="0"/>
@@ -10308,13 +10233,8 @@
           <a:p>
             <a:r>
               <a:rPr lang="es-AR" noProof="0" dirty="0"/>
-              <a:t>Tutorial DNS Capítulo </a:t>
-            </a:r>
-            <a:r>
-              <a:rPr lang="es-AR" noProof="0" dirty="0" smtClean="0"/>
-              <a:t>V</a:t>
-            </a:r>
-            <a:endParaRPr lang="es-AR" noProof="0" dirty="0"/>
+              <a:t>Tutorial DNS Capítulo V</a:t>
+            </a:r>
           </a:p>
         </p:txBody>
       </p:sp>
@@ -10349,14 +10269,7 @@
   <p:clrMapOvr>
     <a:masterClrMapping/>
   </p:clrMapOvr>
-  <p:transition xmlns:p14="http://schemas.microsoft.com/office/powerpoint/2010/main"/>
-  <p:timing>
-    <p:tnLst>
-      <p:par>
-        <p:cTn xmlns:p14="http://schemas.microsoft.com/office/powerpoint/2010/main" id="1" dur="indefinite" restart="never" nodeType="tmRoot"/>
-      </p:par>
-    </p:tnLst>
-  </p:timing>
+  <p:transition/>
 </p:sld>
 </file>
 
@@ -10393,10 +10306,9 @@
           <a:lstStyle/>
           <a:p>
             <a:r>
-              <a:rPr lang="en-US" dirty="0" smtClean="0"/>
+              <a:rPr lang="en-US" dirty="0"/>
               <a:t>DNSSEC con BIND9</a:t>
             </a:r>
-            <a:endParaRPr lang="en-US" dirty="0"/>
           </a:p>
         </p:txBody>
       </p:sp>
@@ -10416,14 +10328,13 @@
           <a:lstStyle/>
           <a:p>
             <a:r>
-              <a:rPr lang="en-US" dirty="0" err="1" smtClean="0"/>
+              <a:rPr lang="en-US" dirty="0" err="1"/>
               <a:t>Haciendo</a:t>
             </a:r>
             <a:r>
-              <a:rPr lang="en-US" dirty="0" smtClean="0"/>
+              <a:rPr lang="en-US" dirty="0"/>
               <a:t> DNSSEC con BIND 9 ***</a:t>
             </a:r>
-            <a:endParaRPr lang="en-US" dirty="0"/>
           </a:p>
         </p:txBody>
       </p:sp>
@@ -10461,7 +10372,7 @@
   <p:clrMapOvr>
     <a:masterClrMapping/>
   </p:clrMapOvr>
-  <p:transition xmlns:p14="http://schemas.microsoft.com/office/powerpoint/2010/main"/>
+  <p:transition/>
 </p:sld>
 </file>
 
@@ -10492,8 +10403,8 @@
         </p:nvSpPr>
         <p:spPr bwMode="auto">
           <a:xfrm>
-            <a:off x="825500" y="4200525"/>
-            <a:ext cx="8559800" cy="1041400"/>
+            <a:off x="1705796" y="2859181"/>
+            <a:ext cx="5826418" cy="708852"/>
           </a:xfrm>
           <a:prstGeom prst="rect">
             <a:avLst/>
@@ -10519,31 +10430,31 @@
                 <a:spcPct val="109000"/>
               </a:lnSpc>
               <a:tabLst>
-                <a:tab pos="469900" algn="l"/>
-                <a:tab pos="952500" algn="l"/>
-                <a:tab pos="1435100" algn="l"/>
-                <a:tab pos="1905000" algn="l"/>
-                <a:tab pos="2387600" algn="l"/>
-                <a:tab pos="2870200" algn="l"/>
-                <a:tab pos="3340100" algn="l"/>
-                <a:tab pos="3835400" algn="l"/>
-                <a:tab pos="4305300" algn="l"/>
-                <a:tab pos="4787900" algn="l"/>
-                <a:tab pos="5257800" algn="l"/>
-                <a:tab pos="5753100" algn="l"/>
-                <a:tab pos="6210300" algn="l"/>
-                <a:tab pos="6705600" algn="l"/>
-                <a:tab pos="7175500" algn="l"/>
-                <a:tab pos="7658100" algn="l"/>
-                <a:tab pos="8140700" algn="l"/>
-                <a:tab pos="8610600" algn="l"/>
-                <a:tab pos="9093200" algn="l"/>
-                <a:tab pos="9575800" algn="l"/>
-                <a:tab pos="9753600" algn="l"/>
+                <a:tab pos="319861" algn="l"/>
+                <a:tab pos="648367" algn="l"/>
+                <a:tab pos="976873" algn="l"/>
+                <a:tab pos="1296734" algn="l"/>
+                <a:tab pos="1625239" algn="l"/>
+                <a:tab pos="1953745" algn="l"/>
+                <a:tab pos="2273606" algn="l"/>
+                <a:tab pos="2610757" algn="l"/>
+                <a:tab pos="2930618" algn="l"/>
+                <a:tab pos="3259124" algn="l"/>
+                <a:tab pos="3578984" algn="l"/>
+                <a:tab pos="3916135" algn="l"/>
+                <a:tab pos="4227351" algn="l"/>
+                <a:tab pos="4564502" algn="l"/>
+                <a:tab pos="4884363" algn="l"/>
+                <a:tab pos="5212869" algn="l"/>
+                <a:tab pos="5541374" algn="l"/>
+                <a:tab pos="5861235" algn="l"/>
+                <a:tab pos="6189741" algn="l"/>
+                <a:tab pos="6518247" algn="l"/>
+                <a:tab pos="6639276" algn="l"/>
               </a:tabLst>
             </a:pPr>
             <a:r>
-              <a:rPr lang="en-US" sz="3400" dirty="0">
+              <a:rPr lang="en-US" sz="2314" dirty="0">
                 <a:solidFill>
                   <a:srgbClr val="D9D9D9"/>
                 </a:solidFill>
@@ -10560,7 +10471,7 @@
               <a:t>Fin del </a:t>
             </a:r>
             <a:r>
-              <a:rPr lang="en-US" sz="3400" dirty="0" err="1">
+              <a:rPr lang="en-US" sz="2314" dirty="0" err="1">
                 <a:solidFill>
                   <a:srgbClr val="D9D9D9"/>
                 </a:solidFill>
@@ -10577,7 +10488,7 @@
               <a:t>Capítulo</a:t>
             </a:r>
             <a:r>
-              <a:rPr lang="en-US" sz="3400" dirty="0">
+              <a:rPr lang="en-US" sz="2314" dirty="0">
                 <a:solidFill>
                   <a:srgbClr val="D9D9D9"/>
                 </a:solidFill>
@@ -10591,26 +10502,9 @@
                 <a:cs typeface="Arial" charset="0"/>
                 <a:sym typeface="Calibri Bold" charset="0"/>
               </a:rPr>
-              <a:t> </a:t>
-            </a:r>
-            <a:r>
-              <a:rPr lang="en-US" sz="3400" dirty="0" smtClean="0">
-                <a:solidFill>
-                  <a:srgbClr val="D9D9D9"/>
-                </a:solidFill>
-                <a:effectLst>
-                  <a:outerShdw blurRad="38100" dist="38100" dir="2700000" algn="tl">
-                    <a:srgbClr val="FFFFFF"/>
-                  </a:outerShdw>
-                </a:effectLst>
-                <a:latin typeface="Arial" charset="0"/>
-                <a:ea typeface="Arial" charset="0"/>
-                <a:cs typeface="Arial" charset="0"/>
-                <a:sym typeface="Calibri Bold" charset="0"/>
-              </a:rPr>
-              <a:t>V</a:t>
-            </a:r>
-            <a:endParaRPr lang="en-US" sz="4800" dirty="0">
+              <a:t> V</a:t>
+            </a:r>
+            <a:endParaRPr lang="en-US" sz="3267" dirty="0">
               <a:solidFill>
                 <a:srgbClr val="D9D9D9"/>
               </a:solidFill>
@@ -10637,8 +10531,8 @@
         </p:nvSpPr>
         <p:spPr bwMode="auto">
           <a:xfrm>
-            <a:off x="1038225" y="5632450"/>
-            <a:ext cx="8229600" cy="406400"/>
+            <a:off x="1850591" y="3833853"/>
+            <a:ext cx="5601661" cy="276625"/>
           </a:xfrm>
           <a:prstGeom prst="rect">
             <a:avLst/>
@@ -10664,34 +10558,34 @@
                 <a:spcPct val="90000"/>
               </a:lnSpc>
               <a:spcBef>
-                <a:spcPts val="1488"/>
+                <a:spcPts val="1013"/>
               </a:spcBef>
               <a:tabLst>
-                <a:tab pos="469900" algn="l"/>
-                <a:tab pos="952500" algn="l"/>
-                <a:tab pos="1435100" algn="l"/>
-                <a:tab pos="1905000" algn="l"/>
-                <a:tab pos="2387600" algn="l"/>
-                <a:tab pos="2870200" algn="l"/>
-                <a:tab pos="3340100" algn="l"/>
-                <a:tab pos="3835400" algn="l"/>
-                <a:tab pos="4305300" algn="l"/>
-                <a:tab pos="4787900" algn="l"/>
-                <a:tab pos="5257800" algn="l"/>
-                <a:tab pos="5753100" algn="l"/>
-                <a:tab pos="6210300" algn="l"/>
-                <a:tab pos="6705600" algn="l"/>
-                <a:tab pos="7175500" algn="l"/>
-                <a:tab pos="7658100" algn="l"/>
-                <a:tab pos="8140700" algn="l"/>
-                <a:tab pos="8610600" algn="l"/>
-                <a:tab pos="9093200" algn="l"/>
-                <a:tab pos="9575800" algn="l"/>
-                <a:tab pos="9753600" algn="l"/>
+                <a:tab pos="319861" algn="l"/>
+                <a:tab pos="648367" algn="l"/>
+                <a:tab pos="976873" algn="l"/>
+                <a:tab pos="1296734" algn="l"/>
+                <a:tab pos="1625239" algn="l"/>
+                <a:tab pos="1953745" algn="l"/>
+                <a:tab pos="2273606" algn="l"/>
+                <a:tab pos="2610757" algn="l"/>
+                <a:tab pos="2930618" algn="l"/>
+                <a:tab pos="3259124" algn="l"/>
+                <a:tab pos="3578984" algn="l"/>
+                <a:tab pos="3916135" algn="l"/>
+                <a:tab pos="4227351" algn="l"/>
+                <a:tab pos="4564502" algn="l"/>
+                <a:tab pos="4884363" algn="l"/>
+                <a:tab pos="5212869" algn="l"/>
+                <a:tab pos="5541374" algn="l"/>
+                <a:tab pos="5861235" algn="l"/>
+                <a:tab pos="6189741" algn="l"/>
+                <a:tab pos="6518247" algn="l"/>
+                <a:tab pos="6639276" algn="l"/>
               </a:tabLst>
             </a:pPr>
             <a:r>
-              <a:rPr lang="en-US" sz="2800">
+              <a:rPr lang="en-US" sz="1906">
                 <a:solidFill>
                   <a:srgbClr val="CCCCFF"/>
                 </a:solidFill>
@@ -10715,8 +10609,8 @@
         </p:nvSpPr>
         <p:spPr bwMode="auto">
           <a:xfrm>
-            <a:off x="4930775" y="7261225"/>
-            <a:ext cx="215900" cy="215900"/>
+            <a:off x="4500142" y="4942515"/>
+            <a:ext cx="146957" cy="146957"/>
           </a:xfrm>
           <a:prstGeom prst="rect">
             <a:avLst/>
@@ -10739,7 +10633,7 @@
           <a:p>
             <a:pPr algn="ctr"/>
             <a:fld id="{FE26C9C2-0D6D-5941-9438-EAE5FE574392}" type="slidenum">
-              <a:rPr lang="en-US" sz="800">
+              <a:rPr lang="en-US" sz="545">
                 <a:solidFill>
                   <a:schemeClr val="tx1"/>
                 </a:solidFill>
@@ -10751,7 +10645,7 @@
               <a:pPr algn="ctr"/>
               <a:t>4</a:t>
             </a:fld>
-            <a:endParaRPr lang="en-US" sz="800">
+            <a:endParaRPr lang="en-US" sz="545">
               <a:solidFill>
                 <a:schemeClr val="tx1"/>
               </a:solidFill>
@@ -10768,7 +10662,7 @@
   <p:clrMapOvr>
     <a:masterClrMapping/>
   </p:clrMapOvr>
-  <p:transition xmlns:p14="http://schemas.microsoft.com/office/powerpoint/2010/main"/>
+  <p:transition/>
 </p:sld>
 </file>
 
